--- a/docs/Apollo 13 - Logos Polytechnikos.pptx
+++ b/docs/Apollo 13 - Logos Polytechnikos.pptx
@@ -10,6 +10,9 @@
     <p:sldId id="258" r:id="rId4"/>
     <p:sldId id="257" r:id="rId5"/>
     <p:sldId id="259" r:id="rId6"/>
+    <p:sldId id="261" r:id="rId7"/>
+    <p:sldId id="263" r:id="rId8"/>
+    <p:sldId id="264" r:id="rId9"/>
   </p:sldIdLst>
   <p:sldSz cx="12192000" cy="6858000"/>
   <p:notesSz cx="6858000" cy="9144000"/>
@@ -108,6 +111,11 @@
       </a:defRPr>
     </a:lvl9pPr>
   </p:defaultTextStyle>
+  <p:extLst>
+    <p:ext uri="{EFAFB233-063F-42B5-8137-9DF3F51BA10A}">
+      <p15:sldGuideLst xmlns:p15="http://schemas.microsoft.com/office/powerpoint/2012/main"/>
+    </p:ext>
+  </p:extLst>
 </p:presentation>
 </file>
 
@@ -3754,6 +3762,14 @@
 <file path=ppt/slides/slide5.xml><?xml version="1.0" encoding="utf-8"?>
 <p:sld xmlns:a="http://schemas.openxmlformats.org/drawingml/2006/main" xmlns:r="http://schemas.openxmlformats.org/officeDocument/2006/relationships" xmlns:p="http://schemas.openxmlformats.org/presentationml/2006/main">
   <p:cSld>
+    <p:bg>
+      <p:bgPr>
+        <a:solidFill>
+          <a:schemeClr val="bg1"/>
+        </a:solidFill>
+        <a:effectLst/>
+      </p:bgPr>
+    </p:bg>
     <p:spTree>
       <p:nvGrpSpPr>
         <p:cNvPr id="1" name=""/>
@@ -3770,6 +3786,70 @@
       </p:grpSpPr>
       <p:sp>
         <p:nvSpPr>
+          <p:cNvPr id="15" name="Rectangle 14">
+            <a:extLst>
+              <a:ext uri="{FF2B5EF4-FFF2-40B4-BE49-F238E27FC236}">
+                <a16:creationId xmlns:a16="http://schemas.microsoft.com/office/drawing/2014/main" id="{867D4867-5BA7-4462-B2F6-A23F4A622AA7}"/>
+              </a:ext>
+              <a:ext uri="{C183D7F6-B498-43B3-948B-1728B52AA6E4}">
+                <adec:decorative xmlns:adec="http://schemas.microsoft.com/office/drawing/2017/decorative" val="1"/>
+              </a:ext>
+            </a:extLst>
+          </p:cNvPr>
+          <p:cNvSpPr>
+            <a:spLocks noGrp="1" noRot="1" noChangeAspect="1" noMove="1" noResize="1" noEditPoints="1" noAdjustHandles="1" noChangeArrowheads="1" noChangeShapeType="1" noTextEdit="1"/>
+          </p:cNvSpPr>
+          <p:nvPr>
+            <p:extLst>
+              <p:ext uri="{386F3935-93C4-4BCD-93E2-E3B085C9AB24}">
+                <p16:designElem xmlns:p16="http://schemas.microsoft.com/office/powerpoint/2015/main" val="1"/>
+              </p:ext>
+            </p:extLst>
+          </p:nvPr>
+        </p:nvSpPr>
+        <p:spPr>
+          <a:xfrm>
+            <a:off x="0" y="0"/>
+            <a:ext cx="4654296" cy="6858000"/>
+          </a:xfrm>
+          <a:prstGeom prst="rect">
+            <a:avLst/>
+          </a:prstGeom>
+          <a:solidFill>
+            <a:schemeClr val="tx1">
+              <a:lumMod val="75000"/>
+              <a:lumOff val="25000"/>
+            </a:schemeClr>
+          </a:solidFill>
+          <a:ln>
+            <a:noFill/>
+          </a:ln>
+        </p:spPr>
+        <p:style>
+          <a:lnRef idx="0">
+            <a:scrgbClr r="0" g="0" b="0"/>
+          </a:lnRef>
+          <a:fillRef idx="0">
+            <a:scrgbClr r="0" g="0" b="0"/>
+          </a:fillRef>
+          <a:effectRef idx="0">
+            <a:scrgbClr r="0" g="0" b="0"/>
+          </a:effectRef>
+          <a:fontRef idx="minor">
+            <a:schemeClr val="lt1"/>
+          </a:fontRef>
+        </p:style>
+        <p:txBody>
+          <a:bodyPr rtlCol="0" anchor="ctr"/>
+          <a:lstStyle/>
+          <a:p>
+            <a:pPr algn="ctr"/>
+            <a:endParaRPr lang="en-US"/>
+          </a:p>
+        </p:txBody>
+      </p:sp>
+      <p:sp>
+        <p:nvSpPr>
           <p:cNvPr id="2" name="Nadpis 1">
             <a:extLst>
               <a:ext uri="{FF2B5EF4-FFF2-40B4-BE49-F238E27FC236}">
@@ -3784,12 +3864,36 @@
             <p:ph type="title"/>
           </p:nvPr>
         </p:nvSpPr>
-        <p:spPr/>
-        <p:txBody>
-          <a:bodyPr/>
-          <a:lstStyle/>
-          <a:p>
-            <a:endParaRPr lang="cs-CZ"/>
+        <p:spPr>
+          <a:xfrm>
+            <a:off x="643467" y="643467"/>
+            <a:ext cx="3363974" cy="1597315"/>
+          </a:xfrm>
+          <a:noFill/>
+          <a:ln w="19050">
+            <a:solidFill>
+              <a:schemeClr val="bg1"/>
+            </a:solidFill>
+          </a:ln>
+        </p:spPr>
+        <p:txBody>
+          <a:bodyPr vert="horz" wrap="square" lIns="91440" tIns="45720" rIns="91440" bIns="45720" rtlCol="0" anchor="ctr">
+            <a:normAutofit/>
+          </a:bodyPr>
+          <a:lstStyle/>
+          <a:p>
+            <a:pPr algn="ctr"/>
+            <a:r>
+              <a:rPr lang="en-US" sz="2800" kern="1200">
+                <a:solidFill>
+                  <a:schemeClr val="bg1"/>
+                </a:solidFill>
+                <a:latin typeface="+mj-lt"/>
+                <a:ea typeface="+mj-ea"/>
+                <a:cs typeface="+mj-cs"/>
+              </a:rPr>
+              <a:t>GITHUB</a:t>
+            </a:r>
           </a:p>
         </p:txBody>
       </p:sp>
@@ -3809,44 +3913,461 @@
             <p:ph sz="half" idx="1"/>
           </p:nvPr>
         </p:nvSpPr>
-        <p:spPr/>
-        <p:txBody>
-          <a:bodyPr/>
-          <a:lstStyle/>
-          <a:p>
-            <a:endParaRPr lang="cs-CZ"/>
-          </a:p>
-        </p:txBody>
-      </p:sp>
-      <p:sp>
-        <p:nvSpPr>
-          <p:cNvPr id="4" name="Zástupný symbol pro obsah 3">
-            <a:extLst>
-              <a:ext uri="{FF2B5EF4-FFF2-40B4-BE49-F238E27FC236}">
-                <a16:creationId xmlns:a16="http://schemas.microsoft.com/office/drawing/2014/main" id="{AD7BE37F-04E0-429B-91FE-D16C596D1D03}"/>
-              </a:ext>
-            </a:extLst>
-          </p:cNvPr>
-          <p:cNvSpPr>
-            <a:spLocks noGrp="1"/>
-          </p:cNvSpPr>
+        <p:spPr>
+          <a:xfrm>
+            <a:off x="643468" y="2638044"/>
+            <a:ext cx="3363974" cy="3415622"/>
+          </a:xfrm>
+        </p:spPr>
+        <p:txBody>
+          <a:bodyPr vert="horz" lIns="91440" tIns="45720" rIns="91440" bIns="45720" rtlCol="0">
+            <a:normAutofit/>
+          </a:bodyPr>
+          <a:lstStyle/>
+          <a:p>
+            <a:r>
+              <a:rPr lang="en-US" sz="2000">
+                <a:solidFill>
+                  <a:schemeClr val="bg1"/>
+                </a:solidFill>
+              </a:rPr>
+              <a:t>Rozložení repositáře</a:t>
+            </a:r>
+          </a:p>
+          <a:p>
+            <a:r>
+              <a:rPr lang="en-US" sz="2000">
+                <a:solidFill>
+                  <a:schemeClr val="bg1"/>
+                </a:solidFill>
+              </a:rPr>
+              <a:t>TORTOISE GIT</a:t>
+            </a:r>
+          </a:p>
+          <a:p>
+            <a:endParaRPr lang="en-US" sz="2000">
+              <a:solidFill>
+                <a:schemeClr val="bg1"/>
+              </a:solidFill>
+            </a:endParaRPr>
+          </a:p>
+        </p:txBody>
+      </p:sp>
+      <p:pic>
+        <p:nvPicPr>
+          <p:cNvPr id="5" name="Zástupný symbol pro obsah 4">
+            <a:extLst>
+              <a:ext uri="{FF2B5EF4-FFF2-40B4-BE49-F238E27FC236}">
+                <a16:creationId xmlns:a16="http://schemas.microsoft.com/office/drawing/2014/main" id="{D10097BA-931A-44A7-8308-3A8F8D808061}"/>
+              </a:ext>
+            </a:extLst>
+          </p:cNvPr>
+          <p:cNvPicPr>
+            <a:picLocks noGrp="1" noChangeAspect="1"/>
+          </p:cNvPicPr>
           <p:nvPr>
             <p:ph sz="half" idx="2"/>
           </p:nvPr>
-        </p:nvSpPr>
-        <p:spPr/>
-        <p:txBody>
-          <a:bodyPr/>
-          <a:lstStyle/>
-          <a:p>
-            <a:endParaRPr lang="cs-CZ"/>
-          </a:p>
-        </p:txBody>
-      </p:sp>
+        </p:nvPicPr>
+        <p:blipFill>
+          <a:blip r:embed="rId2"/>
+          <a:stretch>
+            <a:fillRect/>
+          </a:stretch>
+        </p:blipFill>
+        <p:spPr>
+          <a:xfrm>
+            <a:off x="5297763" y="1770247"/>
+            <a:ext cx="6250769" cy="3156638"/>
+          </a:xfrm>
+          <a:prstGeom prst="rect">
+            <a:avLst/>
+          </a:prstGeom>
+        </p:spPr>
+      </p:pic>
     </p:spTree>
     <p:extLst>
       <p:ext uri="{BB962C8B-B14F-4D97-AF65-F5344CB8AC3E}">
         <p14:creationId xmlns:p14="http://schemas.microsoft.com/office/powerpoint/2010/main" val="1227696234"/>
+      </p:ext>
+    </p:extLst>
+  </p:cSld>
+  <p:clrMapOvr>
+    <a:masterClrMapping/>
+  </p:clrMapOvr>
+</p:sld>
+</file>
+
+<file path=ppt/slides/slide6.xml><?xml version="1.0" encoding="utf-8"?>
+<p:sld xmlns:a="http://schemas.openxmlformats.org/drawingml/2006/main" xmlns:r="http://schemas.openxmlformats.org/officeDocument/2006/relationships" xmlns:p="http://schemas.openxmlformats.org/presentationml/2006/main">
+  <p:cSld>
+    <p:spTree>
+      <p:nvGrpSpPr>
+        <p:cNvPr id="1" name=""/>
+        <p:cNvGrpSpPr/>
+        <p:nvPr/>
+      </p:nvGrpSpPr>
+      <p:grpSpPr>
+        <a:xfrm>
+          <a:off x="0" y="0"/>
+          <a:ext cx="0" cy="0"/>
+          <a:chOff x="0" y="0"/>
+          <a:chExt cx="0" cy="0"/>
+        </a:xfrm>
+      </p:grpSpPr>
+      <p:sp>
+        <p:nvSpPr>
+          <p:cNvPr id="2" name="Nadpis 1">
+            <a:extLst>
+              <a:ext uri="{FF2B5EF4-FFF2-40B4-BE49-F238E27FC236}">
+                <a16:creationId xmlns:a16="http://schemas.microsoft.com/office/drawing/2014/main" id="{E7DB39F0-4EF0-4B45-AE27-2CECE7D3AF95}"/>
+              </a:ext>
+            </a:extLst>
+          </p:cNvPr>
+          <p:cNvSpPr>
+            <a:spLocks noGrp="1"/>
+          </p:cNvSpPr>
+          <p:nvPr>
+            <p:ph type="title"/>
+          </p:nvPr>
+        </p:nvSpPr>
+        <p:spPr/>
+        <p:txBody>
+          <a:bodyPr/>
+          <a:lstStyle/>
+          <a:p>
+            <a:r>
+              <a:rPr lang="cs-CZ" dirty="0" err="1"/>
+              <a:t>Scrumdesk</a:t>
+            </a:r>
+            <a:endParaRPr lang="cs-CZ" dirty="0"/>
+          </a:p>
+        </p:txBody>
+      </p:sp>
+      <p:sp>
+        <p:nvSpPr>
+          <p:cNvPr id="3" name="Zástupný symbol pro obsah 2">
+            <a:extLst>
+              <a:ext uri="{FF2B5EF4-FFF2-40B4-BE49-F238E27FC236}">
+                <a16:creationId xmlns:a16="http://schemas.microsoft.com/office/drawing/2014/main" id="{8D91EB6C-8023-4F98-BDFE-482379842588}"/>
+              </a:ext>
+            </a:extLst>
+          </p:cNvPr>
+          <p:cNvSpPr>
+            <a:spLocks noGrp="1"/>
+          </p:cNvSpPr>
+          <p:nvPr>
+            <p:ph sz="half" idx="1"/>
+          </p:nvPr>
+        </p:nvSpPr>
+        <p:spPr/>
+        <p:txBody>
+          <a:bodyPr/>
+          <a:lstStyle/>
+          <a:p>
+            <a:r>
+              <a:rPr lang="cs-CZ" dirty="0"/>
+              <a:t>Retrospektiva navržená v retro desku</a:t>
+            </a:r>
+          </a:p>
+          <a:p>
+            <a:r>
+              <a:rPr lang="cs-CZ" dirty="0" err="1"/>
+              <a:t>Timesheet</a:t>
+            </a:r>
+            <a:r>
+              <a:rPr lang="cs-CZ" dirty="0"/>
+              <a:t> nastavení začátku</a:t>
+            </a:r>
+          </a:p>
+          <a:p>
+            <a:r>
+              <a:rPr lang="cs-CZ" dirty="0"/>
+              <a:t>Team </a:t>
+            </a:r>
+            <a:r>
+              <a:rPr lang="cs-CZ" dirty="0" err="1"/>
+              <a:t>leveling</a:t>
+            </a:r>
+            <a:r>
+              <a:rPr lang="cs-CZ" dirty="0"/>
+              <a:t> ve sprintech se odečítá</a:t>
+            </a:r>
+          </a:p>
+        </p:txBody>
+      </p:sp>
+      <p:pic>
+        <p:nvPicPr>
+          <p:cNvPr id="5" name="Zástupný symbol pro obsah 4">
+            <a:extLst>
+              <a:ext uri="{FF2B5EF4-FFF2-40B4-BE49-F238E27FC236}">
+                <a16:creationId xmlns:a16="http://schemas.microsoft.com/office/drawing/2014/main" id="{5CE91819-5E97-4892-A881-B5732BF63580}"/>
+              </a:ext>
+            </a:extLst>
+          </p:cNvPr>
+          <p:cNvPicPr>
+            <a:picLocks noGrp="1" noChangeAspect="1"/>
+          </p:cNvPicPr>
+          <p:nvPr>
+            <p:ph sz="half" idx="2"/>
+          </p:nvPr>
+        </p:nvPicPr>
+        <p:blipFill>
+          <a:blip r:embed="rId2"/>
+          <a:stretch>
+            <a:fillRect/>
+          </a:stretch>
+        </p:blipFill>
+        <p:spPr>
+          <a:xfrm>
+            <a:off x="6172202" y="1825625"/>
+            <a:ext cx="2066925" cy="693640"/>
+          </a:xfrm>
+          <a:prstGeom prst="rect">
+            <a:avLst/>
+          </a:prstGeom>
+        </p:spPr>
+      </p:pic>
+      <p:pic>
+        <p:nvPicPr>
+          <p:cNvPr id="6" name="Obrázek 5">
+            <a:extLst>
+              <a:ext uri="{FF2B5EF4-FFF2-40B4-BE49-F238E27FC236}">
+                <a16:creationId xmlns:a16="http://schemas.microsoft.com/office/drawing/2014/main" id="{BC1E1236-86B8-451C-80C4-085583CACB2B}"/>
+              </a:ext>
+            </a:extLst>
+          </p:cNvPr>
+          <p:cNvPicPr>
+            <a:picLocks noChangeAspect="1"/>
+          </p:cNvPicPr>
+          <p:nvPr/>
+        </p:nvPicPr>
+        <p:blipFill>
+          <a:blip r:embed="rId3"/>
+          <a:stretch>
+            <a:fillRect/>
+          </a:stretch>
+        </p:blipFill>
+        <p:spPr>
+          <a:xfrm>
+            <a:off x="6172202" y="2519265"/>
+            <a:ext cx="4476750" cy="666750"/>
+          </a:xfrm>
+          <a:prstGeom prst="rect">
+            <a:avLst/>
+          </a:prstGeom>
+        </p:spPr>
+      </p:pic>
+      <p:pic>
+        <p:nvPicPr>
+          <p:cNvPr id="7" name="Obrázek 6">
+            <a:extLst>
+              <a:ext uri="{FF2B5EF4-FFF2-40B4-BE49-F238E27FC236}">
+                <a16:creationId xmlns:a16="http://schemas.microsoft.com/office/drawing/2014/main" id="{8A6426D2-EF99-4C72-B5ED-C9BFCD9FF13F}"/>
+              </a:ext>
+            </a:extLst>
+          </p:cNvPr>
+          <p:cNvPicPr>
+            <a:picLocks noChangeAspect="1"/>
+          </p:cNvPicPr>
+          <p:nvPr/>
+        </p:nvPicPr>
+        <p:blipFill>
+          <a:blip r:embed="rId4"/>
+          <a:stretch>
+            <a:fillRect/>
+          </a:stretch>
+        </p:blipFill>
+        <p:spPr>
+          <a:xfrm>
+            <a:off x="6172202" y="3347842"/>
+            <a:ext cx="4229100" cy="2476500"/>
+          </a:xfrm>
+          <a:prstGeom prst="rect">
+            <a:avLst/>
+          </a:prstGeom>
+        </p:spPr>
+      </p:pic>
+    </p:spTree>
+    <p:extLst>
+      <p:ext uri="{BB962C8B-B14F-4D97-AF65-F5344CB8AC3E}">
+        <p14:creationId xmlns:p14="http://schemas.microsoft.com/office/powerpoint/2010/main" val="2771711372"/>
+      </p:ext>
+    </p:extLst>
+  </p:cSld>
+  <p:clrMapOvr>
+    <a:masterClrMapping/>
+  </p:clrMapOvr>
+</p:sld>
+</file>
+
+<file path=ppt/slides/slide7.xml><?xml version="1.0" encoding="utf-8"?>
+<p:sld xmlns:a="http://schemas.openxmlformats.org/drawingml/2006/main" xmlns:r="http://schemas.openxmlformats.org/officeDocument/2006/relationships" xmlns:p="http://schemas.openxmlformats.org/presentationml/2006/main">
+  <p:cSld>
+    <p:spTree>
+      <p:nvGrpSpPr>
+        <p:cNvPr id="1" name=""/>
+        <p:cNvGrpSpPr/>
+        <p:nvPr/>
+      </p:nvGrpSpPr>
+      <p:grpSpPr>
+        <a:xfrm>
+          <a:off x="0" y="0"/>
+          <a:ext cx="0" cy="0"/>
+          <a:chOff x="0" y="0"/>
+          <a:chExt cx="0" cy="0"/>
+        </a:xfrm>
+      </p:grpSpPr>
+      <p:sp>
+        <p:nvSpPr>
+          <p:cNvPr id="2" name="Nadpis 1">
+            <a:extLst>
+              <a:ext uri="{FF2B5EF4-FFF2-40B4-BE49-F238E27FC236}">
+                <a16:creationId xmlns:a16="http://schemas.microsoft.com/office/drawing/2014/main" id="{19D79DC9-B584-4A23-A1E9-E6EF45F65404}"/>
+              </a:ext>
+            </a:extLst>
+          </p:cNvPr>
+          <p:cNvSpPr>
+            <a:spLocks noGrp="1"/>
+          </p:cNvSpPr>
+          <p:nvPr>
+            <p:ph type="title"/>
+          </p:nvPr>
+        </p:nvSpPr>
+        <p:spPr/>
+        <p:txBody>
+          <a:bodyPr/>
+          <a:lstStyle/>
+          <a:p>
+            <a:r>
+              <a:rPr lang="cs-CZ" dirty="0"/>
+              <a:t>SPRINT 2</a:t>
+            </a:r>
+          </a:p>
+        </p:txBody>
+      </p:sp>
+      <p:sp>
+        <p:nvSpPr>
+          <p:cNvPr id="4" name="Zástupný symbol pro text 3">
+            <a:extLst>
+              <a:ext uri="{FF2B5EF4-FFF2-40B4-BE49-F238E27FC236}">
+                <a16:creationId xmlns:a16="http://schemas.microsoft.com/office/drawing/2014/main" id="{57DF0EF1-D123-4C7E-90F5-E1EC372BF8A7}"/>
+              </a:ext>
+            </a:extLst>
+          </p:cNvPr>
+          <p:cNvSpPr>
+            <a:spLocks noGrp="1"/>
+          </p:cNvSpPr>
+          <p:nvPr>
+            <p:ph type="body" idx="1"/>
+          </p:nvPr>
+        </p:nvSpPr>
+        <p:spPr/>
+        <p:txBody>
+          <a:bodyPr/>
+          <a:lstStyle/>
+          <a:p>
+            <a:r>
+              <a:rPr lang="cs-CZ" dirty="0"/>
+              <a:t>KÓDOVÁNÍ A IMPLEMENTACE NA WEB</a:t>
+            </a:r>
+          </a:p>
+        </p:txBody>
+      </p:sp>
+    </p:spTree>
+    <p:extLst>
+      <p:ext uri="{BB962C8B-B14F-4D97-AF65-F5344CB8AC3E}">
+        <p14:creationId xmlns:p14="http://schemas.microsoft.com/office/powerpoint/2010/main" val="2685331247"/>
+      </p:ext>
+    </p:extLst>
+  </p:cSld>
+  <p:clrMapOvr>
+    <a:masterClrMapping/>
+  </p:clrMapOvr>
+</p:sld>
+</file>
+
+<file path=ppt/slides/slide8.xml><?xml version="1.0" encoding="utf-8"?>
+<p:sld xmlns:a="http://schemas.openxmlformats.org/drawingml/2006/main" xmlns:r="http://schemas.openxmlformats.org/officeDocument/2006/relationships" xmlns:p="http://schemas.openxmlformats.org/presentationml/2006/main">
+  <p:cSld>
+    <p:spTree>
+      <p:nvGrpSpPr>
+        <p:cNvPr id="1" name=""/>
+        <p:cNvGrpSpPr/>
+        <p:nvPr/>
+      </p:nvGrpSpPr>
+      <p:grpSpPr>
+        <a:xfrm>
+          <a:off x="0" y="0"/>
+          <a:ext cx="0" cy="0"/>
+          <a:chOff x="0" y="0"/>
+          <a:chExt cx="0" cy="0"/>
+        </a:xfrm>
+      </p:grpSpPr>
+      <p:sp>
+        <p:nvSpPr>
+          <p:cNvPr id="4" name="Nadpis 3">
+            <a:extLst>
+              <a:ext uri="{FF2B5EF4-FFF2-40B4-BE49-F238E27FC236}">
+                <a16:creationId xmlns:a16="http://schemas.microsoft.com/office/drawing/2014/main" id="{118AC78E-4274-4D97-A010-96C8B1108FED}"/>
+              </a:ext>
+            </a:extLst>
+          </p:cNvPr>
+          <p:cNvSpPr>
+            <a:spLocks noGrp="1"/>
+          </p:cNvSpPr>
+          <p:nvPr>
+            <p:ph type="title"/>
+          </p:nvPr>
+        </p:nvSpPr>
+        <p:spPr/>
+        <p:txBody>
+          <a:bodyPr/>
+          <a:lstStyle/>
+          <a:p>
+            <a:r>
+              <a:rPr lang="cs-CZ" dirty="0"/>
+              <a:t>PLÁN SPRINTU 2</a:t>
+            </a:r>
+          </a:p>
+        </p:txBody>
+      </p:sp>
+      <p:pic>
+        <p:nvPicPr>
+          <p:cNvPr id="6" name="Zástupný symbol pro obsah 5">
+            <a:extLst>
+              <a:ext uri="{FF2B5EF4-FFF2-40B4-BE49-F238E27FC236}">
+                <a16:creationId xmlns:a16="http://schemas.microsoft.com/office/drawing/2014/main" id="{A02EBB8E-4471-4787-B5E9-5D4684BE7220}"/>
+              </a:ext>
+            </a:extLst>
+          </p:cNvPr>
+          <p:cNvPicPr>
+            <a:picLocks noGrp="1" noChangeAspect="1"/>
+          </p:cNvPicPr>
+          <p:nvPr>
+            <p:ph idx="1"/>
+          </p:nvPr>
+        </p:nvPicPr>
+        <p:blipFill>
+          <a:blip r:embed="rId2"/>
+          <a:stretch>
+            <a:fillRect/>
+          </a:stretch>
+        </p:blipFill>
+        <p:spPr>
+          <a:xfrm>
+            <a:off x="1900395" y="1690688"/>
+            <a:ext cx="8391210" cy="4995798"/>
+          </a:xfrm>
+          <a:prstGeom prst="rect">
+            <a:avLst/>
+          </a:prstGeom>
+        </p:spPr>
+      </p:pic>
+    </p:spTree>
+    <p:extLst>
+      <p:ext uri="{BB962C8B-B14F-4D97-AF65-F5344CB8AC3E}">
+        <p14:creationId xmlns:p14="http://schemas.microsoft.com/office/powerpoint/2010/main" val="4264659663"/>
       </p:ext>
     </p:extLst>
   </p:cSld>

--- a/docs/Apollo 13 - Logos Polytechnikos.pptx
+++ b/docs/Apollo 13 - Logos Polytechnikos.pptx
@@ -2,7 +2,7 @@
 <file path=ppt/presentation.xml><?xml version="1.0" encoding="utf-8"?>
 <p:presentation xmlns:a="http://schemas.openxmlformats.org/drawingml/2006/main" xmlns:r="http://schemas.openxmlformats.org/officeDocument/2006/relationships" xmlns:p="http://schemas.openxmlformats.org/presentationml/2006/main" saveSubsetFonts="1">
   <p:sldMasterIdLst>
-    <p:sldMasterId id="2147483648" r:id="rId1"/>
+    <p:sldMasterId id="2147483677" r:id="rId1"/>
   </p:sldMasterIdLst>
   <p:sldIdLst>
     <p:sldId id="256" r:id="rId2"/>
@@ -13,6 +13,7 @@
     <p:sldId id="261" r:id="rId7"/>
     <p:sldId id="263" r:id="rId8"/>
     <p:sldId id="264" r:id="rId9"/>
+    <p:sldId id="265" r:id="rId10"/>
   </p:sldIdLst>
   <p:sldSz cx="12192000" cy="6858000"/>
   <p:notesSz cx="6858000" cy="9144000"/>
@@ -141,7 +142,7 @@
           <p:cNvPr id="2" name="Nadpis 1">
             <a:extLst>
               <a:ext uri="{FF2B5EF4-FFF2-40B4-BE49-F238E27FC236}">
-                <a16:creationId xmlns:a16="http://schemas.microsoft.com/office/drawing/2014/main" id="{3A3BDFA6-7B22-49CC-8A76-C12729B33A0D}"/>
+                <a16:creationId xmlns:a16="http://schemas.microsoft.com/office/drawing/2014/main" id="{8F557F19-C672-419D-B2F4-4A734F493B24}"/>
               </a:ext>
             </a:extLst>
           </p:cNvPr>
@@ -178,7 +179,7 @@
           <p:cNvPr id="3" name="Podnadpis 2">
             <a:extLst>
               <a:ext uri="{FF2B5EF4-FFF2-40B4-BE49-F238E27FC236}">
-                <a16:creationId xmlns:a16="http://schemas.microsoft.com/office/drawing/2014/main" id="{3BB96DB0-C6C2-40B3-B126-27CFA7D8BB0B}"/>
+                <a16:creationId xmlns:a16="http://schemas.microsoft.com/office/drawing/2014/main" id="{5D40AF91-804C-4F46-86AF-64829BA40D7E}"/>
               </a:ext>
             </a:extLst>
           </p:cNvPr>
@@ -248,7 +249,7 @@
           <p:cNvPr id="4" name="Zástupný symbol pro datum 3">
             <a:extLst>
               <a:ext uri="{FF2B5EF4-FFF2-40B4-BE49-F238E27FC236}">
-                <a16:creationId xmlns:a16="http://schemas.microsoft.com/office/drawing/2014/main" id="{B3CC7C34-261C-411D-9029-6F4D52D1A1E3}"/>
+                <a16:creationId xmlns:a16="http://schemas.microsoft.com/office/drawing/2014/main" id="{5CB07011-B89C-4A9C-93D7-949E2EB15B14}"/>
               </a:ext>
             </a:extLst>
           </p:cNvPr>
@@ -277,7 +278,7 @@
           <p:cNvPr id="5" name="Zástupný symbol pro zápatí 4">
             <a:extLst>
               <a:ext uri="{FF2B5EF4-FFF2-40B4-BE49-F238E27FC236}">
-                <a16:creationId xmlns:a16="http://schemas.microsoft.com/office/drawing/2014/main" id="{5BE696C3-D723-4EA9-9E36-50BE30F9DE09}"/>
+                <a16:creationId xmlns:a16="http://schemas.microsoft.com/office/drawing/2014/main" id="{814CB92C-6097-480B-A78C-2226ED657A1A}"/>
               </a:ext>
             </a:extLst>
           </p:cNvPr>
@@ -302,7 +303,7 @@
           <p:cNvPr id="6" name="Zástupný symbol pro číslo snímku 5">
             <a:extLst>
               <a:ext uri="{FF2B5EF4-FFF2-40B4-BE49-F238E27FC236}">
-                <a16:creationId xmlns:a16="http://schemas.microsoft.com/office/drawing/2014/main" id="{A940313E-28D8-4049-8B5A-E43FAD0C011A}"/>
+                <a16:creationId xmlns:a16="http://schemas.microsoft.com/office/drawing/2014/main" id="{75C4D7D3-91DC-45F9-9944-D002F8210292}"/>
               </a:ext>
             </a:extLst>
           </p:cNvPr>
@@ -329,7 +330,7 @@
     </p:spTree>
     <p:extLst>
       <p:ext uri="{BB962C8B-B14F-4D97-AF65-F5344CB8AC3E}">
-        <p14:creationId xmlns:p14="http://schemas.microsoft.com/office/powerpoint/2010/main" val="73230563"/>
+        <p14:creationId xmlns:p14="http://schemas.microsoft.com/office/powerpoint/2010/main" val="1345051465"/>
       </p:ext>
     </p:extLst>
   </p:cSld>
@@ -361,7 +362,7 @@
           <p:cNvPr id="2" name="Nadpis 1">
             <a:extLst>
               <a:ext uri="{FF2B5EF4-FFF2-40B4-BE49-F238E27FC236}">
-                <a16:creationId xmlns:a16="http://schemas.microsoft.com/office/drawing/2014/main" id="{23898B69-D6BB-4236-991B-8BBE70BFCC3B}"/>
+                <a16:creationId xmlns:a16="http://schemas.microsoft.com/office/drawing/2014/main" id="{C9607B10-A43F-49C7-9F3D-5D47C76B62CF}"/>
               </a:ext>
             </a:extLst>
           </p:cNvPr>
@@ -389,7 +390,7 @@
           <p:cNvPr id="3" name="Zástupný symbol pro svislý text 2">
             <a:extLst>
               <a:ext uri="{FF2B5EF4-FFF2-40B4-BE49-F238E27FC236}">
-                <a16:creationId xmlns:a16="http://schemas.microsoft.com/office/drawing/2014/main" id="{8FCAF648-C1CF-4B65-A200-5162D5D013AB}"/>
+                <a16:creationId xmlns:a16="http://schemas.microsoft.com/office/drawing/2014/main" id="{4ED88463-D492-4BCC-BB4A-9C78A4739FAC}"/>
               </a:ext>
             </a:extLst>
           </p:cNvPr>
@@ -446,7 +447,7 @@
           <p:cNvPr id="4" name="Zástupný symbol pro datum 3">
             <a:extLst>
               <a:ext uri="{FF2B5EF4-FFF2-40B4-BE49-F238E27FC236}">
-                <a16:creationId xmlns:a16="http://schemas.microsoft.com/office/drawing/2014/main" id="{E5D0A6D8-FA0C-4ED1-8B14-6B172A07AAEE}"/>
+                <a16:creationId xmlns:a16="http://schemas.microsoft.com/office/drawing/2014/main" id="{B53A3BE1-4687-449D-A7E5-5F598A2CCCBF}"/>
               </a:ext>
             </a:extLst>
           </p:cNvPr>
@@ -475,7 +476,7 @@
           <p:cNvPr id="5" name="Zástupný symbol pro zápatí 4">
             <a:extLst>
               <a:ext uri="{FF2B5EF4-FFF2-40B4-BE49-F238E27FC236}">
-                <a16:creationId xmlns:a16="http://schemas.microsoft.com/office/drawing/2014/main" id="{554FA342-D5E8-428C-941D-840FF49C2BC6}"/>
+                <a16:creationId xmlns:a16="http://schemas.microsoft.com/office/drawing/2014/main" id="{9A995EE8-CA4F-4FE3-AA22-ABA808847C1B}"/>
               </a:ext>
             </a:extLst>
           </p:cNvPr>
@@ -500,7 +501,7 @@
           <p:cNvPr id="6" name="Zástupný symbol pro číslo snímku 5">
             <a:extLst>
               <a:ext uri="{FF2B5EF4-FFF2-40B4-BE49-F238E27FC236}">
-                <a16:creationId xmlns:a16="http://schemas.microsoft.com/office/drawing/2014/main" id="{41B17EEF-EE85-4AE3-BC6B-E7577760C751}"/>
+                <a16:creationId xmlns:a16="http://schemas.microsoft.com/office/drawing/2014/main" id="{77E4DF47-E130-4947-BE02-0F75EE0A3DD0}"/>
               </a:ext>
             </a:extLst>
           </p:cNvPr>
@@ -527,7 +528,7 @@
     </p:spTree>
     <p:extLst>
       <p:ext uri="{BB962C8B-B14F-4D97-AF65-F5344CB8AC3E}">
-        <p14:creationId xmlns:p14="http://schemas.microsoft.com/office/powerpoint/2010/main" val="823943095"/>
+        <p14:creationId xmlns:p14="http://schemas.microsoft.com/office/powerpoint/2010/main" val="1223966657"/>
       </p:ext>
     </p:extLst>
   </p:cSld>
@@ -559,7 +560,7 @@
           <p:cNvPr id="2" name="Svislý nadpis 1">
             <a:extLst>
               <a:ext uri="{FF2B5EF4-FFF2-40B4-BE49-F238E27FC236}">
-                <a16:creationId xmlns:a16="http://schemas.microsoft.com/office/drawing/2014/main" id="{B84A1920-6D2A-42BE-94EB-B9E8F2423D6B}"/>
+                <a16:creationId xmlns:a16="http://schemas.microsoft.com/office/drawing/2014/main" id="{C23DEC71-40A3-4348-8FDC-C8629B78E85E}"/>
               </a:ext>
             </a:extLst>
           </p:cNvPr>
@@ -592,7 +593,7 @@
           <p:cNvPr id="3" name="Zástupný symbol pro svislý text 2">
             <a:extLst>
               <a:ext uri="{FF2B5EF4-FFF2-40B4-BE49-F238E27FC236}">
-                <a16:creationId xmlns:a16="http://schemas.microsoft.com/office/drawing/2014/main" id="{26498731-0B5C-495B-8A1A-92211E19B953}"/>
+                <a16:creationId xmlns:a16="http://schemas.microsoft.com/office/drawing/2014/main" id="{7A2A3E15-40CD-4E0F-93AA-ECD182969E39}"/>
               </a:ext>
             </a:extLst>
           </p:cNvPr>
@@ -654,7 +655,7 @@
           <p:cNvPr id="4" name="Zástupný symbol pro datum 3">
             <a:extLst>
               <a:ext uri="{FF2B5EF4-FFF2-40B4-BE49-F238E27FC236}">
-                <a16:creationId xmlns:a16="http://schemas.microsoft.com/office/drawing/2014/main" id="{E03CCE79-AFF7-4749-83E2-E13D19BA81E9}"/>
+                <a16:creationId xmlns:a16="http://schemas.microsoft.com/office/drawing/2014/main" id="{32A0F5BC-7472-44CF-869C-665E4B3E6A5F}"/>
               </a:ext>
             </a:extLst>
           </p:cNvPr>
@@ -683,7 +684,7 @@
           <p:cNvPr id="5" name="Zástupný symbol pro zápatí 4">
             <a:extLst>
               <a:ext uri="{FF2B5EF4-FFF2-40B4-BE49-F238E27FC236}">
-                <a16:creationId xmlns:a16="http://schemas.microsoft.com/office/drawing/2014/main" id="{AD543926-7A94-4313-BA71-D8E686396E39}"/>
+                <a16:creationId xmlns:a16="http://schemas.microsoft.com/office/drawing/2014/main" id="{52B56B59-0CCC-44A7-BF62-42D723CC47BD}"/>
               </a:ext>
             </a:extLst>
           </p:cNvPr>
@@ -708,7 +709,7 @@
           <p:cNvPr id="6" name="Zástupný symbol pro číslo snímku 5">
             <a:extLst>
               <a:ext uri="{FF2B5EF4-FFF2-40B4-BE49-F238E27FC236}">
-                <a16:creationId xmlns:a16="http://schemas.microsoft.com/office/drawing/2014/main" id="{672A3914-A862-4589-AD4F-7BAD9A7673C6}"/>
+                <a16:creationId xmlns:a16="http://schemas.microsoft.com/office/drawing/2014/main" id="{862CAC77-2791-402F-9807-CC2F2E04C649}"/>
               </a:ext>
             </a:extLst>
           </p:cNvPr>
@@ -735,7 +736,7 @@
     </p:spTree>
     <p:extLst>
       <p:ext uri="{BB962C8B-B14F-4D97-AF65-F5344CB8AC3E}">
-        <p14:creationId xmlns:p14="http://schemas.microsoft.com/office/powerpoint/2010/main" val="2684819939"/>
+        <p14:creationId xmlns:p14="http://schemas.microsoft.com/office/powerpoint/2010/main" val="1003828155"/>
       </p:ext>
     </p:extLst>
   </p:cSld>
@@ -767,7 +768,7 @@
           <p:cNvPr id="2" name="Nadpis 1">
             <a:extLst>
               <a:ext uri="{FF2B5EF4-FFF2-40B4-BE49-F238E27FC236}">
-                <a16:creationId xmlns:a16="http://schemas.microsoft.com/office/drawing/2014/main" id="{97C9F9EE-9694-4A10-B2C4-52ECA70D285D}"/>
+                <a16:creationId xmlns:a16="http://schemas.microsoft.com/office/drawing/2014/main" id="{E3374DD5-DBC3-4C03-B106-3129362471D6}"/>
               </a:ext>
             </a:extLst>
           </p:cNvPr>
@@ -795,7 +796,7 @@
           <p:cNvPr id="3" name="Zástupný symbol pro obsah 2">
             <a:extLst>
               <a:ext uri="{FF2B5EF4-FFF2-40B4-BE49-F238E27FC236}">
-                <a16:creationId xmlns:a16="http://schemas.microsoft.com/office/drawing/2014/main" id="{7CF21B25-42A7-463D-A0A0-E4A7ED2A1FE9}"/>
+                <a16:creationId xmlns:a16="http://schemas.microsoft.com/office/drawing/2014/main" id="{2329E2A9-4C43-48BC-84AC-7807418C2B0E}"/>
               </a:ext>
             </a:extLst>
           </p:cNvPr>
@@ -852,7 +853,7 @@
           <p:cNvPr id="4" name="Zástupný symbol pro datum 3">
             <a:extLst>
               <a:ext uri="{FF2B5EF4-FFF2-40B4-BE49-F238E27FC236}">
-                <a16:creationId xmlns:a16="http://schemas.microsoft.com/office/drawing/2014/main" id="{666C50EF-F37D-4F8A-B4F8-DCA52079B32D}"/>
+                <a16:creationId xmlns:a16="http://schemas.microsoft.com/office/drawing/2014/main" id="{EA5C167A-D5C1-4FED-BB9A-031A103F9D22}"/>
               </a:ext>
             </a:extLst>
           </p:cNvPr>
@@ -881,7 +882,7 @@
           <p:cNvPr id="5" name="Zástupný symbol pro zápatí 4">
             <a:extLst>
               <a:ext uri="{FF2B5EF4-FFF2-40B4-BE49-F238E27FC236}">
-                <a16:creationId xmlns:a16="http://schemas.microsoft.com/office/drawing/2014/main" id="{5915C863-3602-4E92-BE4D-D66CA02ADB86}"/>
+                <a16:creationId xmlns:a16="http://schemas.microsoft.com/office/drawing/2014/main" id="{0FF926D4-B24B-4031-849F-5F2A2A5E28AA}"/>
               </a:ext>
             </a:extLst>
           </p:cNvPr>
@@ -906,7 +907,7 @@
           <p:cNvPr id="6" name="Zástupný symbol pro číslo snímku 5">
             <a:extLst>
               <a:ext uri="{FF2B5EF4-FFF2-40B4-BE49-F238E27FC236}">
-                <a16:creationId xmlns:a16="http://schemas.microsoft.com/office/drawing/2014/main" id="{78A65974-B439-440F-B6EF-8769C2288792}"/>
+                <a16:creationId xmlns:a16="http://schemas.microsoft.com/office/drawing/2014/main" id="{0400E510-50A1-456B-82FC-B8600A1185C6}"/>
               </a:ext>
             </a:extLst>
           </p:cNvPr>
@@ -933,7 +934,7 @@
     </p:spTree>
     <p:extLst>
       <p:ext uri="{BB962C8B-B14F-4D97-AF65-F5344CB8AC3E}">
-        <p14:creationId xmlns:p14="http://schemas.microsoft.com/office/powerpoint/2010/main" val="3408730607"/>
+        <p14:creationId xmlns:p14="http://schemas.microsoft.com/office/powerpoint/2010/main" val="396370777"/>
       </p:ext>
     </p:extLst>
   </p:cSld>
@@ -965,7 +966,7 @@
           <p:cNvPr id="2" name="Nadpis 1">
             <a:extLst>
               <a:ext uri="{FF2B5EF4-FFF2-40B4-BE49-F238E27FC236}">
-                <a16:creationId xmlns:a16="http://schemas.microsoft.com/office/drawing/2014/main" id="{0AA2FA33-DE93-4CEB-95C8-7F680AB20A24}"/>
+                <a16:creationId xmlns:a16="http://schemas.microsoft.com/office/drawing/2014/main" id="{18E35905-17E2-47C0-B78D-9E7D7776025F}"/>
               </a:ext>
             </a:extLst>
           </p:cNvPr>
@@ -1002,7 +1003,7 @@
           <p:cNvPr id="3" name="Zástupný symbol pro text 2">
             <a:extLst>
               <a:ext uri="{FF2B5EF4-FFF2-40B4-BE49-F238E27FC236}">
-                <a16:creationId xmlns:a16="http://schemas.microsoft.com/office/drawing/2014/main" id="{101FD7AF-F10D-445E-B13B-566BF283C2A8}"/>
+                <a16:creationId xmlns:a16="http://schemas.microsoft.com/office/drawing/2014/main" id="{AC9B64A3-E32A-4D67-B007-D190CABF1C65}"/>
               </a:ext>
             </a:extLst>
           </p:cNvPr>
@@ -1127,7 +1128,7 @@
           <p:cNvPr id="4" name="Zástupný symbol pro datum 3">
             <a:extLst>
               <a:ext uri="{FF2B5EF4-FFF2-40B4-BE49-F238E27FC236}">
-                <a16:creationId xmlns:a16="http://schemas.microsoft.com/office/drawing/2014/main" id="{825F810B-C1E8-4CB5-A455-64F65EA93ABF}"/>
+                <a16:creationId xmlns:a16="http://schemas.microsoft.com/office/drawing/2014/main" id="{28CD9BF1-93A5-40B8-AA80-43EE287093A6}"/>
               </a:ext>
             </a:extLst>
           </p:cNvPr>
@@ -1156,7 +1157,7 @@
           <p:cNvPr id="5" name="Zástupný symbol pro zápatí 4">
             <a:extLst>
               <a:ext uri="{FF2B5EF4-FFF2-40B4-BE49-F238E27FC236}">
-                <a16:creationId xmlns:a16="http://schemas.microsoft.com/office/drawing/2014/main" id="{6BA66BBD-B778-4A15-B57F-B745D15FCCE5}"/>
+                <a16:creationId xmlns:a16="http://schemas.microsoft.com/office/drawing/2014/main" id="{BB75C8D5-D2D6-4F5A-8B04-03F780B838E8}"/>
               </a:ext>
             </a:extLst>
           </p:cNvPr>
@@ -1181,7 +1182,7 @@
           <p:cNvPr id="6" name="Zástupný symbol pro číslo snímku 5">
             <a:extLst>
               <a:ext uri="{FF2B5EF4-FFF2-40B4-BE49-F238E27FC236}">
-                <a16:creationId xmlns:a16="http://schemas.microsoft.com/office/drawing/2014/main" id="{C5A39AD5-7821-4138-ABA8-6DC5C1F519C3}"/>
+                <a16:creationId xmlns:a16="http://schemas.microsoft.com/office/drawing/2014/main" id="{27BE2718-6E17-4457-96AB-D56ED2AEEB24}"/>
               </a:ext>
             </a:extLst>
           </p:cNvPr>
@@ -1208,7 +1209,7 @@
     </p:spTree>
     <p:extLst>
       <p:ext uri="{BB962C8B-B14F-4D97-AF65-F5344CB8AC3E}">
-        <p14:creationId xmlns:p14="http://schemas.microsoft.com/office/powerpoint/2010/main" val="560678061"/>
+        <p14:creationId xmlns:p14="http://schemas.microsoft.com/office/powerpoint/2010/main" val="2657189562"/>
       </p:ext>
     </p:extLst>
   </p:cSld>
@@ -1240,7 +1241,7 @@
           <p:cNvPr id="2" name="Nadpis 1">
             <a:extLst>
               <a:ext uri="{FF2B5EF4-FFF2-40B4-BE49-F238E27FC236}">
-                <a16:creationId xmlns:a16="http://schemas.microsoft.com/office/drawing/2014/main" id="{5990806F-9849-46F8-A2DE-28339840F410}"/>
+                <a16:creationId xmlns:a16="http://schemas.microsoft.com/office/drawing/2014/main" id="{3AAA96D3-8856-4397-9458-B6F1531E0864}"/>
               </a:ext>
             </a:extLst>
           </p:cNvPr>
@@ -1268,7 +1269,7 @@
           <p:cNvPr id="3" name="Zástupný symbol pro obsah 2">
             <a:extLst>
               <a:ext uri="{FF2B5EF4-FFF2-40B4-BE49-F238E27FC236}">
-                <a16:creationId xmlns:a16="http://schemas.microsoft.com/office/drawing/2014/main" id="{6F247DB9-3509-49B1-A9AA-6142E0A6FC38}"/>
+                <a16:creationId xmlns:a16="http://schemas.microsoft.com/office/drawing/2014/main" id="{D4B0814F-9EB2-4C88-BA72-7D87D042EB5F}"/>
               </a:ext>
             </a:extLst>
           </p:cNvPr>
@@ -1330,7 +1331,7 @@
           <p:cNvPr id="4" name="Zástupný symbol pro obsah 3">
             <a:extLst>
               <a:ext uri="{FF2B5EF4-FFF2-40B4-BE49-F238E27FC236}">
-                <a16:creationId xmlns:a16="http://schemas.microsoft.com/office/drawing/2014/main" id="{A54F9955-7780-4B02-95F4-1B66F32E26FF}"/>
+                <a16:creationId xmlns:a16="http://schemas.microsoft.com/office/drawing/2014/main" id="{CD634C2F-8E9A-4313-8DEF-1BD094DDBD71}"/>
               </a:ext>
             </a:extLst>
           </p:cNvPr>
@@ -1392,7 +1393,7 @@
           <p:cNvPr id="5" name="Zástupný symbol pro datum 4">
             <a:extLst>
               <a:ext uri="{FF2B5EF4-FFF2-40B4-BE49-F238E27FC236}">
-                <a16:creationId xmlns:a16="http://schemas.microsoft.com/office/drawing/2014/main" id="{7A4AEAA2-E892-454F-9C6D-D60325925260}"/>
+                <a16:creationId xmlns:a16="http://schemas.microsoft.com/office/drawing/2014/main" id="{D5AD4B78-AFE1-4A61-9BE3-9F4EC8F94103}"/>
               </a:ext>
             </a:extLst>
           </p:cNvPr>
@@ -1421,7 +1422,7 @@
           <p:cNvPr id="6" name="Zástupný symbol pro zápatí 5">
             <a:extLst>
               <a:ext uri="{FF2B5EF4-FFF2-40B4-BE49-F238E27FC236}">
-                <a16:creationId xmlns:a16="http://schemas.microsoft.com/office/drawing/2014/main" id="{02A3A36A-A500-41B7-AD61-086241546822}"/>
+                <a16:creationId xmlns:a16="http://schemas.microsoft.com/office/drawing/2014/main" id="{D039FF77-1484-4059-9381-3174E49163F5}"/>
               </a:ext>
             </a:extLst>
           </p:cNvPr>
@@ -1446,7 +1447,7 @@
           <p:cNvPr id="7" name="Zástupný symbol pro číslo snímku 6">
             <a:extLst>
               <a:ext uri="{FF2B5EF4-FFF2-40B4-BE49-F238E27FC236}">
-                <a16:creationId xmlns:a16="http://schemas.microsoft.com/office/drawing/2014/main" id="{BF2AE5B0-D6EB-41B1-BA27-F6124F321DF6}"/>
+                <a16:creationId xmlns:a16="http://schemas.microsoft.com/office/drawing/2014/main" id="{63A70DD2-D3DF-44B0-9FF8-5F20240AFD17}"/>
               </a:ext>
             </a:extLst>
           </p:cNvPr>
@@ -1473,7 +1474,7 @@
     </p:spTree>
     <p:extLst>
       <p:ext uri="{BB962C8B-B14F-4D97-AF65-F5344CB8AC3E}">
-        <p14:creationId xmlns:p14="http://schemas.microsoft.com/office/powerpoint/2010/main" val="2200058741"/>
+        <p14:creationId xmlns:p14="http://schemas.microsoft.com/office/powerpoint/2010/main" val="2035047129"/>
       </p:ext>
     </p:extLst>
   </p:cSld>
@@ -1505,7 +1506,7 @@
           <p:cNvPr id="2" name="Nadpis 1">
             <a:extLst>
               <a:ext uri="{FF2B5EF4-FFF2-40B4-BE49-F238E27FC236}">
-                <a16:creationId xmlns:a16="http://schemas.microsoft.com/office/drawing/2014/main" id="{27F143F7-B8AF-45AB-B07D-D9CE5BE58B76}"/>
+                <a16:creationId xmlns:a16="http://schemas.microsoft.com/office/drawing/2014/main" id="{9B062BBB-6057-4B95-922B-FF615051CF4E}"/>
               </a:ext>
             </a:extLst>
           </p:cNvPr>
@@ -1538,7 +1539,7 @@
           <p:cNvPr id="3" name="Zástupný symbol pro text 2">
             <a:extLst>
               <a:ext uri="{FF2B5EF4-FFF2-40B4-BE49-F238E27FC236}">
-                <a16:creationId xmlns:a16="http://schemas.microsoft.com/office/drawing/2014/main" id="{612AB611-F96D-4ECC-9F79-FD057A447532}"/>
+                <a16:creationId xmlns:a16="http://schemas.microsoft.com/office/drawing/2014/main" id="{9B0FA060-2511-473A-B283-BCC305693BAC}"/>
               </a:ext>
             </a:extLst>
           </p:cNvPr>
@@ -1609,7 +1610,7 @@
           <p:cNvPr id="4" name="Zástupný symbol pro obsah 3">
             <a:extLst>
               <a:ext uri="{FF2B5EF4-FFF2-40B4-BE49-F238E27FC236}">
-                <a16:creationId xmlns:a16="http://schemas.microsoft.com/office/drawing/2014/main" id="{8180B3C0-2874-4993-9E23-77925D134A61}"/>
+                <a16:creationId xmlns:a16="http://schemas.microsoft.com/office/drawing/2014/main" id="{36F7C7D9-4001-4164-9C04-69B5AC76102C}"/>
               </a:ext>
             </a:extLst>
           </p:cNvPr>
@@ -1671,7 +1672,7 @@
           <p:cNvPr id="5" name="Zástupný symbol pro text 4">
             <a:extLst>
               <a:ext uri="{FF2B5EF4-FFF2-40B4-BE49-F238E27FC236}">
-                <a16:creationId xmlns:a16="http://schemas.microsoft.com/office/drawing/2014/main" id="{83F6FB56-EA16-45FC-A25A-24F371CB1BEC}"/>
+                <a16:creationId xmlns:a16="http://schemas.microsoft.com/office/drawing/2014/main" id="{31514B99-4DA2-423B-B6C5-D16C4FD35B16}"/>
               </a:ext>
             </a:extLst>
           </p:cNvPr>
@@ -1742,7 +1743,7 @@
           <p:cNvPr id="6" name="Zástupný symbol pro obsah 5">
             <a:extLst>
               <a:ext uri="{FF2B5EF4-FFF2-40B4-BE49-F238E27FC236}">
-                <a16:creationId xmlns:a16="http://schemas.microsoft.com/office/drawing/2014/main" id="{DE96D921-8FD8-45CA-9F76-52E060CF5EE9}"/>
+                <a16:creationId xmlns:a16="http://schemas.microsoft.com/office/drawing/2014/main" id="{00AF0036-ED69-4D57-8B5E-2773E295EAE4}"/>
               </a:ext>
             </a:extLst>
           </p:cNvPr>
@@ -1804,7 +1805,7 @@
           <p:cNvPr id="7" name="Zástupný symbol pro datum 6">
             <a:extLst>
               <a:ext uri="{FF2B5EF4-FFF2-40B4-BE49-F238E27FC236}">
-                <a16:creationId xmlns:a16="http://schemas.microsoft.com/office/drawing/2014/main" id="{C1708DCA-253D-4F0E-9C42-02179D132942}"/>
+                <a16:creationId xmlns:a16="http://schemas.microsoft.com/office/drawing/2014/main" id="{7DA61F49-5078-4C73-BB06-12F516ED435E}"/>
               </a:ext>
             </a:extLst>
           </p:cNvPr>
@@ -1833,7 +1834,7 @@
           <p:cNvPr id="8" name="Zástupný symbol pro zápatí 7">
             <a:extLst>
               <a:ext uri="{FF2B5EF4-FFF2-40B4-BE49-F238E27FC236}">
-                <a16:creationId xmlns:a16="http://schemas.microsoft.com/office/drawing/2014/main" id="{51DE5108-724D-46F6-8367-59900E1020C6}"/>
+                <a16:creationId xmlns:a16="http://schemas.microsoft.com/office/drawing/2014/main" id="{381C9AF6-D607-4531-8679-C42AF342815B}"/>
               </a:ext>
             </a:extLst>
           </p:cNvPr>
@@ -1858,7 +1859,7 @@
           <p:cNvPr id="9" name="Zástupný symbol pro číslo snímku 8">
             <a:extLst>
               <a:ext uri="{FF2B5EF4-FFF2-40B4-BE49-F238E27FC236}">
-                <a16:creationId xmlns:a16="http://schemas.microsoft.com/office/drawing/2014/main" id="{11CC6D00-2490-46A1-90D7-705C20E8C6D6}"/>
+                <a16:creationId xmlns:a16="http://schemas.microsoft.com/office/drawing/2014/main" id="{B1F28D7A-5912-4AC4-8558-73086C1FBC90}"/>
               </a:ext>
             </a:extLst>
           </p:cNvPr>
@@ -1885,7 +1886,7 @@
     </p:spTree>
     <p:extLst>
       <p:ext uri="{BB962C8B-B14F-4D97-AF65-F5344CB8AC3E}">
-        <p14:creationId xmlns:p14="http://schemas.microsoft.com/office/powerpoint/2010/main" val="1631825165"/>
+        <p14:creationId xmlns:p14="http://schemas.microsoft.com/office/powerpoint/2010/main" val="801467880"/>
       </p:ext>
     </p:extLst>
   </p:cSld>
@@ -1917,7 +1918,7 @@
           <p:cNvPr id="2" name="Nadpis 1">
             <a:extLst>
               <a:ext uri="{FF2B5EF4-FFF2-40B4-BE49-F238E27FC236}">
-                <a16:creationId xmlns:a16="http://schemas.microsoft.com/office/drawing/2014/main" id="{4ECAD078-BE78-48B3-8C12-DC373088D509}"/>
+                <a16:creationId xmlns:a16="http://schemas.microsoft.com/office/drawing/2014/main" id="{E907ECFB-17B7-44FD-98FE-EB22493A2BBC}"/>
               </a:ext>
             </a:extLst>
           </p:cNvPr>
@@ -1945,7 +1946,7 @@
           <p:cNvPr id="3" name="Zástupný symbol pro datum 2">
             <a:extLst>
               <a:ext uri="{FF2B5EF4-FFF2-40B4-BE49-F238E27FC236}">
-                <a16:creationId xmlns:a16="http://schemas.microsoft.com/office/drawing/2014/main" id="{C9CE30B2-2156-4E7B-B6D3-EF282D9B1C52}"/>
+                <a16:creationId xmlns:a16="http://schemas.microsoft.com/office/drawing/2014/main" id="{D50A6C9B-6ADE-4B49-B89D-CA1F8919B1B9}"/>
               </a:ext>
             </a:extLst>
           </p:cNvPr>
@@ -1974,7 +1975,7 @@
           <p:cNvPr id="4" name="Zástupný symbol pro zápatí 3">
             <a:extLst>
               <a:ext uri="{FF2B5EF4-FFF2-40B4-BE49-F238E27FC236}">
-                <a16:creationId xmlns:a16="http://schemas.microsoft.com/office/drawing/2014/main" id="{4A8E71C7-FB61-414B-9DF4-430AF0A31FBA}"/>
+                <a16:creationId xmlns:a16="http://schemas.microsoft.com/office/drawing/2014/main" id="{2470327F-BD58-434D-B7E7-A93E861CB15C}"/>
               </a:ext>
             </a:extLst>
           </p:cNvPr>
@@ -1999,7 +2000,7 @@
           <p:cNvPr id="5" name="Zástupný symbol pro číslo snímku 4">
             <a:extLst>
               <a:ext uri="{FF2B5EF4-FFF2-40B4-BE49-F238E27FC236}">
-                <a16:creationId xmlns:a16="http://schemas.microsoft.com/office/drawing/2014/main" id="{E3B23DF6-0A94-4338-8ED6-FD9FAD024E18}"/>
+                <a16:creationId xmlns:a16="http://schemas.microsoft.com/office/drawing/2014/main" id="{A62FFD41-07C1-463D-8F25-6D730D85B8E5}"/>
               </a:ext>
             </a:extLst>
           </p:cNvPr>
@@ -2026,7 +2027,7 @@
     </p:spTree>
     <p:extLst>
       <p:ext uri="{BB962C8B-B14F-4D97-AF65-F5344CB8AC3E}">
-        <p14:creationId xmlns:p14="http://schemas.microsoft.com/office/powerpoint/2010/main" val="1613791963"/>
+        <p14:creationId xmlns:p14="http://schemas.microsoft.com/office/powerpoint/2010/main" val="2764889629"/>
       </p:ext>
     </p:extLst>
   </p:cSld>
@@ -2058,7 +2059,7 @@
           <p:cNvPr id="2" name="Zástupný symbol pro datum 1">
             <a:extLst>
               <a:ext uri="{FF2B5EF4-FFF2-40B4-BE49-F238E27FC236}">
-                <a16:creationId xmlns:a16="http://schemas.microsoft.com/office/drawing/2014/main" id="{6903370F-BFD3-48FE-8A4E-A1E773D74783}"/>
+                <a16:creationId xmlns:a16="http://schemas.microsoft.com/office/drawing/2014/main" id="{3496364B-0034-49C4-9BCC-CC48FDF9ECB9}"/>
               </a:ext>
             </a:extLst>
           </p:cNvPr>
@@ -2087,7 +2088,7 @@
           <p:cNvPr id="3" name="Zástupný symbol pro zápatí 2">
             <a:extLst>
               <a:ext uri="{FF2B5EF4-FFF2-40B4-BE49-F238E27FC236}">
-                <a16:creationId xmlns:a16="http://schemas.microsoft.com/office/drawing/2014/main" id="{B2D60106-139B-443A-9461-31C221E4E93F}"/>
+                <a16:creationId xmlns:a16="http://schemas.microsoft.com/office/drawing/2014/main" id="{D61A908D-ECD8-42DC-9D43-110EC7545AB8}"/>
               </a:ext>
             </a:extLst>
           </p:cNvPr>
@@ -2112,7 +2113,7 @@
           <p:cNvPr id="4" name="Zástupný symbol pro číslo snímku 3">
             <a:extLst>
               <a:ext uri="{FF2B5EF4-FFF2-40B4-BE49-F238E27FC236}">
-                <a16:creationId xmlns:a16="http://schemas.microsoft.com/office/drawing/2014/main" id="{348053EC-CAA5-427A-9740-537F21BD33C9}"/>
+                <a16:creationId xmlns:a16="http://schemas.microsoft.com/office/drawing/2014/main" id="{33156EC1-EB2B-4926-A95D-DF1216145A40}"/>
               </a:ext>
             </a:extLst>
           </p:cNvPr>
@@ -2139,7 +2140,7 @@
     </p:spTree>
     <p:extLst>
       <p:ext uri="{BB962C8B-B14F-4D97-AF65-F5344CB8AC3E}">
-        <p14:creationId xmlns:p14="http://schemas.microsoft.com/office/powerpoint/2010/main" val="2983679701"/>
+        <p14:creationId xmlns:p14="http://schemas.microsoft.com/office/powerpoint/2010/main" val="3960077498"/>
       </p:ext>
     </p:extLst>
   </p:cSld>
@@ -2171,7 +2172,7 @@
           <p:cNvPr id="2" name="Nadpis 1">
             <a:extLst>
               <a:ext uri="{FF2B5EF4-FFF2-40B4-BE49-F238E27FC236}">
-                <a16:creationId xmlns:a16="http://schemas.microsoft.com/office/drawing/2014/main" id="{A882191E-74C6-49D7-92D6-B2C40DD70268}"/>
+                <a16:creationId xmlns:a16="http://schemas.microsoft.com/office/drawing/2014/main" id="{70FB3962-FCDF-48CE-BF4F-D2B23A61C6C6}"/>
               </a:ext>
             </a:extLst>
           </p:cNvPr>
@@ -2208,7 +2209,7 @@
           <p:cNvPr id="3" name="Zástupný symbol pro obsah 2">
             <a:extLst>
               <a:ext uri="{FF2B5EF4-FFF2-40B4-BE49-F238E27FC236}">
-                <a16:creationId xmlns:a16="http://schemas.microsoft.com/office/drawing/2014/main" id="{748A4CEC-49B6-4138-A210-A255B0F184E6}"/>
+                <a16:creationId xmlns:a16="http://schemas.microsoft.com/office/drawing/2014/main" id="{181FA486-4986-423F-81FA-FDA2AFF9F596}"/>
               </a:ext>
             </a:extLst>
           </p:cNvPr>
@@ -2298,7 +2299,7 @@
           <p:cNvPr id="4" name="Zástupný symbol pro text 3">
             <a:extLst>
               <a:ext uri="{FF2B5EF4-FFF2-40B4-BE49-F238E27FC236}">
-                <a16:creationId xmlns:a16="http://schemas.microsoft.com/office/drawing/2014/main" id="{7E359E9C-FE41-408D-9971-D39D0341434D}"/>
+                <a16:creationId xmlns:a16="http://schemas.microsoft.com/office/drawing/2014/main" id="{01FA5C52-8410-461F-8CDB-A874C69872F5}"/>
               </a:ext>
             </a:extLst>
           </p:cNvPr>
@@ -2369,7 +2370,7 @@
           <p:cNvPr id="5" name="Zástupný symbol pro datum 4">
             <a:extLst>
               <a:ext uri="{FF2B5EF4-FFF2-40B4-BE49-F238E27FC236}">
-                <a16:creationId xmlns:a16="http://schemas.microsoft.com/office/drawing/2014/main" id="{2E3310C9-E597-4D5E-A2AE-BCDBC0EDA5E3}"/>
+                <a16:creationId xmlns:a16="http://schemas.microsoft.com/office/drawing/2014/main" id="{AFB44FB4-33D2-4281-9570-58AF13788B78}"/>
               </a:ext>
             </a:extLst>
           </p:cNvPr>
@@ -2398,7 +2399,7 @@
           <p:cNvPr id="6" name="Zástupný symbol pro zápatí 5">
             <a:extLst>
               <a:ext uri="{FF2B5EF4-FFF2-40B4-BE49-F238E27FC236}">
-                <a16:creationId xmlns:a16="http://schemas.microsoft.com/office/drawing/2014/main" id="{386CD492-DCE7-4C68-9AAE-0413D96CD624}"/>
+                <a16:creationId xmlns:a16="http://schemas.microsoft.com/office/drawing/2014/main" id="{87CA2E09-1D1E-48DD-9277-056D52308E6B}"/>
               </a:ext>
             </a:extLst>
           </p:cNvPr>
@@ -2423,7 +2424,7 @@
           <p:cNvPr id="7" name="Zástupný symbol pro číslo snímku 6">
             <a:extLst>
               <a:ext uri="{FF2B5EF4-FFF2-40B4-BE49-F238E27FC236}">
-                <a16:creationId xmlns:a16="http://schemas.microsoft.com/office/drawing/2014/main" id="{4084EC86-2C84-4081-94DE-D6720D9CFE4D}"/>
+                <a16:creationId xmlns:a16="http://schemas.microsoft.com/office/drawing/2014/main" id="{B9147788-DE57-4934-9604-B9D7F373377B}"/>
               </a:ext>
             </a:extLst>
           </p:cNvPr>
@@ -2450,7 +2451,7 @@
     </p:spTree>
     <p:extLst>
       <p:ext uri="{BB962C8B-B14F-4D97-AF65-F5344CB8AC3E}">
-        <p14:creationId xmlns:p14="http://schemas.microsoft.com/office/powerpoint/2010/main" val="2801949398"/>
+        <p14:creationId xmlns:p14="http://schemas.microsoft.com/office/powerpoint/2010/main" val="1685096291"/>
       </p:ext>
     </p:extLst>
   </p:cSld>
@@ -2482,7 +2483,7 @@
           <p:cNvPr id="2" name="Nadpis 1">
             <a:extLst>
               <a:ext uri="{FF2B5EF4-FFF2-40B4-BE49-F238E27FC236}">
-                <a16:creationId xmlns:a16="http://schemas.microsoft.com/office/drawing/2014/main" id="{FB4F9530-8BE9-4959-A11B-5BDCEB2D6838}"/>
+                <a16:creationId xmlns:a16="http://schemas.microsoft.com/office/drawing/2014/main" id="{220CAA6A-9841-4938-B848-891B33C3B692}"/>
               </a:ext>
             </a:extLst>
           </p:cNvPr>
@@ -2519,7 +2520,7 @@
           <p:cNvPr id="3" name="Zástupný symbol obrázku 2">
             <a:extLst>
               <a:ext uri="{FF2B5EF4-FFF2-40B4-BE49-F238E27FC236}">
-                <a16:creationId xmlns:a16="http://schemas.microsoft.com/office/drawing/2014/main" id="{4147FDC5-4E35-4230-955B-F3A1790468AB}"/>
+                <a16:creationId xmlns:a16="http://schemas.microsoft.com/office/drawing/2014/main" id="{CC654F0B-F9D1-45DD-90E9-AE0BD61CF423}"/>
               </a:ext>
             </a:extLst>
           </p:cNvPr>
@@ -2586,7 +2587,7 @@
           <p:cNvPr id="4" name="Zástupný symbol pro text 3">
             <a:extLst>
               <a:ext uri="{FF2B5EF4-FFF2-40B4-BE49-F238E27FC236}">
-                <a16:creationId xmlns:a16="http://schemas.microsoft.com/office/drawing/2014/main" id="{051D4E01-9D92-42C2-818E-C8375BA2D2C9}"/>
+                <a16:creationId xmlns:a16="http://schemas.microsoft.com/office/drawing/2014/main" id="{99166D65-8F66-40DB-B993-E4D83AC0E49D}"/>
               </a:ext>
             </a:extLst>
           </p:cNvPr>
@@ -2657,7 +2658,7 @@
           <p:cNvPr id="5" name="Zástupný symbol pro datum 4">
             <a:extLst>
               <a:ext uri="{FF2B5EF4-FFF2-40B4-BE49-F238E27FC236}">
-                <a16:creationId xmlns:a16="http://schemas.microsoft.com/office/drawing/2014/main" id="{7F8D0D57-38DD-4B41-81F3-C21A32AD80F1}"/>
+                <a16:creationId xmlns:a16="http://schemas.microsoft.com/office/drawing/2014/main" id="{97BBB637-B00E-407E-97B5-EEAC34D47D25}"/>
               </a:ext>
             </a:extLst>
           </p:cNvPr>
@@ -2686,7 +2687,7 @@
           <p:cNvPr id="6" name="Zástupný symbol pro zápatí 5">
             <a:extLst>
               <a:ext uri="{FF2B5EF4-FFF2-40B4-BE49-F238E27FC236}">
-                <a16:creationId xmlns:a16="http://schemas.microsoft.com/office/drawing/2014/main" id="{E0032D43-322D-43B2-867F-4EEC34037ECE}"/>
+                <a16:creationId xmlns:a16="http://schemas.microsoft.com/office/drawing/2014/main" id="{323370DA-1DDF-45EA-BDEE-06F8DED0E7B8}"/>
               </a:ext>
             </a:extLst>
           </p:cNvPr>
@@ -2711,7 +2712,7 @@
           <p:cNvPr id="7" name="Zástupný symbol pro číslo snímku 6">
             <a:extLst>
               <a:ext uri="{FF2B5EF4-FFF2-40B4-BE49-F238E27FC236}">
-                <a16:creationId xmlns:a16="http://schemas.microsoft.com/office/drawing/2014/main" id="{76FF4BEE-153A-4982-A3BF-CD4256D4AE65}"/>
+                <a16:creationId xmlns:a16="http://schemas.microsoft.com/office/drawing/2014/main" id="{EDDDBC9A-55A3-4520-9331-4865DC43DFDC}"/>
               </a:ext>
             </a:extLst>
           </p:cNvPr>
@@ -2738,7 +2739,7 @@
     </p:spTree>
     <p:extLst>
       <p:ext uri="{BB962C8B-B14F-4D97-AF65-F5344CB8AC3E}">
-        <p14:creationId xmlns:p14="http://schemas.microsoft.com/office/powerpoint/2010/main" val="2992787245"/>
+        <p14:creationId xmlns:p14="http://schemas.microsoft.com/office/powerpoint/2010/main" val="377597065"/>
       </p:ext>
     </p:extLst>
   </p:cSld>
@@ -2775,7 +2776,7 @@
           <p:cNvPr id="2" name="Zástupný nadpis 1">
             <a:extLst>
               <a:ext uri="{FF2B5EF4-FFF2-40B4-BE49-F238E27FC236}">
-                <a16:creationId xmlns:a16="http://schemas.microsoft.com/office/drawing/2014/main" id="{67AB8759-9BBC-4349-97EE-E2C94EC60AF6}"/>
+                <a16:creationId xmlns:a16="http://schemas.microsoft.com/office/drawing/2014/main" id="{6259D617-D1C7-4F6F-9B91-8CE684592E5B}"/>
               </a:ext>
             </a:extLst>
           </p:cNvPr>
@@ -2813,7 +2814,7 @@
           <p:cNvPr id="3" name="Zástupný symbol pro text 2">
             <a:extLst>
               <a:ext uri="{FF2B5EF4-FFF2-40B4-BE49-F238E27FC236}">
-                <a16:creationId xmlns:a16="http://schemas.microsoft.com/office/drawing/2014/main" id="{7F92AE94-CD71-495F-BD40-09C96C4005E3}"/>
+                <a16:creationId xmlns:a16="http://schemas.microsoft.com/office/drawing/2014/main" id="{0C637191-F13A-4D49-8F2D-FB1B8607E111}"/>
               </a:ext>
             </a:extLst>
           </p:cNvPr>
@@ -2880,7 +2881,7 @@
           <p:cNvPr id="4" name="Zástupný symbol pro datum 3">
             <a:extLst>
               <a:ext uri="{FF2B5EF4-FFF2-40B4-BE49-F238E27FC236}">
-                <a16:creationId xmlns:a16="http://schemas.microsoft.com/office/drawing/2014/main" id="{D5A810DC-7393-41B9-B7F0-D7160BB96CF0}"/>
+                <a16:creationId xmlns:a16="http://schemas.microsoft.com/office/drawing/2014/main" id="{EB0DAD54-B3F4-4551-BEFB-2D3EE72FB345}"/>
               </a:ext>
             </a:extLst>
           </p:cNvPr>
@@ -2927,7 +2928,7 @@
           <p:cNvPr id="5" name="Zástupný symbol pro zápatí 4">
             <a:extLst>
               <a:ext uri="{FF2B5EF4-FFF2-40B4-BE49-F238E27FC236}">
-                <a16:creationId xmlns:a16="http://schemas.microsoft.com/office/drawing/2014/main" id="{AA818B84-86AB-418B-A19D-18F872EA2FA1}"/>
+                <a16:creationId xmlns:a16="http://schemas.microsoft.com/office/drawing/2014/main" id="{6423D606-39C5-4E1F-A951-A2EB7FE8C509}"/>
               </a:ext>
             </a:extLst>
           </p:cNvPr>
@@ -2970,7 +2971,7 @@
           <p:cNvPr id="6" name="Zástupný symbol pro číslo snímku 5">
             <a:extLst>
               <a:ext uri="{FF2B5EF4-FFF2-40B4-BE49-F238E27FC236}">
-                <a16:creationId xmlns:a16="http://schemas.microsoft.com/office/drawing/2014/main" id="{2872967B-AAF2-416D-9289-BFA42D4D33FD}"/>
+                <a16:creationId xmlns:a16="http://schemas.microsoft.com/office/drawing/2014/main" id="{8450AB7E-5DBA-439E-96E0-7F5D27B50D2F}"/>
               </a:ext>
             </a:extLst>
           </p:cNvPr>
@@ -3015,23 +3016,23 @@
     </p:spTree>
     <p:extLst>
       <p:ext uri="{BB962C8B-B14F-4D97-AF65-F5344CB8AC3E}">
-        <p14:creationId xmlns:p14="http://schemas.microsoft.com/office/powerpoint/2010/main" val="1342586951"/>
+        <p14:creationId xmlns:p14="http://schemas.microsoft.com/office/powerpoint/2010/main" val="265560599"/>
       </p:ext>
     </p:extLst>
   </p:cSld>
   <p:clrMap bg1="lt1" tx1="dk1" bg2="lt2" tx2="dk2" accent1="accent1" accent2="accent2" accent3="accent3" accent4="accent4" accent5="accent5" accent6="accent6" hlink="hlink" folHlink="folHlink"/>
   <p:sldLayoutIdLst>
-    <p:sldLayoutId id="2147483649" r:id="rId1"/>
-    <p:sldLayoutId id="2147483650" r:id="rId2"/>
-    <p:sldLayoutId id="2147483651" r:id="rId3"/>
-    <p:sldLayoutId id="2147483652" r:id="rId4"/>
-    <p:sldLayoutId id="2147483653" r:id="rId5"/>
-    <p:sldLayoutId id="2147483654" r:id="rId6"/>
-    <p:sldLayoutId id="2147483655" r:id="rId7"/>
-    <p:sldLayoutId id="2147483656" r:id="rId8"/>
-    <p:sldLayoutId id="2147483657" r:id="rId9"/>
-    <p:sldLayoutId id="2147483658" r:id="rId10"/>
-    <p:sldLayoutId id="2147483659" r:id="rId11"/>
+    <p:sldLayoutId id="2147483678" r:id="rId1"/>
+    <p:sldLayoutId id="2147483679" r:id="rId2"/>
+    <p:sldLayoutId id="2147483680" r:id="rId3"/>
+    <p:sldLayoutId id="2147483681" r:id="rId4"/>
+    <p:sldLayoutId id="2147483682" r:id="rId5"/>
+    <p:sldLayoutId id="2147483683" r:id="rId6"/>
+    <p:sldLayoutId id="2147483684" r:id="rId7"/>
+    <p:sldLayoutId id="2147483685" r:id="rId8"/>
+    <p:sldLayoutId id="2147483686" r:id="rId9"/>
+    <p:sldLayoutId id="2147483687" r:id="rId10"/>
+    <p:sldLayoutId id="2147483688" r:id="rId11"/>
   </p:sldLayoutIdLst>
   <p:txStyles>
     <p:titleStyle>
@@ -3355,9 +3356,10 @@
           <a:lstStyle/>
           <a:p>
             <a:r>
-              <a:rPr lang="cs-CZ" dirty="0"/>
+              <a:rPr lang="cs-CZ"/>
               <a:t>LOGOS POLYTECHIKOS</a:t>
             </a:r>
+            <a:endParaRPr lang="cs-CZ" dirty="0"/>
           </a:p>
         </p:txBody>
       </p:sp>
@@ -3383,9 +3385,10 @@
           <a:lstStyle/>
           <a:p>
             <a:r>
-              <a:rPr lang="cs-CZ" dirty="0"/>
+              <a:rPr lang="cs-CZ"/>
               <a:t>APOLLO 13</a:t>
             </a:r>
+            <a:endParaRPr lang="cs-CZ" dirty="0"/>
           </a:p>
         </p:txBody>
       </p:sp>
@@ -3441,9 +3444,10 @@
           <a:lstStyle/>
           <a:p>
             <a:r>
-              <a:rPr lang="cs-CZ" dirty="0"/>
+              <a:rPr lang="cs-CZ"/>
               <a:t>SPRINT 1</a:t>
             </a:r>
+            <a:endParaRPr lang="cs-CZ" dirty="0"/>
           </a:p>
         </p:txBody>
       </p:sp>
@@ -3469,9 +3473,10 @@
           <a:lstStyle/>
           <a:p>
             <a:r>
-              <a:rPr lang="cs-CZ" dirty="0"/>
+              <a:rPr lang="cs-CZ"/>
               <a:t>SKÁDÁNÍ TÝMU A UČENÍ</a:t>
             </a:r>
+            <a:endParaRPr lang="cs-CZ" dirty="0"/>
           </a:p>
         </p:txBody>
       </p:sp>
@@ -3527,9 +3532,10 @@
           <a:lstStyle/>
           <a:p>
             <a:r>
-              <a:rPr lang="cs-CZ" dirty="0"/>
+              <a:rPr lang="cs-CZ"/>
               <a:t>SLOŽENÍ TÝMU</a:t>
             </a:r>
+            <a:endParaRPr lang="cs-CZ" dirty="0"/>
           </a:p>
         </p:txBody>
       </p:sp>
@@ -3555,29 +3561,30 @@
           <a:lstStyle/>
           <a:p>
             <a:r>
-              <a:rPr lang="cs-CZ" dirty="0"/>
+              <a:rPr lang="cs-CZ"/>
               <a:t>PRODUCT OWNER</a:t>
             </a:r>
           </a:p>
           <a:p>
             <a:pPr lvl="1"/>
             <a:r>
-              <a:rPr lang="cs-CZ" dirty="0"/>
+              <a:rPr lang="cs-CZ"/>
               <a:t>LUKÁŠ JIRKA</a:t>
             </a:r>
           </a:p>
           <a:p>
             <a:r>
-              <a:rPr lang="cs-CZ" dirty="0"/>
+              <a:rPr lang="cs-CZ"/>
               <a:t>SCRUM MASTER</a:t>
             </a:r>
           </a:p>
           <a:p>
             <a:pPr lvl="1"/>
             <a:r>
-              <a:rPr lang="cs-CZ" dirty="0"/>
+              <a:rPr lang="cs-CZ"/>
               <a:t>TOMÁŠ CINK</a:t>
             </a:r>
+            <a:endParaRPr lang="cs-CZ" dirty="0"/>
           </a:p>
         </p:txBody>
       </p:sp>
@@ -3603,30 +3610,31 @@
           <a:lstStyle/>
           <a:p>
             <a:r>
-              <a:rPr lang="cs-CZ" dirty="0"/>
+              <a:rPr lang="cs-CZ"/>
               <a:t>TEAM MEMBER</a:t>
             </a:r>
           </a:p>
           <a:p>
             <a:pPr lvl="1"/>
             <a:r>
-              <a:rPr lang="cs-CZ" dirty="0"/>
+              <a:rPr lang="cs-CZ"/>
               <a:t>JÁCHYM HRUŠKA</a:t>
             </a:r>
           </a:p>
           <a:p>
             <a:pPr lvl="1"/>
             <a:r>
-              <a:rPr lang="cs-CZ" dirty="0"/>
+              <a:rPr lang="cs-CZ"/>
               <a:t>DOMINIK BULA</a:t>
             </a:r>
           </a:p>
           <a:p>
             <a:pPr lvl="1"/>
             <a:r>
-              <a:rPr lang="cs-CZ" dirty="0"/>
+              <a:rPr lang="cs-CZ"/>
               <a:t>VÍT ŠTĚPÁNEK</a:t>
             </a:r>
+            <a:endParaRPr lang="cs-CZ" dirty="0"/>
           </a:p>
         </p:txBody>
       </p:sp>
@@ -3682,9 +3690,10 @@
           <a:lstStyle/>
           <a:p>
             <a:r>
-              <a:rPr lang="cs-CZ" dirty="0"/>
+              <a:rPr lang="cs-CZ"/>
               <a:t>ODKAZY</a:t>
             </a:r>
+            <a:endParaRPr lang="cs-CZ" dirty="0"/>
           </a:p>
         </p:txBody>
       </p:sp>
@@ -3710,34 +3719,45 @@
           <a:lstStyle/>
           <a:p>
             <a:r>
-              <a:rPr lang="cs-CZ" dirty="0" err="1"/>
+              <a:rPr lang="cs-CZ"/>
               <a:t>Github</a:t>
             </a:r>
-            <a:endParaRPr lang="cs-CZ" dirty="0"/>
           </a:p>
           <a:p>
             <a:pPr lvl="1"/>
+            <a:r>
+              <a:rPr lang="cs-CZ">
+                <a:hlinkClick r:id="rId2"/>
+              </a:rPr>
+              <a:t>https</a:t>
+            </a:r>
             <a:r>
               <a:rPr lang="cs-CZ" dirty="0">
                 <a:hlinkClick r:id="rId2"/>
               </a:rPr>
-              <a:t>https://github.com/hruska07/Apollo13</a:t>
+              <a:t>://github.com/hruska07/Apollo13</a:t>
             </a:r>
             <a:endParaRPr lang="cs-CZ" dirty="0"/>
           </a:p>
           <a:p>
             <a:r>
-              <a:rPr lang="cs-CZ" dirty="0"/>
+              <a:rPr lang="cs-CZ"/>
               <a:t>Web</a:t>
             </a:r>
           </a:p>
           <a:p>
             <a:pPr lvl="1"/>
+            <a:r>
+              <a:rPr lang="cs-CZ">
+                <a:hlinkClick r:id="rId3"/>
+              </a:rPr>
+              <a:t>http</a:t>
+            </a:r>
             <a:r>
               <a:rPr lang="cs-CZ" dirty="0">
                 <a:hlinkClick r:id="rId3"/>
               </a:rPr>
-              <a:t>http://logospolytechnikosapollo13.azurewebsites.net/</a:t>
+              <a:t>://logospolytechnikosapollo13.azurewebsites.net/</a:t>
             </a:r>
             <a:endParaRPr lang="cs-CZ" dirty="0"/>
           </a:p>
@@ -3786,136 +3806,23 @@
       </p:grpSpPr>
       <p:sp>
         <p:nvSpPr>
-          <p:cNvPr id="15" name="Rectangle 14">
-            <a:extLst>
-              <a:ext uri="{FF2B5EF4-FFF2-40B4-BE49-F238E27FC236}">
-                <a16:creationId xmlns:a16="http://schemas.microsoft.com/office/drawing/2014/main" id="{867D4867-5BA7-4462-B2F6-A23F4A622AA7}"/>
-              </a:ext>
-              <a:ext uri="{C183D7F6-B498-43B3-948B-1728B52AA6E4}">
-                <adec:decorative xmlns:adec="http://schemas.microsoft.com/office/drawing/2017/decorative" val="1"/>
-              </a:ext>
-            </a:extLst>
-          </p:cNvPr>
-          <p:cNvSpPr>
-            <a:spLocks noGrp="1" noRot="1" noChangeAspect="1" noMove="1" noResize="1" noEditPoints="1" noAdjustHandles="1" noChangeArrowheads="1" noChangeShapeType="1" noTextEdit="1"/>
-          </p:cNvSpPr>
-          <p:nvPr>
-            <p:extLst>
-              <p:ext uri="{386F3935-93C4-4BCD-93E2-E3B085C9AB24}">
-                <p16:designElem xmlns:p16="http://schemas.microsoft.com/office/powerpoint/2015/main" val="1"/>
-              </p:ext>
-            </p:extLst>
+          <p:cNvPr id="3" name="Zástupný symbol pro obsah 2">
+            <a:extLst>
+              <a:ext uri="{FF2B5EF4-FFF2-40B4-BE49-F238E27FC236}">
+                <a16:creationId xmlns:a16="http://schemas.microsoft.com/office/drawing/2014/main" id="{9A9D82B9-033F-419F-91BE-D9449A885A57}"/>
+              </a:ext>
+            </a:extLst>
+          </p:cNvPr>
+          <p:cNvSpPr>
+            <a:spLocks noGrp="1"/>
+          </p:cNvSpPr>
+          <p:nvPr>
+            <p:ph sz="half" idx="1"/>
           </p:nvPr>
         </p:nvSpPr>
         <p:spPr>
           <a:xfrm>
-            <a:off x="0" y="0"/>
-            <a:ext cx="4654296" cy="6858000"/>
-          </a:xfrm>
-          <a:prstGeom prst="rect">
-            <a:avLst/>
-          </a:prstGeom>
-          <a:solidFill>
-            <a:schemeClr val="tx1">
-              <a:lumMod val="75000"/>
-              <a:lumOff val="25000"/>
-            </a:schemeClr>
-          </a:solidFill>
-          <a:ln>
-            <a:noFill/>
-          </a:ln>
-        </p:spPr>
-        <p:style>
-          <a:lnRef idx="0">
-            <a:scrgbClr r="0" g="0" b="0"/>
-          </a:lnRef>
-          <a:fillRef idx="0">
-            <a:scrgbClr r="0" g="0" b="0"/>
-          </a:fillRef>
-          <a:effectRef idx="0">
-            <a:scrgbClr r="0" g="0" b="0"/>
-          </a:effectRef>
-          <a:fontRef idx="minor">
-            <a:schemeClr val="lt1"/>
-          </a:fontRef>
-        </p:style>
-        <p:txBody>
-          <a:bodyPr rtlCol="0" anchor="ctr"/>
-          <a:lstStyle/>
-          <a:p>
-            <a:pPr algn="ctr"/>
-            <a:endParaRPr lang="en-US"/>
-          </a:p>
-        </p:txBody>
-      </p:sp>
-      <p:sp>
-        <p:nvSpPr>
-          <p:cNvPr id="2" name="Nadpis 1">
-            <a:extLst>
-              <a:ext uri="{FF2B5EF4-FFF2-40B4-BE49-F238E27FC236}">
-                <a16:creationId xmlns:a16="http://schemas.microsoft.com/office/drawing/2014/main" id="{AF05A922-0C72-4759-92AA-731C4161D9D4}"/>
-              </a:ext>
-            </a:extLst>
-          </p:cNvPr>
-          <p:cNvSpPr>
-            <a:spLocks noGrp="1"/>
-          </p:cNvSpPr>
-          <p:nvPr>
-            <p:ph type="title"/>
-          </p:nvPr>
-        </p:nvSpPr>
-        <p:spPr>
-          <a:xfrm>
-            <a:off x="643467" y="643467"/>
-            <a:ext cx="3363974" cy="1597315"/>
-          </a:xfrm>
-          <a:noFill/>
-          <a:ln w="19050">
-            <a:solidFill>
-              <a:schemeClr val="bg1"/>
-            </a:solidFill>
-          </a:ln>
-        </p:spPr>
-        <p:txBody>
-          <a:bodyPr vert="horz" wrap="square" lIns="91440" tIns="45720" rIns="91440" bIns="45720" rtlCol="0" anchor="ctr">
-            <a:normAutofit/>
-          </a:bodyPr>
-          <a:lstStyle/>
-          <a:p>
-            <a:pPr algn="ctr"/>
-            <a:r>
-              <a:rPr lang="en-US" sz="2800" kern="1200">
-                <a:solidFill>
-                  <a:schemeClr val="bg1"/>
-                </a:solidFill>
-                <a:latin typeface="+mj-lt"/>
-                <a:ea typeface="+mj-ea"/>
-                <a:cs typeface="+mj-cs"/>
-              </a:rPr>
-              <a:t>GITHUB</a:t>
-            </a:r>
-          </a:p>
-        </p:txBody>
-      </p:sp>
-      <p:sp>
-        <p:nvSpPr>
-          <p:cNvPr id="3" name="Zástupný symbol pro obsah 2">
-            <a:extLst>
-              <a:ext uri="{FF2B5EF4-FFF2-40B4-BE49-F238E27FC236}">
-                <a16:creationId xmlns:a16="http://schemas.microsoft.com/office/drawing/2014/main" id="{9A9D82B9-033F-419F-91BE-D9449A885A57}"/>
-              </a:ext>
-            </a:extLst>
-          </p:cNvPr>
-          <p:cNvSpPr>
-            <a:spLocks noGrp="1"/>
-          </p:cNvSpPr>
-          <p:nvPr>
-            <p:ph sz="half" idx="1"/>
-          </p:nvPr>
-        </p:nvSpPr>
-        <p:spPr>
-          <a:xfrm>
-            <a:off x="643468" y="2638044"/>
+            <a:off x="838200" y="1770247"/>
             <a:ext cx="3363974" cy="3415622"/>
           </a:xfrm>
         </p:spPr>
@@ -3926,30 +3833,35 @@
           <a:lstStyle/>
           <a:p>
             <a:r>
-              <a:rPr lang="en-US" sz="2000">
-                <a:solidFill>
-                  <a:schemeClr val="bg1"/>
-                </a:solidFill>
-              </a:rPr>
-              <a:t>Rozložení repositáře</a:t>
-            </a:r>
-          </a:p>
-          <a:p>
-            <a:r>
-              <a:rPr lang="en-US" sz="2000">
-                <a:solidFill>
-                  <a:schemeClr val="bg1"/>
-                </a:solidFill>
-              </a:rPr>
+              <a:rPr lang="en-US" sz="2000" dirty="0" err="1"/>
+              <a:t>Rozložení</a:t>
+            </a:r>
+            <a:r>
+              <a:rPr lang="en-US" sz="2000" dirty="0"/>
+              <a:t> </a:t>
+            </a:r>
+            <a:r>
+              <a:rPr lang="en-US" sz="2000" dirty="0" err="1"/>
+              <a:t>repositáře</a:t>
+            </a:r>
+            <a:endParaRPr lang="en-US" sz="2000" dirty="0"/>
+          </a:p>
+          <a:p>
+            <a:r>
+              <a:rPr lang="en-US" sz="2000" dirty="0"/>
               <a:t>TORTOISE GIT</a:t>
             </a:r>
-          </a:p>
-          <a:p>
-            <a:endParaRPr lang="en-US" sz="2000">
-              <a:solidFill>
-                <a:schemeClr val="bg1"/>
-              </a:solidFill>
-            </a:endParaRPr>
+            <a:endParaRPr lang="cs-CZ" sz="2000" dirty="0"/>
+          </a:p>
+          <a:p>
+            <a:r>
+              <a:rPr lang="cs-CZ" sz="2000" dirty="0"/>
+              <a:t>Propojení s azure</a:t>
+            </a:r>
+            <a:endParaRPr lang="en-US" sz="2000" dirty="0"/>
+          </a:p>
+          <a:p>
+            <a:endParaRPr lang="en-US" sz="2000" dirty="0"/>
           </a:p>
         </p:txBody>
       </p:sp>
@@ -3977,14 +3889,69 @@
         </p:blipFill>
         <p:spPr>
           <a:xfrm>
-            <a:off x="5297763" y="1770247"/>
-            <a:ext cx="6250769" cy="3156638"/>
+            <a:off x="4202174" y="1770246"/>
+            <a:ext cx="6921151" cy="3495181"/>
           </a:xfrm>
           <a:prstGeom prst="rect">
             <a:avLst/>
           </a:prstGeom>
         </p:spPr>
       </p:pic>
+      <p:sp>
+        <p:nvSpPr>
+          <p:cNvPr id="6" name="Nadpis 1">
+            <a:extLst>
+              <a:ext uri="{FF2B5EF4-FFF2-40B4-BE49-F238E27FC236}">
+                <a16:creationId xmlns:a16="http://schemas.microsoft.com/office/drawing/2014/main" id="{760065BD-E9AC-4379-AC62-8D8B3FB1558E}"/>
+              </a:ext>
+            </a:extLst>
+          </p:cNvPr>
+          <p:cNvSpPr txBox="1">
+            <a:spLocks/>
+          </p:cNvSpPr>
+          <p:nvPr/>
+        </p:nvSpPr>
+        <p:spPr>
+          <a:xfrm>
+            <a:off x="838200" y="365125"/>
+            <a:ext cx="10515600" cy="1325563"/>
+          </a:xfrm>
+          <a:prstGeom prst="rect">
+            <a:avLst/>
+          </a:prstGeom>
+        </p:spPr>
+        <p:txBody>
+          <a:bodyPr vert="horz" lIns="91440" tIns="45720" rIns="91440" bIns="45720" rtlCol="0" anchor="ctr">
+            <a:normAutofit/>
+          </a:bodyPr>
+          <a:lstStyle>
+            <a:lvl1pPr algn="l" defTabSz="914400" rtl="0" eaLnBrk="1" latinLnBrk="0" hangingPunct="1">
+              <a:lnSpc>
+                <a:spcPct val="90000"/>
+              </a:lnSpc>
+              <a:spcBef>
+                <a:spcPct val="0"/>
+              </a:spcBef>
+              <a:buNone/>
+              <a:defRPr sz="4400" kern="1200">
+                <a:solidFill>
+                  <a:schemeClr val="tx1"/>
+                </a:solidFill>
+                <a:latin typeface="+mj-lt"/>
+                <a:ea typeface="+mj-ea"/>
+                <a:cs typeface="+mj-cs"/>
+              </a:defRPr>
+            </a:lvl1pPr>
+          </a:lstStyle>
+          <a:p>
+            <a:r>
+              <a:rPr lang="cs-CZ" dirty="0" err="1"/>
+              <a:t>Github</a:t>
+            </a:r>
+            <a:endParaRPr lang="cs-CZ" dirty="0"/>
+          </a:p>
+        </p:txBody>
+      </p:sp>
     </p:spTree>
     <p:extLst>
       <p:ext uri="{BB962C8B-B14F-4D97-AF65-F5344CB8AC3E}">
@@ -4356,8 +4323,8 @@
         </p:blipFill>
         <p:spPr>
           <a:xfrm>
-            <a:off x="1900395" y="1690688"/>
-            <a:ext cx="8391210" cy="4995798"/>
+            <a:off x="2441630" y="1825625"/>
+            <a:ext cx="7308740" cy="4351338"/>
           </a:xfrm>
           <a:prstGeom prst="rect">
             <a:avLst/>
@@ -4368,6 +4335,134 @@
     <p:extLst>
       <p:ext uri="{BB962C8B-B14F-4D97-AF65-F5344CB8AC3E}">
         <p14:creationId xmlns:p14="http://schemas.microsoft.com/office/powerpoint/2010/main" val="4264659663"/>
+      </p:ext>
+    </p:extLst>
+  </p:cSld>
+  <p:clrMapOvr>
+    <a:masterClrMapping/>
+  </p:clrMapOvr>
+</p:sld>
+</file>
+
+<file path=ppt/slides/slide9.xml><?xml version="1.0" encoding="utf-8"?>
+<p:sld xmlns:a="http://schemas.openxmlformats.org/drawingml/2006/main" xmlns:r="http://schemas.openxmlformats.org/officeDocument/2006/relationships" xmlns:p="http://schemas.openxmlformats.org/presentationml/2006/main">
+  <p:cSld>
+    <p:spTree>
+      <p:nvGrpSpPr>
+        <p:cNvPr id="1" name=""/>
+        <p:cNvGrpSpPr/>
+        <p:nvPr/>
+      </p:nvGrpSpPr>
+      <p:grpSpPr>
+        <a:xfrm>
+          <a:off x="0" y="0"/>
+          <a:ext cx="0" cy="0"/>
+          <a:chOff x="0" y="0"/>
+          <a:chExt cx="0" cy="0"/>
+        </a:xfrm>
+      </p:grpSpPr>
+      <p:sp>
+        <p:nvSpPr>
+          <p:cNvPr id="2" name="Nadpis 1">
+            <a:extLst>
+              <a:ext uri="{FF2B5EF4-FFF2-40B4-BE49-F238E27FC236}">
+                <a16:creationId xmlns:a16="http://schemas.microsoft.com/office/drawing/2014/main" id="{DF5CE3CD-96BA-48AA-9F33-6A8A9D52E70F}"/>
+              </a:ext>
+            </a:extLst>
+          </p:cNvPr>
+          <p:cNvSpPr>
+            <a:spLocks noGrp="1"/>
+          </p:cNvSpPr>
+          <p:nvPr>
+            <p:ph type="title"/>
+          </p:nvPr>
+        </p:nvSpPr>
+        <p:spPr/>
+        <p:txBody>
+          <a:bodyPr/>
+          <a:lstStyle/>
+          <a:p>
+            <a:r>
+              <a:rPr lang="cs-CZ" dirty="0"/>
+              <a:t>Akceptační kritéria a úkoly</a:t>
+            </a:r>
+          </a:p>
+        </p:txBody>
+      </p:sp>
+      <p:sp>
+        <p:nvSpPr>
+          <p:cNvPr id="4" name="Zástupný symbol pro obsah 3">
+            <a:extLst>
+              <a:ext uri="{FF2B5EF4-FFF2-40B4-BE49-F238E27FC236}">
+                <a16:creationId xmlns:a16="http://schemas.microsoft.com/office/drawing/2014/main" id="{809F981D-3D50-4D61-8DA4-F683C71B37D6}"/>
+              </a:ext>
+            </a:extLst>
+          </p:cNvPr>
+          <p:cNvSpPr>
+            <a:spLocks noGrp="1"/>
+          </p:cNvSpPr>
+          <p:nvPr>
+            <p:ph sz="half" idx="1"/>
+          </p:nvPr>
+        </p:nvSpPr>
+        <p:spPr/>
+        <p:txBody>
+          <a:bodyPr/>
+          <a:lstStyle/>
+          <a:p>
+            <a:r>
+              <a:rPr lang="cs-CZ" dirty="0"/>
+              <a:t>Vytvoření akceptačních kritérií</a:t>
+            </a:r>
+          </a:p>
+          <a:p>
+            <a:r>
+              <a:rPr lang="cs-CZ"/>
+              <a:t>Upravení úkol</a:t>
+            </a:r>
+            <a:r>
+              <a:rPr lang="cs-CZ" dirty="0"/>
+              <a:t>ů</a:t>
+            </a:r>
+          </a:p>
+        </p:txBody>
+      </p:sp>
+      <p:pic>
+        <p:nvPicPr>
+          <p:cNvPr id="6" name="Zástupný symbol pro obsah 5">
+            <a:extLst>
+              <a:ext uri="{FF2B5EF4-FFF2-40B4-BE49-F238E27FC236}">
+                <a16:creationId xmlns:a16="http://schemas.microsoft.com/office/drawing/2014/main" id="{B1DF96BF-BD68-4DAB-90B9-650853D24889}"/>
+              </a:ext>
+            </a:extLst>
+          </p:cNvPr>
+          <p:cNvPicPr>
+            <a:picLocks noGrp="1" noChangeAspect="1"/>
+          </p:cNvPicPr>
+          <p:nvPr>
+            <p:ph sz="half" idx="2"/>
+          </p:nvPr>
+        </p:nvPicPr>
+        <p:blipFill>
+          <a:blip r:embed="rId2"/>
+          <a:stretch>
+            <a:fillRect/>
+          </a:stretch>
+        </p:blipFill>
+        <p:spPr>
+          <a:xfrm>
+            <a:off x="7235014" y="2324894"/>
+            <a:ext cx="2981325" cy="1676400"/>
+          </a:xfrm>
+          <a:prstGeom prst="rect">
+            <a:avLst/>
+          </a:prstGeom>
+        </p:spPr>
+      </p:pic>
+    </p:spTree>
+    <p:extLst>
+      <p:ext uri="{BB962C8B-B14F-4D97-AF65-F5344CB8AC3E}">
+        <p14:creationId xmlns:p14="http://schemas.microsoft.com/office/powerpoint/2010/main" val="2388067036"/>
       </p:ext>
     </p:extLst>
   </p:cSld>

--- a/docs/Apollo 13 - Logos Polytechnikos.pptx
+++ b/docs/Apollo 13 - Logos Polytechnikos.pptx
@@ -4301,19 +4301,17 @@
       </p:sp>
       <p:pic>
         <p:nvPicPr>
-          <p:cNvPr id="6" name="Zástupný symbol pro obsah 5">
-            <a:extLst>
-              <a:ext uri="{FF2B5EF4-FFF2-40B4-BE49-F238E27FC236}">
-                <a16:creationId xmlns:a16="http://schemas.microsoft.com/office/drawing/2014/main" id="{A02EBB8E-4471-4787-B5E9-5D4684BE7220}"/>
+          <p:cNvPr id="2" name="Obrázek 1">
+            <a:extLst>
+              <a:ext uri="{FF2B5EF4-FFF2-40B4-BE49-F238E27FC236}">
+                <a16:creationId xmlns:a16="http://schemas.microsoft.com/office/drawing/2014/main" id="{E53DC059-F135-4CBD-B782-9D6B73CDF87B}"/>
               </a:ext>
             </a:extLst>
           </p:cNvPr>
           <p:cNvPicPr>
-            <a:picLocks noGrp="1" noChangeAspect="1"/>
+            <a:picLocks noChangeAspect="1"/>
           </p:cNvPicPr>
-          <p:nvPr>
-            <p:ph idx="1"/>
-          </p:nvPr>
+          <p:nvPr/>
         </p:nvPicPr>
         <p:blipFill>
           <a:blip r:embed="rId2"/>
@@ -4323,8 +4321,8 @@
         </p:blipFill>
         <p:spPr>
           <a:xfrm>
-            <a:off x="2441630" y="1825625"/>
-            <a:ext cx="7308740" cy="4351338"/>
+            <a:off x="1614196" y="1511559"/>
+            <a:ext cx="9088016" cy="5047861"/>
           </a:xfrm>
           <a:prstGeom prst="rect">
             <a:avLst/>

--- a/docs/Apollo 13 - Logos Polytechnikos.pptx
+++ b/docs/Apollo 13 - Logos Polytechnikos.pptx
@@ -28054,7 +28054,7 @@
 <file path=ppt/theme/theme1.xml><?xml version="1.0" encoding="utf-8"?>
 <a:theme xmlns:a="http://schemas.openxmlformats.org/drawingml/2006/main" name="Odznáček">
   <a:themeElements>
-    <a:clrScheme name="Odznáček">
+    <a:clrScheme name="Červeno-oranžová">
       <a:dk1>
         <a:sysClr val="windowText" lastClr="000000"/>
       </a:dk1>
@@ -28062,34 +28062,34 @@
         <a:sysClr val="window" lastClr="FFFFFF"/>
       </a:lt1>
       <a:dk2>
-        <a:srgbClr val="2A1A00"/>
+        <a:srgbClr val="505046"/>
       </a:dk2>
       <a:lt2>
-        <a:srgbClr val="F3F3F2"/>
+        <a:srgbClr val="EEECE1"/>
       </a:lt2>
       <a:accent1>
-        <a:srgbClr val="F8B323"/>
+        <a:srgbClr val="E84C22"/>
       </a:accent1>
       <a:accent2>
-        <a:srgbClr val="656A59"/>
+        <a:srgbClr val="FFBD47"/>
       </a:accent2>
       <a:accent3>
-        <a:srgbClr val="46B2B5"/>
+        <a:srgbClr val="B64926"/>
       </a:accent3>
       <a:accent4>
-        <a:srgbClr val="8CAA7E"/>
+        <a:srgbClr val="FF8427"/>
       </a:accent4>
       <a:accent5>
-        <a:srgbClr val="D36F68"/>
+        <a:srgbClr val="CC9900"/>
       </a:accent5>
       <a:accent6>
-        <a:srgbClr val="826276"/>
+        <a:srgbClr val="B22600"/>
       </a:accent6>
       <a:hlink>
-        <a:srgbClr val="46B2B5"/>
+        <a:srgbClr val="CC9900"/>
       </a:hlink>
       <a:folHlink>
-        <a:srgbClr val="A46694"/>
+        <a:srgbClr val="666699"/>
       </a:folHlink>
     </a:clrScheme>
     <a:fontScheme name="Odznáček">

--- a/docs/Apollo 13 - Logos Polytechnikos.pptx
+++ b/docs/Apollo 13 - Logos Polytechnikos.pptx
@@ -15,9 +15,12 @@
     <p:sldId id="264" r:id="rId9"/>
     <p:sldId id="265" r:id="rId10"/>
     <p:sldId id="266" r:id="rId11"/>
-    <p:sldId id="268" r:id="rId12"/>
-    <p:sldId id="267" r:id="rId13"/>
-    <p:sldId id="269" r:id="rId14"/>
+    <p:sldId id="271" r:id="rId12"/>
+    <p:sldId id="268" r:id="rId13"/>
+    <p:sldId id="270" r:id="rId14"/>
+    <p:sldId id="267" r:id="rId15"/>
+    <p:sldId id="272" r:id="rId16"/>
+    <p:sldId id="269" r:id="rId17"/>
   </p:sldIdLst>
   <p:sldSz cx="12192000" cy="6858000"/>
   <p:notesSz cx="6858000" cy="9144000"/>
@@ -143,16 +146,23 @@
         <p14:section name="funkce" id="{BCA015F3-55F0-485F-A149-7D70254142C4}">
           <p14:sldIdLst>
             <p14:sldId id="266"/>
+            <p14:sldId id="271"/>
           </p14:sldIdLst>
         </p14:section>
         <p14:section name="design" id="{4D2A7B7A-920F-4346-8C62-FC65054C61E4}">
           <p14:sldIdLst>
             <p14:sldId id="268"/>
+            <p14:sldId id="270"/>
           </p14:sldIdLst>
         </p14:section>
         <p14:section name="implementace" id="{B0AF2DCE-D2D3-4485-B978-62F3AA733928}">
           <p14:sldIdLst>
             <p14:sldId id="267"/>
+            <p14:sldId id="272"/>
+          </p14:sldIdLst>
+        </p14:section>
+        <p14:section name="konec" id="{88A29760-D472-4996-9B6B-1E1FE2ED67C2}">
+          <p14:sldIdLst>
             <p14:sldId id="269"/>
           </p14:sldIdLst>
         </p14:section>
@@ -7051,6 +7061,86 @@
       </p:grpSpPr>
       <p:sp>
         <p:nvSpPr>
+          <p:cNvPr id="4" name="Nadpis 3">
+            <a:extLst>
+              <a:ext uri="{FF2B5EF4-FFF2-40B4-BE49-F238E27FC236}">
+                <a16:creationId xmlns:a16="http://schemas.microsoft.com/office/drawing/2014/main" id="{914920E0-8573-4A96-99EF-A21DBD886F8A}"/>
+              </a:ext>
+            </a:extLst>
+          </p:cNvPr>
+          <p:cNvSpPr>
+            <a:spLocks noGrp="1"/>
+          </p:cNvSpPr>
+          <p:nvPr>
+            <p:ph type="title"/>
+          </p:nvPr>
+        </p:nvSpPr>
+        <p:spPr/>
+        <p:txBody>
+          <a:bodyPr/>
+          <a:lstStyle/>
+          <a:p>
+            <a:endParaRPr lang="cs-CZ"/>
+          </a:p>
+        </p:txBody>
+      </p:sp>
+      <p:sp>
+        <p:nvSpPr>
+          <p:cNvPr id="5" name="Zástupný symbol pro obsah 4">
+            <a:extLst>
+              <a:ext uri="{FF2B5EF4-FFF2-40B4-BE49-F238E27FC236}">
+                <a16:creationId xmlns:a16="http://schemas.microsoft.com/office/drawing/2014/main" id="{56821D09-04F6-4E07-8DDB-696003381E7E}"/>
+              </a:ext>
+            </a:extLst>
+          </p:cNvPr>
+          <p:cNvSpPr>
+            <a:spLocks noGrp="1"/>
+          </p:cNvSpPr>
+          <p:nvPr>
+            <p:ph idx="1"/>
+          </p:nvPr>
+        </p:nvSpPr>
+        <p:spPr/>
+        <p:txBody>
+          <a:bodyPr/>
+          <a:lstStyle/>
+          <a:p>
+            <a:endParaRPr lang="cs-CZ"/>
+          </a:p>
+        </p:txBody>
+      </p:sp>
+    </p:spTree>
+    <p:extLst>
+      <p:ext uri="{BB962C8B-B14F-4D97-AF65-F5344CB8AC3E}">
+        <p14:creationId xmlns:p14="http://schemas.microsoft.com/office/powerpoint/2010/main" val="1589885988"/>
+      </p:ext>
+    </p:extLst>
+  </p:cSld>
+  <p:clrMapOvr>
+    <a:masterClrMapping/>
+  </p:clrMapOvr>
+</p:sld>
+</file>
+
+<file path=ppt/slides/slide12.xml><?xml version="1.0" encoding="utf-8"?>
+<p:sld xmlns:a="http://schemas.openxmlformats.org/drawingml/2006/main" xmlns:r="http://schemas.openxmlformats.org/officeDocument/2006/relationships" xmlns:p="http://schemas.openxmlformats.org/presentationml/2006/main">
+  <p:cSld>
+    <p:spTree>
+      <p:nvGrpSpPr>
+        <p:cNvPr id="1" name=""/>
+        <p:cNvGrpSpPr/>
+        <p:nvPr/>
+      </p:nvGrpSpPr>
+      <p:grpSpPr>
+        <a:xfrm>
+          <a:off x="0" y="0"/>
+          <a:ext cx="0" cy="0"/>
+          <a:chOff x="0" y="0"/>
+          <a:chExt cx="0" cy="0"/>
+        </a:xfrm>
+      </p:grpSpPr>
+      <p:sp>
+        <p:nvSpPr>
           <p:cNvPr id="2" name="Nadpis 1">
             <a:extLst>
               <a:ext uri="{FF2B5EF4-FFF2-40B4-BE49-F238E27FC236}">
@@ -7115,7 +7205,117 @@
 </p:sld>
 </file>
 
-<file path=ppt/slides/slide12.xml><?xml version="1.0" encoding="utf-8"?>
+<file path=ppt/slides/slide13.xml><?xml version="1.0" encoding="utf-8"?>
+<p:sld xmlns:a="http://schemas.openxmlformats.org/drawingml/2006/main" xmlns:r="http://schemas.openxmlformats.org/officeDocument/2006/relationships" xmlns:p="http://schemas.openxmlformats.org/presentationml/2006/main">
+  <p:cSld>
+    <p:spTree>
+      <p:nvGrpSpPr>
+        <p:cNvPr id="1" name=""/>
+        <p:cNvGrpSpPr/>
+        <p:nvPr/>
+      </p:nvGrpSpPr>
+      <p:grpSpPr>
+        <a:xfrm>
+          <a:off x="0" y="0"/>
+          <a:ext cx="0" cy="0"/>
+          <a:chOff x="0" y="0"/>
+          <a:chExt cx="0" cy="0"/>
+        </a:xfrm>
+      </p:grpSpPr>
+      <p:sp>
+        <p:nvSpPr>
+          <p:cNvPr id="4" name="Nadpis 3">
+            <a:extLst>
+              <a:ext uri="{FF2B5EF4-FFF2-40B4-BE49-F238E27FC236}">
+                <a16:creationId xmlns:a16="http://schemas.microsoft.com/office/drawing/2014/main" id="{B246B355-181F-4794-BD8B-BBA3234F744D}"/>
+              </a:ext>
+            </a:extLst>
+          </p:cNvPr>
+          <p:cNvSpPr>
+            <a:spLocks noGrp="1"/>
+          </p:cNvSpPr>
+          <p:nvPr>
+            <p:ph type="title"/>
+          </p:nvPr>
+        </p:nvSpPr>
+        <p:spPr/>
+        <p:txBody>
+          <a:bodyPr/>
+          <a:lstStyle/>
+          <a:p>
+            <a:endParaRPr lang="cs-CZ"/>
+          </a:p>
+        </p:txBody>
+      </p:sp>
+      <p:pic>
+        <p:nvPicPr>
+          <p:cNvPr id="7" name="Obrázek 6">
+            <a:extLst>
+              <a:ext uri="{FF2B5EF4-FFF2-40B4-BE49-F238E27FC236}">
+                <a16:creationId xmlns:a16="http://schemas.microsoft.com/office/drawing/2014/main" id="{45F2AACA-70A2-4D44-AA09-794ED7687C37}"/>
+              </a:ext>
+            </a:extLst>
+          </p:cNvPr>
+          <p:cNvPicPr>
+            <a:picLocks noChangeAspect="1"/>
+          </p:cNvPicPr>
+          <p:nvPr/>
+        </p:nvPicPr>
+        <p:blipFill>
+          <a:blip r:embed="rId2"/>
+          <a:stretch>
+            <a:fillRect/>
+          </a:stretch>
+        </p:blipFill>
+        <p:spPr>
+          <a:xfrm>
+            <a:off x="534955" y="455606"/>
+            <a:ext cx="11122090" cy="5946788"/>
+          </a:xfrm>
+          <a:prstGeom prst="rect">
+            <a:avLst/>
+          </a:prstGeom>
+        </p:spPr>
+      </p:pic>
+      <p:sp>
+        <p:nvSpPr>
+          <p:cNvPr id="9" name="Zástupný symbol pro obsah 8">
+            <a:extLst>
+              <a:ext uri="{FF2B5EF4-FFF2-40B4-BE49-F238E27FC236}">
+                <a16:creationId xmlns:a16="http://schemas.microsoft.com/office/drawing/2014/main" id="{EC09A69E-27E3-43F1-A045-839710E05678}"/>
+              </a:ext>
+            </a:extLst>
+          </p:cNvPr>
+          <p:cNvSpPr>
+            <a:spLocks noGrp="1"/>
+          </p:cNvSpPr>
+          <p:nvPr>
+            <p:ph idx="1"/>
+          </p:nvPr>
+        </p:nvSpPr>
+        <p:spPr/>
+        <p:txBody>
+          <a:bodyPr/>
+          <a:lstStyle/>
+          <a:p>
+            <a:endParaRPr lang="cs-CZ" dirty="0"/>
+          </a:p>
+        </p:txBody>
+      </p:sp>
+    </p:spTree>
+    <p:extLst>
+      <p:ext uri="{BB962C8B-B14F-4D97-AF65-F5344CB8AC3E}">
+        <p14:creationId xmlns:p14="http://schemas.microsoft.com/office/powerpoint/2010/main" val="1174386991"/>
+      </p:ext>
+    </p:extLst>
+  </p:cSld>
+  <p:clrMapOvr>
+    <a:masterClrMapping/>
+  </p:clrMapOvr>
+</p:sld>
+</file>
+
+<file path=ppt/slides/slide14.xml><?xml version="1.0" encoding="utf-8"?>
 <p:sld xmlns:a="http://schemas.openxmlformats.org/drawingml/2006/main" xmlns:r="http://schemas.openxmlformats.org/officeDocument/2006/relationships" xmlns:p="http://schemas.openxmlformats.org/presentationml/2006/main">
   <p:cSld>
     <p:spTree>
@@ -7181,7 +7381,10 @@
           <a:bodyPr/>
           <a:lstStyle/>
           <a:p>
-            <a:endParaRPr lang="cs-CZ"/>
+            <a:r>
+              <a:rPr lang="cs-CZ" dirty="0"/>
+              <a:t>azure</a:t>
+            </a:r>
           </a:p>
         </p:txBody>
       </p:sp>
@@ -7198,7 +7401,87 @@
 </p:sld>
 </file>
 
-<file path=ppt/slides/slide13.xml><?xml version="1.0" encoding="utf-8"?>
+<file path=ppt/slides/slide15.xml><?xml version="1.0" encoding="utf-8"?>
+<p:sld xmlns:a="http://schemas.openxmlformats.org/drawingml/2006/main" xmlns:r="http://schemas.openxmlformats.org/officeDocument/2006/relationships" xmlns:p="http://schemas.openxmlformats.org/presentationml/2006/main">
+  <p:cSld>
+    <p:spTree>
+      <p:nvGrpSpPr>
+        <p:cNvPr id="1" name=""/>
+        <p:cNvGrpSpPr/>
+        <p:nvPr/>
+      </p:nvGrpSpPr>
+      <p:grpSpPr>
+        <a:xfrm>
+          <a:off x="0" y="0"/>
+          <a:ext cx="0" cy="0"/>
+          <a:chOff x="0" y="0"/>
+          <a:chExt cx="0" cy="0"/>
+        </a:xfrm>
+      </p:grpSpPr>
+      <p:sp>
+        <p:nvSpPr>
+          <p:cNvPr id="4" name="Nadpis 3">
+            <a:extLst>
+              <a:ext uri="{FF2B5EF4-FFF2-40B4-BE49-F238E27FC236}">
+                <a16:creationId xmlns:a16="http://schemas.microsoft.com/office/drawing/2014/main" id="{6424E668-2F70-4198-97BA-385733A90536}"/>
+              </a:ext>
+            </a:extLst>
+          </p:cNvPr>
+          <p:cNvSpPr>
+            <a:spLocks noGrp="1"/>
+          </p:cNvSpPr>
+          <p:nvPr>
+            <p:ph type="title"/>
+          </p:nvPr>
+        </p:nvSpPr>
+        <p:spPr/>
+        <p:txBody>
+          <a:bodyPr/>
+          <a:lstStyle/>
+          <a:p>
+            <a:endParaRPr lang="cs-CZ"/>
+          </a:p>
+        </p:txBody>
+      </p:sp>
+      <p:sp>
+        <p:nvSpPr>
+          <p:cNvPr id="5" name="Zástupný symbol pro obsah 4">
+            <a:extLst>
+              <a:ext uri="{FF2B5EF4-FFF2-40B4-BE49-F238E27FC236}">
+                <a16:creationId xmlns:a16="http://schemas.microsoft.com/office/drawing/2014/main" id="{685A8E39-032A-4398-9E5E-01108BD05980}"/>
+              </a:ext>
+            </a:extLst>
+          </p:cNvPr>
+          <p:cNvSpPr>
+            <a:spLocks noGrp="1"/>
+          </p:cNvSpPr>
+          <p:nvPr>
+            <p:ph idx="1"/>
+          </p:nvPr>
+        </p:nvSpPr>
+        <p:spPr/>
+        <p:txBody>
+          <a:bodyPr/>
+          <a:lstStyle/>
+          <a:p>
+            <a:endParaRPr lang="cs-CZ"/>
+          </a:p>
+        </p:txBody>
+      </p:sp>
+    </p:spTree>
+    <p:extLst>
+      <p:ext uri="{BB962C8B-B14F-4D97-AF65-F5344CB8AC3E}">
+        <p14:creationId xmlns:p14="http://schemas.microsoft.com/office/powerpoint/2010/main" val="3481639115"/>
+      </p:ext>
+    </p:extLst>
+  </p:cSld>
+  <p:clrMapOvr>
+    <a:masterClrMapping/>
+  </p:clrMapOvr>
+</p:sld>
+</file>
+
+<file path=ppt/slides/slide16.xml><?xml version="1.0" encoding="utf-8"?>
 <p:sld xmlns:a="http://schemas.openxmlformats.org/drawingml/2006/main" xmlns:r="http://schemas.openxmlformats.org/officeDocument/2006/relationships" xmlns:p="http://schemas.openxmlformats.org/presentationml/2006/main">
   <p:cSld>
     <p:bg>
@@ -9494,7 +9777,7 @@
           <a:p>
             <a:pPr algn="ctr"/>
             <a:r>
-              <a:rPr lang="en-US" sz="4800" spc="800"/>
+              <a:rPr lang="en-US" sz="4800" spc="800" dirty="0"/>
               <a:t>DĚKUJEME ZA POZORNOST</a:t>
             </a:r>
           </a:p>

--- a/docs/Apollo 13 - Logos Polytechnikos.pptx
+++ b/docs/Apollo 13 - Logos Polytechnikos.pptx
@@ -16,11 +16,12 @@
     <p:sldId id="265" r:id="rId10"/>
     <p:sldId id="266" r:id="rId11"/>
     <p:sldId id="271" r:id="rId12"/>
-    <p:sldId id="268" r:id="rId13"/>
-    <p:sldId id="270" r:id="rId14"/>
-    <p:sldId id="267" r:id="rId15"/>
-    <p:sldId id="272" r:id="rId16"/>
-    <p:sldId id="269" r:id="rId17"/>
+    <p:sldId id="273" r:id="rId13"/>
+    <p:sldId id="268" r:id="rId14"/>
+    <p:sldId id="270" r:id="rId15"/>
+    <p:sldId id="267" r:id="rId16"/>
+    <p:sldId id="272" r:id="rId17"/>
+    <p:sldId id="269" r:id="rId18"/>
   </p:sldIdLst>
   <p:sldSz cx="12192000" cy="6858000"/>
   <p:notesSz cx="6858000" cy="9144000"/>
@@ -147,6 +148,7 @@
           <p14:sldIdLst>
             <p14:sldId id="266"/>
             <p14:sldId id="271"/>
+            <p14:sldId id="273"/>
           </p14:sldIdLst>
         </p14:section>
         <p14:section name="design" id="{4D2A7B7A-920F-4346-8C62-FC65054C61E4}">
@@ -7080,7 +7082,10 @@
           <a:bodyPr/>
           <a:lstStyle/>
           <a:p>
-            <a:endParaRPr lang="cs-CZ"/>
+            <a:r>
+              <a:rPr lang="cs-CZ" dirty="0"/>
+              <a:t>registrace</a:t>
+            </a:r>
           </a:p>
         </p:txBody>
       </p:sp>
@@ -7105,10 +7110,84 @@
           <a:bodyPr/>
           <a:lstStyle/>
           <a:p>
-            <a:endParaRPr lang="cs-CZ"/>
+            <a:r>
+              <a:rPr lang="cs-CZ" dirty="0"/>
+              <a:t>Zadání údajů</a:t>
+            </a:r>
+          </a:p>
+          <a:p>
+            <a:pPr lvl="1"/>
+            <a:r>
+              <a:rPr lang="cs-CZ" dirty="0" err="1"/>
+              <a:t>Login</a:t>
+            </a:r>
+            <a:endParaRPr lang="cs-CZ" dirty="0"/>
+          </a:p>
+          <a:p>
+            <a:pPr lvl="1"/>
+            <a:r>
+              <a:rPr lang="cs-CZ" dirty="0"/>
+              <a:t>Email</a:t>
+            </a:r>
+          </a:p>
+          <a:p>
+            <a:pPr lvl="1"/>
+            <a:r>
+              <a:rPr lang="cs-CZ" dirty="0"/>
+              <a:t>Jméno a příjmení</a:t>
+            </a:r>
+          </a:p>
+          <a:p>
+            <a:pPr lvl="1"/>
+            <a:r>
+              <a:rPr lang="cs-CZ" dirty="0"/>
+              <a:t>Heslo</a:t>
+            </a:r>
+          </a:p>
+          <a:p>
+            <a:r>
+              <a:rPr lang="cs-CZ" dirty="0"/>
+              <a:t>Validace </a:t>
+            </a:r>
+          </a:p>
+          <a:p>
+            <a:r>
+              <a:rPr lang="cs-CZ" dirty="0"/>
+              <a:t>Verifikace</a:t>
+            </a:r>
           </a:p>
         </p:txBody>
       </p:sp>
+      <p:pic>
+        <p:nvPicPr>
+          <p:cNvPr id="2" name="Obrázek 1">
+            <a:extLst>
+              <a:ext uri="{FF2B5EF4-FFF2-40B4-BE49-F238E27FC236}">
+                <a16:creationId xmlns:a16="http://schemas.microsoft.com/office/drawing/2014/main" id="{6A9CEBAA-9D7B-40C5-894F-7D82B058732D}"/>
+              </a:ext>
+            </a:extLst>
+          </p:cNvPr>
+          <p:cNvPicPr>
+            <a:picLocks noChangeAspect="1"/>
+          </p:cNvPicPr>
+          <p:nvPr/>
+        </p:nvPicPr>
+        <p:blipFill>
+          <a:blip r:embed="rId2"/>
+          <a:stretch>
+            <a:fillRect/>
+          </a:stretch>
+        </p:blipFill>
+        <p:spPr>
+          <a:xfrm>
+            <a:off x="5711097" y="2444622"/>
+            <a:ext cx="5229225" cy="2571750"/>
+          </a:xfrm>
+          <a:prstGeom prst="rect">
+            <a:avLst/>
+          </a:prstGeom>
+        </p:spPr>
+      </p:pic>
     </p:spTree>
     <p:extLst>
       <p:ext uri="{BB962C8B-B14F-4D97-AF65-F5344CB8AC3E}">
@@ -7123,6 +7202,270 @@
 </file>
 
 <file path=ppt/slides/slide12.xml><?xml version="1.0" encoding="utf-8"?>
+<p:sld xmlns:a="http://schemas.openxmlformats.org/drawingml/2006/main" xmlns:r="http://schemas.openxmlformats.org/officeDocument/2006/relationships" xmlns:p="http://schemas.openxmlformats.org/presentationml/2006/main">
+  <p:cSld>
+    <p:spTree>
+      <p:nvGrpSpPr>
+        <p:cNvPr id="1" name=""/>
+        <p:cNvGrpSpPr/>
+        <p:nvPr/>
+      </p:nvGrpSpPr>
+      <p:grpSpPr>
+        <a:xfrm>
+          <a:off x="0" y="0"/>
+          <a:ext cx="0" cy="0"/>
+          <a:chOff x="0" y="0"/>
+          <a:chExt cx="0" cy="0"/>
+        </a:xfrm>
+      </p:grpSpPr>
+      <p:sp>
+        <p:nvSpPr>
+          <p:cNvPr id="2" name="Nadpis 1">
+            <a:extLst>
+              <a:ext uri="{FF2B5EF4-FFF2-40B4-BE49-F238E27FC236}">
+                <a16:creationId xmlns:a16="http://schemas.microsoft.com/office/drawing/2014/main" id="{7F39BEFF-3992-4EF3-AA1F-F04369C15E46}"/>
+              </a:ext>
+            </a:extLst>
+          </p:cNvPr>
+          <p:cNvSpPr>
+            <a:spLocks noGrp="1"/>
+          </p:cNvSpPr>
+          <p:nvPr>
+            <p:ph type="title"/>
+          </p:nvPr>
+        </p:nvSpPr>
+        <p:spPr/>
+        <p:txBody>
+          <a:bodyPr/>
+          <a:lstStyle/>
+          <a:p>
+            <a:r>
+              <a:rPr lang="cs-CZ" dirty="0"/>
+              <a:t>Agenda redaktora</a:t>
+            </a:r>
+          </a:p>
+        </p:txBody>
+      </p:sp>
+      <p:sp>
+        <p:nvSpPr>
+          <p:cNvPr id="3" name="Zástupný symbol pro obsah 2">
+            <a:extLst>
+              <a:ext uri="{FF2B5EF4-FFF2-40B4-BE49-F238E27FC236}">
+                <a16:creationId xmlns:a16="http://schemas.microsoft.com/office/drawing/2014/main" id="{7D071722-F357-4052-A976-A6C3A1B6937A}"/>
+              </a:ext>
+            </a:extLst>
+          </p:cNvPr>
+          <p:cNvSpPr>
+            <a:spLocks noGrp="1"/>
+          </p:cNvSpPr>
+          <p:nvPr>
+            <p:ph idx="1"/>
+          </p:nvPr>
+        </p:nvSpPr>
+        <p:spPr/>
+        <p:txBody>
+          <a:bodyPr/>
+          <a:lstStyle/>
+          <a:p>
+            <a:r>
+              <a:rPr lang="en-US" dirty="0"/>
+              <a:t>P</a:t>
+            </a:r>
+            <a:r>
+              <a:rPr lang="cs-CZ" dirty="0" err="1"/>
+              <a:t>řehled</a:t>
+            </a:r>
+            <a:r>
+              <a:rPr lang="cs-CZ" dirty="0"/>
+              <a:t> pro šéfredaktora</a:t>
+            </a:r>
+          </a:p>
+          <a:p>
+            <a:r>
+              <a:rPr lang="cs-CZ" dirty="0"/>
+              <a:t>Zobrazení redaktorů</a:t>
+            </a:r>
+          </a:p>
+          <a:p>
+            <a:r>
+              <a:rPr lang="cs-CZ" dirty="0"/>
+              <a:t>Zobrazení práce</a:t>
+            </a:r>
+            <a:endParaRPr lang="en-US" dirty="0"/>
+          </a:p>
+          <a:p>
+            <a:pPr marL="457200" lvl="1" indent="0">
+              <a:buNone/>
+            </a:pPr>
+            <a:r>
+              <a:rPr lang="cs-CZ" dirty="0"/>
+              <a:t>SELECT [User].</a:t>
+            </a:r>
+            <a:r>
+              <a:rPr lang="cs-CZ" dirty="0" err="1"/>
+              <a:t>jmeno</a:t>
+            </a:r>
+            <a:r>
+              <a:rPr lang="cs-CZ" dirty="0"/>
+              <a:t>,[User].</a:t>
+            </a:r>
+            <a:r>
+              <a:rPr lang="cs-CZ" dirty="0" err="1"/>
+              <a:t>prijmeni</a:t>
+            </a:r>
+            <a:r>
+              <a:rPr lang="cs-CZ" dirty="0"/>
+              <a:t>,[</a:t>
+            </a:r>
+            <a:r>
+              <a:rPr lang="cs-CZ" dirty="0" err="1"/>
+              <a:t>Clanek</a:t>
+            </a:r>
+            <a:r>
+              <a:rPr lang="cs-CZ" dirty="0"/>
+              <a:t>].</a:t>
+            </a:r>
+            <a:r>
+              <a:rPr lang="cs-CZ" dirty="0" err="1"/>
+              <a:t>nadpis_clanku</a:t>
+            </a:r>
+            <a:r>
+              <a:rPr lang="cs-CZ" dirty="0"/>
+              <a:t>,[Stav].</a:t>
+            </a:r>
+            <a:r>
+              <a:rPr lang="cs-CZ" dirty="0" err="1"/>
+              <a:t>nazev_stav_cit</a:t>
+            </a:r>
+            <a:endParaRPr lang="cs-CZ" dirty="0"/>
+          </a:p>
+          <a:p>
+            <a:pPr marL="457200" lvl="1" indent="0">
+              <a:buNone/>
+            </a:pPr>
+            <a:r>
+              <a:rPr lang="cs-CZ" dirty="0"/>
+              <a:t>FROM [User] JOIN [</a:t>
+            </a:r>
+            <a:r>
+              <a:rPr lang="cs-CZ" dirty="0" err="1"/>
+              <a:t>Propoj_clanek_oponent</a:t>
+            </a:r>
+            <a:r>
+              <a:rPr lang="cs-CZ" dirty="0"/>
+              <a:t>] ON ([User].</a:t>
+            </a:r>
+            <a:r>
+              <a:rPr lang="cs-CZ" dirty="0" err="1"/>
+              <a:t>id_user</a:t>
+            </a:r>
+            <a:r>
+              <a:rPr lang="cs-CZ" dirty="0"/>
+              <a:t> = [</a:t>
+            </a:r>
+            <a:r>
+              <a:rPr lang="cs-CZ" dirty="0" err="1"/>
+              <a:t>Propoj_clanek_oponent</a:t>
+            </a:r>
+            <a:r>
+              <a:rPr lang="cs-CZ" dirty="0"/>
+              <a:t>].oponent) JOIN [</a:t>
+            </a:r>
+            <a:r>
+              <a:rPr lang="cs-CZ" dirty="0" err="1"/>
+              <a:t>Clanek</a:t>
+            </a:r>
+            <a:r>
+              <a:rPr lang="cs-CZ" dirty="0"/>
+              <a:t>] ON ([</a:t>
+            </a:r>
+            <a:r>
+              <a:rPr lang="cs-CZ" dirty="0" err="1"/>
+              <a:t>Clanek</a:t>
+            </a:r>
+            <a:r>
+              <a:rPr lang="cs-CZ" dirty="0"/>
+              <a:t>].</a:t>
+            </a:r>
+            <a:r>
+              <a:rPr lang="cs-CZ" dirty="0" err="1"/>
+              <a:t>id_clanek</a:t>
+            </a:r>
+            <a:r>
+              <a:rPr lang="cs-CZ" dirty="0"/>
+              <a:t>=[</a:t>
+            </a:r>
+            <a:r>
+              <a:rPr lang="cs-CZ" dirty="0" err="1"/>
+              <a:t>Propoj_clanek_oponent</a:t>
+            </a:r>
+            <a:r>
+              <a:rPr lang="cs-CZ" dirty="0"/>
+              <a:t>].</a:t>
+            </a:r>
+            <a:r>
+              <a:rPr lang="cs-CZ" dirty="0" err="1"/>
+              <a:t>clanek</a:t>
+            </a:r>
+            <a:r>
+              <a:rPr lang="cs-CZ" dirty="0"/>
+              <a:t>) JOIN Stav ON ([</a:t>
+            </a:r>
+            <a:r>
+              <a:rPr lang="cs-CZ" dirty="0" err="1"/>
+              <a:t>Clanek</a:t>
+            </a:r>
+            <a:r>
+              <a:rPr lang="cs-CZ" dirty="0"/>
+              <a:t>].stav=[Stav].</a:t>
+            </a:r>
+            <a:r>
+              <a:rPr lang="cs-CZ" dirty="0" err="1"/>
+              <a:t>id_stav</a:t>
+            </a:r>
+            <a:r>
+              <a:rPr lang="cs-CZ" dirty="0"/>
+              <a:t>)</a:t>
+            </a:r>
+          </a:p>
+          <a:p>
+            <a:pPr marL="457200" lvl="1" indent="0">
+              <a:buNone/>
+            </a:pPr>
+            <a:r>
+              <a:rPr lang="cs-CZ" dirty="0"/>
+              <a:t>WHERE </a:t>
+            </a:r>
+            <a:r>
+              <a:rPr lang="cs-CZ" dirty="0" err="1"/>
+              <a:t>prideleno</a:t>
+            </a:r>
+            <a:r>
+              <a:rPr lang="cs-CZ" dirty="0"/>
+              <a:t>=@</a:t>
+            </a:r>
+            <a:r>
+              <a:rPr lang="cs-CZ" dirty="0" err="1"/>
+              <a:t>prideleno</a:t>
+            </a:r>
+            <a:endParaRPr lang="cs-CZ" dirty="0"/>
+          </a:p>
+        </p:txBody>
+      </p:sp>
+    </p:spTree>
+    <p:extLst>
+      <p:ext uri="{BB962C8B-B14F-4D97-AF65-F5344CB8AC3E}">
+        <p14:creationId xmlns:p14="http://schemas.microsoft.com/office/powerpoint/2010/main" val="661096405"/>
+      </p:ext>
+    </p:extLst>
+  </p:cSld>
+  <p:clrMapOvr>
+    <a:masterClrMapping/>
+  </p:clrMapOvr>
+</p:sld>
+</file>
+
+<file path=ppt/slides/slide13.xml><?xml version="1.0" encoding="utf-8"?>
 <p:sld xmlns:a="http://schemas.openxmlformats.org/drawingml/2006/main" xmlns:r="http://schemas.openxmlformats.org/officeDocument/2006/relationships" xmlns:p="http://schemas.openxmlformats.org/presentationml/2006/main">
   <p:cSld>
     <p:spTree>
@@ -7205,7 +7548,7 @@
 </p:sld>
 </file>
 
-<file path=ppt/slides/slide13.xml><?xml version="1.0" encoding="utf-8"?>
+<file path=ppt/slides/slide14.xml><?xml version="1.0" encoding="utf-8"?>
 <p:sld xmlns:a="http://schemas.openxmlformats.org/drawingml/2006/main" xmlns:r="http://schemas.openxmlformats.org/officeDocument/2006/relationships" xmlns:p="http://schemas.openxmlformats.org/presentationml/2006/main">
   <p:cSld>
     <p:spTree>
@@ -7315,7 +7658,7 @@
 </p:sld>
 </file>
 
-<file path=ppt/slides/slide14.xml><?xml version="1.0" encoding="utf-8"?>
+<file path=ppt/slides/slide15.xml><?xml version="1.0" encoding="utf-8"?>
 <p:sld xmlns:a="http://schemas.openxmlformats.org/drawingml/2006/main" xmlns:r="http://schemas.openxmlformats.org/officeDocument/2006/relationships" xmlns:p="http://schemas.openxmlformats.org/presentationml/2006/main">
   <p:cSld>
     <p:spTree>
@@ -7401,7 +7744,7 @@
 </p:sld>
 </file>
 
-<file path=ppt/slides/slide15.xml><?xml version="1.0" encoding="utf-8"?>
+<file path=ppt/slides/slide16.xml><?xml version="1.0" encoding="utf-8"?>
 <p:sld xmlns:a="http://schemas.openxmlformats.org/drawingml/2006/main" xmlns:r="http://schemas.openxmlformats.org/officeDocument/2006/relationships" xmlns:p="http://schemas.openxmlformats.org/presentationml/2006/main">
   <p:cSld>
     <p:spTree>
@@ -7481,7 +7824,7 @@
 </p:sld>
 </file>
 
-<file path=ppt/slides/slide16.xml><?xml version="1.0" encoding="utf-8"?>
+<file path=ppt/slides/slide17.xml><?xml version="1.0" encoding="utf-8"?>
 <p:sld xmlns:a="http://schemas.openxmlformats.org/drawingml/2006/main" xmlns:r="http://schemas.openxmlformats.org/officeDocument/2006/relationships" xmlns:p="http://schemas.openxmlformats.org/presentationml/2006/main">
   <p:cSld>
     <p:bg>

--- a/docs/Apollo 13 - Logos Polytechnikos.pptx
+++ b/docs/Apollo 13 - Logos Polytechnikos.pptx
@@ -20,8 +20,9 @@
     <p:sldId id="268" r:id="rId14"/>
     <p:sldId id="270" r:id="rId15"/>
     <p:sldId id="267" r:id="rId16"/>
-    <p:sldId id="272" r:id="rId17"/>
-    <p:sldId id="269" r:id="rId18"/>
+    <p:sldId id="274" r:id="rId17"/>
+    <p:sldId id="275" r:id="rId18"/>
+    <p:sldId id="269" r:id="rId19"/>
   </p:sldIdLst>
   <p:sldSz cx="12192000" cy="6858000"/>
   <p:notesSz cx="6858000" cy="9144000"/>
@@ -160,7 +161,8 @@
         <p14:section name="implementace" id="{B0AF2DCE-D2D3-4485-B978-62F3AA733928}">
           <p14:sldIdLst>
             <p14:sldId id="267"/>
-            <p14:sldId id="272"/>
+            <p14:sldId id="274"/>
+            <p14:sldId id="275"/>
           </p14:sldIdLst>
         </p14:section>
         <p14:section name="konec" id="{88A29760-D472-4996-9B6B-1E1FE2ED67C2}">
@@ -7763,10 +7765,10 @@
       </p:grpSpPr>
       <p:sp>
         <p:nvSpPr>
-          <p:cNvPr id="4" name="Nadpis 3">
+          <p:cNvPr id="2" name="Nadpis 1">
             <a:extLst>
               <a:ext uri="{FF2B5EF4-FFF2-40B4-BE49-F238E27FC236}">
-                <a16:creationId xmlns:a16="http://schemas.microsoft.com/office/drawing/2014/main" id="{6424E668-2F70-4198-97BA-385733A90536}"/>
+                <a16:creationId xmlns:a16="http://schemas.microsoft.com/office/drawing/2014/main" id="{8F63155E-FCD4-4250-BF5F-490A45229C45}"/>
               </a:ext>
             </a:extLst>
           </p:cNvPr>
@@ -7782,16 +7784,241 @@
           <a:bodyPr/>
           <a:lstStyle/>
           <a:p>
-            <a:endParaRPr lang="cs-CZ"/>
+            <a:r>
+              <a:rPr lang="cs-CZ" dirty="0"/>
+              <a:t>Nasazení online (DEPLOY)</a:t>
+            </a:r>
           </a:p>
         </p:txBody>
       </p:sp>
       <p:sp>
         <p:nvSpPr>
-          <p:cNvPr id="5" name="Zástupný symbol pro obsah 4">
+          <p:cNvPr id="3" name="Zástupný symbol pro obsah 2">
             <a:extLst>
               <a:ext uri="{FF2B5EF4-FFF2-40B4-BE49-F238E27FC236}">
-                <a16:creationId xmlns:a16="http://schemas.microsoft.com/office/drawing/2014/main" id="{685A8E39-032A-4398-9E5E-01108BD05980}"/>
+                <a16:creationId xmlns:a16="http://schemas.microsoft.com/office/drawing/2014/main" id="{4ECF4641-EB59-4705-A83B-611E4E11A5BD}"/>
+              </a:ext>
+            </a:extLst>
+          </p:cNvPr>
+          <p:cNvSpPr>
+            <a:spLocks noGrp="1"/>
+          </p:cNvSpPr>
+          <p:nvPr>
+            <p:ph idx="1"/>
+          </p:nvPr>
+        </p:nvSpPr>
+        <p:spPr/>
+        <p:txBody>
+          <a:bodyPr>
+            <a:normAutofit lnSpcReduction="10000"/>
+          </a:bodyPr>
+          <a:lstStyle/>
+          <a:p>
+            <a:pPr marL="514350" indent="-514350">
+              <a:lnSpc>
+                <a:spcPct val="150000"/>
+              </a:lnSpc>
+              <a:buFont typeface="+mj-lt"/>
+              <a:buAutoNum type="arabicPeriod"/>
+            </a:pPr>
+            <a:r>
+              <a:rPr lang="cs-CZ" dirty="0"/>
+              <a:t>účet ve službě Azure</a:t>
+            </a:r>
+          </a:p>
+          <a:p>
+            <a:pPr marL="514350" indent="-514350">
+              <a:lnSpc>
+                <a:spcPct val="150000"/>
+              </a:lnSpc>
+              <a:buFont typeface="+mj-lt"/>
+              <a:buAutoNum type="arabicPeriod"/>
+            </a:pPr>
+            <a:endParaRPr lang="cs-CZ" dirty="0"/>
+          </a:p>
+          <a:p>
+            <a:pPr marL="514350" indent="-514350">
+              <a:lnSpc>
+                <a:spcPct val="100000"/>
+              </a:lnSpc>
+              <a:buFont typeface="+mj-lt"/>
+              <a:buAutoNum type="arabicPeriod"/>
+            </a:pPr>
+            <a:r>
+              <a:rPr lang="cs-CZ" dirty="0" err="1"/>
+              <a:t>Visual</a:t>
+            </a:r>
+            <a:r>
+              <a:rPr lang="cs-CZ" dirty="0"/>
+              <a:t> Studio - publikovat:</a:t>
+            </a:r>
+          </a:p>
+          <a:p>
+            <a:pPr lvl="1">
+              <a:lnSpc>
+                <a:spcPct val="100000"/>
+              </a:lnSpc>
+            </a:pPr>
+            <a:r>
+              <a:rPr lang="cs-CZ" dirty="0"/>
+              <a:t>projekt</a:t>
+            </a:r>
+          </a:p>
+          <a:p>
+            <a:pPr lvl="1">
+              <a:lnSpc>
+                <a:spcPct val="100000"/>
+              </a:lnSpc>
+            </a:pPr>
+            <a:r>
+              <a:rPr lang="cs-CZ" dirty="0"/>
+              <a:t>databázi</a:t>
+            </a:r>
+          </a:p>
+          <a:p>
+            <a:pPr lvl="1">
+              <a:lnSpc>
+                <a:spcPct val="100000"/>
+              </a:lnSpc>
+            </a:pPr>
+            <a:endParaRPr lang="cs-CZ" dirty="0"/>
+          </a:p>
+          <a:p>
+            <a:pPr marL="514350" indent="-514350">
+              <a:lnSpc>
+                <a:spcPct val="100000"/>
+              </a:lnSpc>
+              <a:buFont typeface="+mj-lt"/>
+              <a:buAutoNum type="arabicPeriod"/>
+            </a:pPr>
+            <a:r>
+              <a:rPr lang="cs-CZ" dirty="0"/>
+              <a:t>Překopírovat obsah DB</a:t>
+            </a:r>
+          </a:p>
+          <a:p>
+            <a:pPr lvl="1">
+              <a:lnSpc>
+                <a:spcPct val="100000"/>
+              </a:lnSpc>
+            </a:pPr>
+            <a:r>
+              <a:rPr lang="cs-CZ" dirty="0"/>
+              <a:t>struktura</a:t>
+            </a:r>
+          </a:p>
+          <a:p>
+            <a:pPr lvl="1">
+              <a:lnSpc>
+                <a:spcPct val="100000"/>
+              </a:lnSpc>
+            </a:pPr>
+            <a:r>
+              <a:rPr lang="cs-CZ" dirty="0"/>
+              <a:t>data</a:t>
+            </a:r>
+          </a:p>
+        </p:txBody>
+      </p:sp>
+      <p:pic>
+        <p:nvPicPr>
+          <p:cNvPr id="4" name="Obrázek 3">
+            <a:extLst>
+              <a:ext uri="{FF2B5EF4-FFF2-40B4-BE49-F238E27FC236}">
+                <a16:creationId xmlns:a16="http://schemas.microsoft.com/office/drawing/2014/main" id="{C092F47A-97FC-4C9E-BBA6-566EBDA7B5F3}"/>
+              </a:ext>
+            </a:extLst>
+          </p:cNvPr>
+          <p:cNvPicPr>
+            <a:picLocks noChangeAspect="1"/>
+          </p:cNvPicPr>
+          <p:nvPr/>
+        </p:nvPicPr>
+        <p:blipFill>
+          <a:blip r:embed="rId2"/>
+          <a:stretch>
+            <a:fillRect/>
+          </a:stretch>
+        </p:blipFill>
+        <p:spPr>
+          <a:xfrm>
+            <a:off x="5334256" y="1845593"/>
+            <a:ext cx="6565136" cy="4033999"/>
+          </a:xfrm>
+          <a:prstGeom prst="rect">
+            <a:avLst/>
+          </a:prstGeom>
+          <a:ln>
+            <a:solidFill>
+              <a:schemeClr val="tx1"/>
+            </a:solidFill>
+          </a:ln>
+        </p:spPr>
+      </p:pic>
+    </p:spTree>
+    <p:extLst>
+      <p:ext uri="{BB962C8B-B14F-4D97-AF65-F5344CB8AC3E}">
+        <p14:creationId xmlns:p14="http://schemas.microsoft.com/office/powerpoint/2010/main" val="3057881380"/>
+      </p:ext>
+    </p:extLst>
+  </p:cSld>
+  <p:clrMapOvr>
+    <a:masterClrMapping/>
+  </p:clrMapOvr>
+</p:sld>
+</file>
+
+<file path=ppt/slides/slide17.xml><?xml version="1.0" encoding="utf-8"?>
+<p:sld xmlns:a="http://schemas.openxmlformats.org/drawingml/2006/main" xmlns:r="http://schemas.openxmlformats.org/officeDocument/2006/relationships" xmlns:p="http://schemas.openxmlformats.org/presentationml/2006/main">
+  <p:cSld>
+    <p:spTree>
+      <p:nvGrpSpPr>
+        <p:cNvPr id="1" name=""/>
+        <p:cNvGrpSpPr/>
+        <p:nvPr/>
+      </p:nvGrpSpPr>
+      <p:grpSpPr>
+        <a:xfrm>
+          <a:off x="0" y="0"/>
+          <a:ext cx="0" cy="0"/>
+          <a:chOff x="0" y="0"/>
+          <a:chExt cx="0" cy="0"/>
+        </a:xfrm>
+      </p:grpSpPr>
+      <p:sp>
+        <p:nvSpPr>
+          <p:cNvPr id="2" name="Nadpis 1">
+            <a:extLst>
+              <a:ext uri="{FF2B5EF4-FFF2-40B4-BE49-F238E27FC236}">
+                <a16:creationId xmlns:a16="http://schemas.microsoft.com/office/drawing/2014/main" id="{0BF199A5-8F9E-4476-BE31-12E1A53203E4}"/>
+              </a:ext>
+            </a:extLst>
+          </p:cNvPr>
+          <p:cNvSpPr>
+            <a:spLocks noGrp="1"/>
+          </p:cNvSpPr>
+          <p:nvPr>
+            <p:ph type="title"/>
+          </p:nvPr>
+        </p:nvSpPr>
+        <p:spPr/>
+        <p:txBody>
+          <a:bodyPr/>
+          <a:lstStyle/>
+          <a:p>
+            <a:r>
+              <a:rPr lang="cs-CZ" dirty="0"/>
+              <a:t>Změna kódu + opakované nasazení</a:t>
+            </a:r>
+          </a:p>
+        </p:txBody>
+      </p:sp>
+      <p:sp>
+        <p:nvSpPr>
+          <p:cNvPr id="3" name="Zástupný symbol pro obsah 2">
+            <a:extLst>
+              <a:ext uri="{FF2B5EF4-FFF2-40B4-BE49-F238E27FC236}">
+                <a16:creationId xmlns:a16="http://schemas.microsoft.com/office/drawing/2014/main" id="{BFED2CB1-2532-4F22-B996-C2A6308DD1D7}"/>
               </a:ext>
             </a:extLst>
           </p:cNvPr>
@@ -7807,14 +8034,122 @@
           <a:bodyPr/>
           <a:lstStyle/>
           <a:p>
-            <a:endParaRPr lang="cs-CZ"/>
+            <a:pPr>
+              <a:lnSpc>
+                <a:spcPct val="150000"/>
+              </a:lnSpc>
+            </a:pPr>
+            <a:r>
+              <a:rPr lang="cs-CZ" dirty="0"/>
+              <a:t>DB – </a:t>
+            </a:r>
+            <a:r>
+              <a:rPr lang="cs-CZ" dirty="0" err="1"/>
+              <a:t>Visual</a:t>
+            </a:r>
+            <a:r>
+              <a:rPr lang="cs-CZ" dirty="0"/>
+              <a:t> Studio – připojení na DB v Azure</a:t>
+            </a:r>
+          </a:p>
+          <a:p>
+            <a:pPr>
+              <a:lnSpc>
+                <a:spcPct val="150000"/>
+              </a:lnSpc>
+            </a:pPr>
+            <a:endParaRPr lang="cs-CZ" dirty="0"/>
+          </a:p>
+          <a:p>
+            <a:pPr>
+              <a:lnSpc>
+                <a:spcPct val="150000"/>
+              </a:lnSpc>
+            </a:pPr>
+            <a:r>
+              <a:rPr lang="cs-CZ" dirty="0"/>
+              <a:t>kód – </a:t>
+            </a:r>
+            <a:r>
+              <a:rPr lang="cs-CZ" dirty="0" err="1"/>
+              <a:t>Visual</a:t>
+            </a:r>
+            <a:r>
+              <a:rPr lang="cs-CZ" dirty="0"/>
+              <a:t> Studio – publikovat</a:t>
+            </a:r>
+          </a:p>
+          <a:p>
+            <a:pPr marL="265113" indent="0">
+              <a:lnSpc>
+                <a:spcPct val="150000"/>
+              </a:lnSpc>
+              <a:buNone/>
+            </a:pPr>
+            <a:r>
+              <a:rPr lang="cs-CZ" dirty="0"/>
+              <a:t>VS.</a:t>
+            </a:r>
+          </a:p>
+          <a:p>
+            <a:pPr>
+              <a:lnSpc>
+                <a:spcPct val="150000"/>
+              </a:lnSpc>
+            </a:pPr>
+            <a:r>
+              <a:rPr lang="cs-CZ" dirty="0" err="1"/>
+              <a:t>GitHub</a:t>
+            </a:r>
+            <a:r>
+              <a:rPr lang="cs-CZ" dirty="0"/>
+              <a:t> – zdroj kódu</a:t>
+            </a:r>
+          </a:p>
+          <a:p>
+            <a:endParaRPr lang="cs-CZ" dirty="0"/>
           </a:p>
         </p:txBody>
       </p:sp>
+      <p:pic>
+        <p:nvPicPr>
+          <p:cNvPr id="4" name="Obrázek 3">
+            <a:extLst>
+              <a:ext uri="{FF2B5EF4-FFF2-40B4-BE49-F238E27FC236}">
+                <a16:creationId xmlns:a16="http://schemas.microsoft.com/office/drawing/2014/main" id="{3B9D16F2-3D3C-42CE-8EE4-05E7B5FA6246}"/>
+              </a:ext>
+            </a:extLst>
+          </p:cNvPr>
+          <p:cNvPicPr>
+            <a:picLocks noChangeAspect="1"/>
+          </p:cNvPicPr>
+          <p:nvPr/>
+        </p:nvPicPr>
+        <p:blipFill>
+          <a:blip r:embed="rId2"/>
+          <a:stretch>
+            <a:fillRect/>
+          </a:stretch>
+        </p:blipFill>
+        <p:spPr>
+          <a:xfrm>
+            <a:off x="8092440" y="1690688"/>
+            <a:ext cx="3331464" cy="4594538"/>
+          </a:xfrm>
+          <a:prstGeom prst="rect">
+            <a:avLst/>
+          </a:prstGeom>
+          <a:ln>
+            <a:solidFill>
+              <a:schemeClr val="tx1"/>
+            </a:solidFill>
+          </a:ln>
+        </p:spPr>
+      </p:pic>
     </p:spTree>
     <p:extLst>
       <p:ext uri="{BB962C8B-B14F-4D97-AF65-F5344CB8AC3E}">
-        <p14:creationId xmlns:p14="http://schemas.microsoft.com/office/powerpoint/2010/main" val="3481639115"/>
+        <p14:creationId xmlns:p14="http://schemas.microsoft.com/office/powerpoint/2010/main" val="408922911"/>
       </p:ext>
     </p:extLst>
   </p:cSld>
@@ -7824,7 +8159,7 @@
 </p:sld>
 </file>
 
-<file path=ppt/slides/slide17.xml><?xml version="1.0" encoding="utf-8"?>
+<file path=ppt/slides/slide18.xml><?xml version="1.0" encoding="utf-8"?>
 <p:sld xmlns:a="http://schemas.openxmlformats.org/drawingml/2006/main" xmlns:r="http://schemas.openxmlformats.org/officeDocument/2006/relationships" xmlns:p="http://schemas.openxmlformats.org/presentationml/2006/main">
   <p:cSld>
     <p:bg>
@@ -20859,29 +21194,36 @@
           <a:lstStyle/>
           <a:p>
             <a:r>
-              <a:rPr lang="cs-CZ"/>
+              <a:rPr lang="cs-CZ" dirty="0"/>
               <a:t>TEAM MEMBER</a:t>
             </a:r>
           </a:p>
           <a:p>
             <a:pPr lvl="1"/>
             <a:r>
-              <a:rPr lang="cs-CZ"/>
+              <a:rPr lang="cs-CZ" dirty="0"/>
               <a:t>JÁCHYM HRUŠKA</a:t>
             </a:r>
           </a:p>
           <a:p>
             <a:pPr lvl="1"/>
             <a:r>
-              <a:rPr lang="cs-CZ"/>
+              <a:rPr lang="cs-CZ" dirty="0"/>
               <a:t>DOMINIK BULA</a:t>
             </a:r>
           </a:p>
           <a:p>
             <a:pPr lvl="1"/>
             <a:r>
+              <a:rPr lang="cs-CZ" dirty="0"/>
+              <a:t>VÍT ŠTĚPÁNEK</a:t>
+            </a:r>
+          </a:p>
+          <a:p>
+            <a:pPr lvl="1"/>
+            <a:r>
               <a:rPr lang="cs-CZ"/>
-              <a:t>VÍT ŠTĚPÁNEK</a:t>
+              <a:t>ONDŘEJ VAŇKÁT</a:t>
             </a:r>
             <a:endParaRPr lang="cs-CZ" dirty="0"/>
           </a:p>

--- a/docs/Apollo 13 - Logos Polytechnikos.pptx
+++ b/docs/Apollo 13 - Logos Polytechnikos.pptx
@@ -9,7 +9,7 @@
     <p:sldId id="260" r:id="rId3"/>
     <p:sldId id="258" r:id="rId4"/>
     <p:sldId id="257" r:id="rId5"/>
-    <p:sldId id="259" r:id="rId6"/>
+    <p:sldId id="276" r:id="rId6"/>
     <p:sldId id="261" r:id="rId7"/>
     <p:sldId id="263" r:id="rId8"/>
     <p:sldId id="264" r:id="rId9"/>
@@ -134,7 +134,7 @@
             <p14:sldId id="260"/>
             <p14:sldId id="258"/>
             <p14:sldId id="257"/>
-            <p14:sldId id="259"/>
+            <p14:sldId id="276"/>
             <p14:sldId id="261"/>
           </p14:sldIdLst>
         </p14:section>
@@ -7182,7 +7182,7 @@
         </p:blipFill>
         <p:spPr>
           <a:xfrm>
-            <a:off x="5711097" y="2444622"/>
+            <a:off x="6096000" y="2480134"/>
             <a:ext cx="5229225" cy="2571750"/>
           </a:xfrm>
           <a:prstGeom prst="rect">
@@ -7270,16 +7270,8 @@
           <a:lstStyle/>
           <a:p>
             <a:r>
-              <a:rPr lang="en-US" dirty="0"/>
-              <a:t>P</a:t>
-            </a:r>
-            <a:r>
-              <a:rPr lang="cs-CZ" dirty="0" err="1"/>
-              <a:t>řehled</a:t>
-            </a:r>
-            <a:r>
               <a:rPr lang="cs-CZ" dirty="0"/>
-              <a:t> pro šéfredaktora</a:t>
+              <a:t>Přehled pro šéfredaktora</a:t>
             </a:r>
           </a:p>
           <a:p>
@@ -21116,10 +21108,9 @@
           <a:lstStyle/>
           <a:p>
             <a:r>
-              <a:rPr lang="cs-CZ"/>
+              <a:rPr lang="cs-CZ" dirty="0"/>
               <a:t>SLOŽENÍ TÝMU</a:t>
             </a:r>
-            <a:endParaRPr lang="cs-CZ" dirty="0"/>
           </a:p>
         </p:txBody>
       </p:sp>
@@ -21145,30 +21136,35 @@
           <a:lstStyle/>
           <a:p>
             <a:r>
-              <a:rPr lang="cs-CZ"/>
+              <a:rPr lang="cs-CZ" dirty="0"/>
               <a:t>PRODUCT OWNER</a:t>
             </a:r>
           </a:p>
           <a:p>
             <a:pPr lvl="1"/>
             <a:r>
-              <a:rPr lang="cs-CZ"/>
+              <a:rPr lang="cs-CZ" dirty="0"/>
               <a:t>LUKÁŠ JIRKA</a:t>
             </a:r>
           </a:p>
           <a:p>
+            <a:pPr marL="457200" lvl="1" indent="0">
+              <a:buNone/>
+            </a:pPr>
+            <a:endParaRPr lang="cs-CZ" dirty="0"/>
+          </a:p>
+          <a:p>
             <a:r>
-              <a:rPr lang="cs-CZ"/>
+              <a:rPr lang="cs-CZ" dirty="0"/>
               <a:t>SCRUM MASTER</a:t>
             </a:r>
           </a:p>
           <a:p>
             <a:pPr lvl="1"/>
             <a:r>
-              <a:rPr lang="cs-CZ"/>
+              <a:rPr lang="cs-CZ" dirty="0"/>
               <a:t>TOMÁŠ CINK</a:t>
             </a:r>
-            <a:endParaRPr lang="cs-CZ" dirty="0"/>
           </a:p>
         </p:txBody>
       </p:sp>
@@ -21222,10 +21218,9 @@
           <a:p>
             <a:pPr lvl="1"/>
             <a:r>
-              <a:rPr lang="cs-CZ"/>
+              <a:rPr lang="cs-CZ" dirty="0"/>
               <a:t>ONDŘEJ VAŇKÁT</a:t>
             </a:r>
-            <a:endParaRPr lang="cs-CZ" dirty="0"/>
           </a:p>
         </p:txBody>
       </p:sp>
@@ -21377,14 +21372,6 @@
 <file path=ppt/slides/slide5.xml><?xml version="1.0" encoding="utf-8"?>
 <p:sld xmlns:a="http://schemas.openxmlformats.org/drawingml/2006/main" xmlns:r="http://schemas.openxmlformats.org/officeDocument/2006/relationships" xmlns:p="http://schemas.openxmlformats.org/presentationml/2006/main">
   <p:cSld>
-    <p:bg>
-      <p:bgPr>
-        <a:solidFill>
-          <a:schemeClr val="bg1"/>
-        </a:solidFill>
-        <a:effectLst/>
-      </p:bgPr>
-    </p:bg>
     <p:spTree>
       <p:nvGrpSpPr>
         <p:cNvPr id="1" name=""/>
@@ -21401,614 +21388,39 @@
       </p:grpSpPr>
       <p:sp>
         <p:nvSpPr>
-          <p:cNvPr id="11" name="Freeform 6">
+          <p:cNvPr id="4" name="Nadpis 3">
             <a:extLst>
               <a:ext uri="{FF2B5EF4-FFF2-40B4-BE49-F238E27FC236}">
-                <a16:creationId xmlns:a16="http://schemas.microsoft.com/office/drawing/2014/main" id="{841EFD0D-0D37-447B-B1EA-4F7197EB2911}"/>
-              </a:ext>
-              <a:ext uri="{C183D7F6-B498-43B3-948B-1728B52AA6E4}">
-                <adec:decorative xmlns:adec="http://schemas.microsoft.com/office/drawing/2017/decorative" val="1"/>
+                <a16:creationId xmlns:a16="http://schemas.microsoft.com/office/drawing/2014/main" id="{472A1FF4-169B-4793-B504-193FA2536096}"/>
               </a:ext>
             </a:extLst>
           </p:cNvPr>
           <p:cNvSpPr>
-            <a:spLocks noGrp="1" noRot="1" noChangeAspect="1" noMove="1" noResize="1" noEditPoints="1" noAdjustHandles="1" noChangeArrowheads="1" noChangeShapeType="1" noTextEdit="1"/>
+            <a:spLocks noGrp="1"/>
           </p:cNvSpPr>
           <p:nvPr>
-            <p:extLst>
-              <p:ext uri="{386F3935-93C4-4BCD-93E2-E3B085C9AB24}">
-                <p16:designElem xmlns:p16="http://schemas.microsoft.com/office/powerpoint/2015/main" val="1"/>
-              </p:ext>
-            </p:extLst>
+            <p:ph type="title"/>
           </p:nvPr>
         </p:nvSpPr>
-        <p:spPr bwMode="auto">
-          <a:xfrm>
-            <a:off x="0" y="0"/>
-            <a:ext cx="885825" cy="6858000"/>
-          </a:xfrm>
-          <a:custGeom>
-            <a:avLst/>
-            <a:gdLst/>
-            <a:ahLst/>
-            <a:cxnLst/>
-            <a:rect l="0" t="0" r="r" b="b"/>
-            <a:pathLst>
-              <a:path w="558" h="4320">
-                <a:moveTo>
-                  <a:pt x="0" y="0"/>
-                </a:moveTo>
-                <a:lnTo>
-                  <a:pt x="447" y="0"/>
-                </a:lnTo>
-                <a:lnTo>
-                  <a:pt x="448" y="43"/>
-                </a:lnTo>
-                <a:lnTo>
-                  <a:pt x="453" y="81"/>
-                </a:lnTo>
-                <a:lnTo>
-                  <a:pt x="460" y="114"/>
-                </a:lnTo>
-                <a:lnTo>
-                  <a:pt x="469" y="143"/>
-                </a:lnTo>
-                <a:lnTo>
-                  <a:pt x="479" y="169"/>
-                </a:lnTo>
-                <a:lnTo>
-                  <a:pt x="491" y="192"/>
-                </a:lnTo>
-                <a:lnTo>
-                  <a:pt x="503" y="216"/>
-                </a:lnTo>
-                <a:lnTo>
-                  <a:pt x="515" y="240"/>
-                </a:lnTo>
-                <a:lnTo>
-                  <a:pt x="525" y="263"/>
-                </a:lnTo>
-                <a:lnTo>
-                  <a:pt x="535" y="289"/>
-                </a:lnTo>
-                <a:lnTo>
-                  <a:pt x="545" y="318"/>
-                </a:lnTo>
-                <a:lnTo>
-                  <a:pt x="552" y="351"/>
-                </a:lnTo>
-                <a:lnTo>
-                  <a:pt x="556" y="389"/>
-                </a:lnTo>
-                <a:lnTo>
-                  <a:pt x="558" y="432"/>
-                </a:lnTo>
-                <a:lnTo>
-                  <a:pt x="556" y="475"/>
-                </a:lnTo>
-                <a:lnTo>
-                  <a:pt x="552" y="513"/>
-                </a:lnTo>
-                <a:lnTo>
-                  <a:pt x="545" y="546"/>
-                </a:lnTo>
-                <a:lnTo>
-                  <a:pt x="535" y="575"/>
-                </a:lnTo>
-                <a:lnTo>
-                  <a:pt x="525" y="601"/>
-                </a:lnTo>
-                <a:lnTo>
-                  <a:pt x="515" y="624"/>
-                </a:lnTo>
-                <a:lnTo>
-                  <a:pt x="503" y="648"/>
-                </a:lnTo>
-                <a:lnTo>
-                  <a:pt x="491" y="672"/>
-                </a:lnTo>
-                <a:lnTo>
-                  <a:pt x="479" y="695"/>
-                </a:lnTo>
-                <a:lnTo>
-                  <a:pt x="469" y="721"/>
-                </a:lnTo>
-                <a:lnTo>
-                  <a:pt x="460" y="750"/>
-                </a:lnTo>
-                <a:lnTo>
-                  <a:pt x="453" y="783"/>
-                </a:lnTo>
-                <a:lnTo>
-                  <a:pt x="448" y="821"/>
-                </a:lnTo>
-                <a:lnTo>
-                  <a:pt x="447" y="864"/>
-                </a:lnTo>
-                <a:lnTo>
-                  <a:pt x="448" y="907"/>
-                </a:lnTo>
-                <a:lnTo>
-                  <a:pt x="453" y="945"/>
-                </a:lnTo>
-                <a:lnTo>
-                  <a:pt x="460" y="978"/>
-                </a:lnTo>
-                <a:lnTo>
-                  <a:pt x="469" y="1007"/>
-                </a:lnTo>
-                <a:lnTo>
-                  <a:pt x="479" y="1033"/>
-                </a:lnTo>
-                <a:lnTo>
-                  <a:pt x="491" y="1056"/>
-                </a:lnTo>
-                <a:lnTo>
-                  <a:pt x="503" y="1080"/>
-                </a:lnTo>
-                <a:lnTo>
-                  <a:pt x="515" y="1104"/>
-                </a:lnTo>
-                <a:lnTo>
-                  <a:pt x="525" y="1127"/>
-                </a:lnTo>
-                <a:lnTo>
-                  <a:pt x="535" y="1153"/>
-                </a:lnTo>
-                <a:lnTo>
-                  <a:pt x="545" y="1182"/>
-                </a:lnTo>
-                <a:lnTo>
-                  <a:pt x="552" y="1215"/>
-                </a:lnTo>
-                <a:lnTo>
-                  <a:pt x="556" y="1253"/>
-                </a:lnTo>
-                <a:lnTo>
-                  <a:pt x="558" y="1296"/>
-                </a:lnTo>
-                <a:lnTo>
-                  <a:pt x="556" y="1339"/>
-                </a:lnTo>
-                <a:lnTo>
-                  <a:pt x="552" y="1377"/>
-                </a:lnTo>
-                <a:lnTo>
-                  <a:pt x="545" y="1410"/>
-                </a:lnTo>
-                <a:lnTo>
-                  <a:pt x="535" y="1439"/>
-                </a:lnTo>
-                <a:lnTo>
-                  <a:pt x="525" y="1465"/>
-                </a:lnTo>
-                <a:lnTo>
-                  <a:pt x="515" y="1488"/>
-                </a:lnTo>
-                <a:lnTo>
-                  <a:pt x="503" y="1512"/>
-                </a:lnTo>
-                <a:lnTo>
-                  <a:pt x="491" y="1536"/>
-                </a:lnTo>
-                <a:lnTo>
-                  <a:pt x="479" y="1559"/>
-                </a:lnTo>
-                <a:lnTo>
-                  <a:pt x="469" y="1585"/>
-                </a:lnTo>
-                <a:lnTo>
-                  <a:pt x="460" y="1614"/>
-                </a:lnTo>
-                <a:lnTo>
-                  <a:pt x="453" y="1647"/>
-                </a:lnTo>
-                <a:lnTo>
-                  <a:pt x="448" y="1685"/>
-                </a:lnTo>
-                <a:lnTo>
-                  <a:pt x="447" y="1728"/>
-                </a:lnTo>
-                <a:lnTo>
-                  <a:pt x="448" y="1771"/>
-                </a:lnTo>
-                <a:lnTo>
-                  <a:pt x="453" y="1809"/>
-                </a:lnTo>
-                <a:lnTo>
-                  <a:pt x="460" y="1842"/>
-                </a:lnTo>
-                <a:lnTo>
-                  <a:pt x="469" y="1871"/>
-                </a:lnTo>
-                <a:lnTo>
-                  <a:pt x="479" y="1897"/>
-                </a:lnTo>
-                <a:lnTo>
-                  <a:pt x="491" y="1920"/>
-                </a:lnTo>
-                <a:lnTo>
-                  <a:pt x="503" y="1944"/>
-                </a:lnTo>
-                <a:lnTo>
-                  <a:pt x="515" y="1968"/>
-                </a:lnTo>
-                <a:lnTo>
-                  <a:pt x="525" y="1991"/>
-                </a:lnTo>
-                <a:lnTo>
-                  <a:pt x="535" y="2017"/>
-                </a:lnTo>
-                <a:lnTo>
-                  <a:pt x="545" y="2046"/>
-                </a:lnTo>
-                <a:lnTo>
-                  <a:pt x="552" y="2079"/>
-                </a:lnTo>
-                <a:lnTo>
-                  <a:pt x="556" y="2117"/>
-                </a:lnTo>
-                <a:lnTo>
-                  <a:pt x="558" y="2159"/>
-                </a:lnTo>
-                <a:lnTo>
-                  <a:pt x="556" y="2203"/>
-                </a:lnTo>
-                <a:lnTo>
-                  <a:pt x="552" y="2241"/>
-                </a:lnTo>
-                <a:lnTo>
-                  <a:pt x="545" y="2274"/>
-                </a:lnTo>
-                <a:lnTo>
-                  <a:pt x="535" y="2303"/>
-                </a:lnTo>
-                <a:lnTo>
-                  <a:pt x="525" y="2329"/>
-                </a:lnTo>
-                <a:lnTo>
-                  <a:pt x="515" y="2352"/>
-                </a:lnTo>
-                <a:lnTo>
-                  <a:pt x="503" y="2376"/>
-                </a:lnTo>
-                <a:lnTo>
-                  <a:pt x="491" y="2400"/>
-                </a:lnTo>
-                <a:lnTo>
-                  <a:pt x="479" y="2423"/>
-                </a:lnTo>
-                <a:lnTo>
-                  <a:pt x="469" y="2449"/>
-                </a:lnTo>
-                <a:lnTo>
-                  <a:pt x="460" y="2478"/>
-                </a:lnTo>
-                <a:lnTo>
-                  <a:pt x="453" y="2511"/>
-                </a:lnTo>
-                <a:lnTo>
-                  <a:pt x="448" y="2549"/>
-                </a:lnTo>
-                <a:lnTo>
-                  <a:pt x="447" y="2592"/>
-                </a:lnTo>
-                <a:lnTo>
-                  <a:pt x="448" y="2635"/>
-                </a:lnTo>
-                <a:lnTo>
-                  <a:pt x="453" y="2673"/>
-                </a:lnTo>
-                <a:lnTo>
-                  <a:pt x="460" y="2706"/>
-                </a:lnTo>
-                <a:lnTo>
-                  <a:pt x="469" y="2735"/>
-                </a:lnTo>
-                <a:lnTo>
-                  <a:pt x="479" y="2761"/>
-                </a:lnTo>
-                <a:lnTo>
-                  <a:pt x="491" y="2784"/>
-                </a:lnTo>
-                <a:lnTo>
-                  <a:pt x="515" y="2832"/>
-                </a:lnTo>
-                <a:lnTo>
-                  <a:pt x="525" y="2855"/>
-                </a:lnTo>
-                <a:lnTo>
-                  <a:pt x="535" y="2881"/>
-                </a:lnTo>
-                <a:lnTo>
-                  <a:pt x="545" y="2910"/>
-                </a:lnTo>
-                <a:lnTo>
-                  <a:pt x="552" y="2943"/>
-                </a:lnTo>
-                <a:lnTo>
-                  <a:pt x="556" y="2981"/>
-                </a:lnTo>
-                <a:lnTo>
-                  <a:pt x="558" y="3024"/>
-                </a:lnTo>
-                <a:lnTo>
-                  <a:pt x="556" y="3067"/>
-                </a:lnTo>
-                <a:lnTo>
-                  <a:pt x="552" y="3105"/>
-                </a:lnTo>
-                <a:lnTo>
-                  <a:pt x="545" y="3138"/>
-                </a:lnTo>
-                <a:lnTo>
-                  <a:pt x="535" y="3167"/>
-                </a:lnTo>
-                <a:lnTo>
-                  <a:pt x="525" y="3193"/>
-                </a:lnTo>
-                <a:lnTo>
-                  <a:pt x="515" y="3216"/>
-                </a:lnTo>
-                <a:lnTo>
-                  <a:pt x="503" y="3240"/>
-                </a:lnTo>
-                <a:lnTo>
-                  <a:pt x="491" y="3264"/>
-                </a:lnTo>
-                <a:lnTo>
-                  <a:pt x="479" y="3287"/>
-                </a:lnTo>
-                <a:lnTo>
-                  <a:pt x="469" y="3313"/>
-                </a:lnTo>
-                <a:lnTo>
-                  <a:pt x="460" y="3342"/>
-                </a:lnTo>
-                <a:lnTo>
-                  <a:pt x="453" y="3375"/>
-                </a:lnTo>
-                <a:lnTo>
-                  <a:pt x="448" y="3413"/>
-                </a:lnTo>
-                <a:lnTo>
-                  <a:pt x="447" y="3456"/>
-                </a:lnTo>
-                <a:lnTo>
-                  <a:pt x="448" y="3499"/>
-                </a:lnTo>
-                <a:lnTo>
-                  <a:pt x="453" y="3537"/>
-                </a:lnTo>
-                <a:lnTo>
-                  <a:pt x="460" y="3570"/>
-                </a:lnTo>
-                <a:lnTo>
-                  <a:pt x="469" y="3599"/>
-                </a:lnTo>
-                <a:lnTo>
-                  <a:pt x="479" y="3625"/>
-                </a:lnTo>
-                <a:lnTo>
-                  <a:pt x="491" y="3648"/>
-                </a:lnTo>
-                <a:lnTo>
-                  <a:pt x="503" y="3672"/>
-                </a:lnTo>
-                <a:lnTo>
-                  <a:pt x="515" y="3696"/>
-                </a:lnTo>
-                <a:lnTo>
-                  <a:pt x="525" y="3719"/>
-                </a:lnTo>
-                <a:lnTo>
-                  <a:pt x="535" y="3745"/>
-                </a:lnTo>
-                <a:lnTo>
-                  <a:pt x="545" y="3774"/>
-                </a:lnTo>
-                <a:lnTo>
-                  <a:pt x="552" y="3807"/>
-                </a:lnTo>
-                <a:lnTo>
-                  <a:pt x="556" y="3845"/>
-                </a:lnTo>
-                <a:lnTo>
-                  <a:pt x="558" y="3888"/>
-                </a:lnTo>
-                <a:lnTo>
-                  <a:pt x="556" y="3931"/>
-                </a:lnTo>
-                <a:lnTo>
-                  <a:pt x="552" y="3969"/>
-                </a:lnTo>
-                <a:lnTo>
-                  <a:pt x="545" y="4002"/>
-                </a:lnTo>
-                <a:lnTo>
-                  <a:pt x="535" y="4031"/>
-                </a:lnTo>
-                <a:lnTo>
-                  <a:pt x="525" y="4057"/>
-                </a:lnTo>
-                <a:lnTo>
-                  <a:pt x="515" y="4080"/>
-                </a:lnTo>
-                <a:lnTo>
-                  <a:pt x="503" y="4104"/>
-                </a:lnTo>
-                <a:lnTo>
-                  <a:pt x="491" y="4128"/>
-                </a:lnTo>
-                <a:lnTo>
-                  <a:pt x="479" y="4151"/>
-                </a:lnTo>
-                <a:lnTo>
-                  <a:pt x="469" y="4177"/>
-                </a:lnTo>
-                <a:lnTo>
-                  <a:pt x="460" y="4206"/>
-                </a:lnTo>
-                <a:lnTo>
-                  <a:pt x="453" y="4239"/>
-                </a:lnTo>
-                <a:lnTo>
-                  <a:pt x="448" y="4277"/>
-                </a:lnTo>
-                <a:lnTo>
-                  <a:pt x="447" y="4320"/>
-                </a:lnTo>
-                <a:lnTo>
-                  <a:pt x="0" y="4320"/>
-                </a:lnTo>
-                <a:lnTo>
-                  <a:pt x="0" y="0"/>
-                </a:lnTo>
-                <a:close/>
-              </a:path>
-            </a:pathLst>
-          </a:custGeom>
-          <a:solidFill>
-            <a:schemeClr val="tx2"/>
-          </a:solidFill>
-          <a:ln w="0">
-            <a:noFill/>
-            <a:prstDash val="solid"/>
-            <a:round/>
-            <a:headEnd/>
-            <a:tailEnd/>
-          </a:ln>
-        </p:spPr>
-      </p:sp>
-      <p:sp>
-        <p:nvSpPr>
-          <p:cNvPr id="13" name="Rectangle 12">
-            <a:extLst>
-              <a:ext uri="{FF2B5EF4-FFF2-40B4-BE49-F238E27FC236}">
-                <a16:creationId xmlns:a16="http://schemas.microsoft.com/office/drawing/2014/main" id="{5A6DFF24-307B-44B0-93F0-893676F1488A}"/>
-              </a:ext>
-              <a:ext uri="{C183D7F6-B498-43B3-948B-1728B52AA6E4}">
-                <adec:decorative xmlns:adec="http://schemas.microsoft.com/office/drawing/2017/decorative" val="1"/>
-              </a:ext>
-            </a:extLst>
-          </p:cNvPr>
-          <p:cNvSpPr>
-            <a:spLocks noGrp="1" noRot="1" noChangeAspect="1" noMove="1" noResize="1" noEditPoints="1" noAdjustHandles="1" noChangeArrowheads="1" noChangeShapeType="1" noTextEdit="1"/>
-          </p:cNvSpPr>
-          <p:nvPr>
-            <p:extLst>
-              <p:ext uri="{386F3935-93C4-4BCD-93E2-E3B085C9AB24}">
-                <p16:designElem xmlns:p16="http://schemas.microsoft.com/office/powerpoint/2015/main" val="1"/>
-              </p:ext>
-            </p:extLst>
-          </p:nvPr>
-        </p:nvSpPr>
-        <p:spPr>
-          <a:xfrm>
-            <a:off x="11908536" y="0"/>
-            <a:ext cx="283464" cy="6858000"/>
-          </a:xfrm>
-          <a:prstGeom prst="rect">
-            <a:avLst/>
-          </a:prstGeom>
-          <a:solidFill>
-            <a:schemeClr val="accent1"/>
-          </a:solidFill>
-          <a:ln>
-            <a:noFill/>
-          </a:ln>
-        </p:spPr>
-        <p:style>
-          <a:lnRef idx="2">
-            <a:schemeClr val="accent1">
-              <a:shade val="50000"/>
-            </a:schemeClr>
-          </a:lnRef>
-          <a:fillRef idx="1">
-            <a:schemeClr val="accent1"/>
-          </a:fillRef>
-          <a:effectRef idx="0">
-            <a:schemeClr val="accent1"/>
-          </a:effectRef>
-          <a:fontRef idx="minor">
-            <a:schemeClr val="lt1"/>
-          </a:fontRef>
-        </p:style>
-      </p:sp>
-      <p:sp>
-        <p:nvSpPr>
-          <p:cNvPr id="6" name="Nadpis 1">
-            <a:extLst>
-              <a:ext uri="{FF2B5EF4-FFF2-40B4-BE49-F238E27FC236}">
-                <a16:creationId xmlns:a16="http://schemas.microsoft.com/office/drawing/2014/main" id="{760065BD-E9AC-4379-AC62-8D8B3FB1558E}"/>
-              </a:ext>
-            </a:extLst>
-          </p:cNvPr>
-          <p:cNvSpPr txBox="1">
-            <a:spLocks/>
-          </p:cNvSpPr>
-          <p:nvPr/>
-        </p:nvSpPr>
-        <p:spPr>
-          <a:xfrm>
-            <a:off x="1251678" y="393179"/>
-            <a:ext cx="4357499" cy="1320855"/>
-          </a:xfrm>
-          <a:prstGeom prst="rect">
-            <a:avLst/>
-          </a:prstGeom>
-        </p:spPr>
+        <p:spPr/>
         <p:txBody>
-          <a:bodyPr vert="horz" lIns="91440" tIns="45720" rIns="91440" bIns="45720" rtlCol="0" anchor="t">
-            <a:normAutofit/>
-          </a:bodyPr>
-          <a:lstStyle>
-            <a:lvl1pPr algn="l" defTabSz="914400" rtl="0" eaLnBrk="1" latinLnBrk="0" hangingPunct="1">
-              <a:lnSpc>
-                <a:spcPct val="90000"/>
-              </a:lnSpc>
-              <a:spcBef>
-                <a:spcPct val="0"/>
-              </a:spcBef>
-              <a:buNone/>
-              <a:defRPr sz="4400" kern="1200">
-                <a:solidFill>
-                  <a:schemeClr val="tx1"/>
-                </a:solidFill>
-                <a:latin typeface="+mj-lt"/>
-                <a:ea typeface="+mj-ea"/>
-                <a:cs typeface="+mj-cs"/>
-              </a:defRPr>
-            </a:lvl1pPr>
-          </a:lstStyle>
+          <a:bodyPr/>
+          <a:lstStyle/>
           <a:p>
-            <a:pPr>
-              <a:spcAft>
-                <a:spcPts val="600"/>
-              </a:spcAft>
-            </a:pPr>
             <a:r>
-              <a:rPr lang="en-US" sz="5100" cap="all" spc="200" dirty="0" err="1">
-                <a:solidFill>
-                  <a:schemeClr val="tx2"/>
-                </a:solidFill>
-              </a:rPr>
-              <a:t>Github</a:t>
+              <a:rPr lang="cs-CZ" dirty="0" err="1"/>
+              <a:t>github</a:t>
             </a:r>
-            <a:endParaRPr lang="en-US" sz="5100" cap="all" spc="200" dirty="0">
-              <a:solidFill>
-                <a:schemeClr val="tx2"/>
-              </a:solidFill>
-            </a:endParaRPr>
+            <a:endParaRPr lang="cs-CZ" dirty="0"/>
           </a:p>
         </p:txBody>
       </p:sp>
       <p:sp>
         <p:nvSpPr>
-          <p:cNvPr id="3" name="Zástupný symbol pro obsah 2">
+          <p:cNvPr id="5" name="Zástupný symbol pro obsah 4">
             <a:extLst>
               <a:ext uri="{FF2B5EF4-FFF2-40B4-BE49-F238E27FC236}">
-                <a16:creationId xmlns:a16="http://schemas.microsoft.com/office/drawing/2014/main" id="{9A9D82B9-033F-419F-91BE-D9449A885A57}"/>
+                <a16:creationId xmlns:a16="http://schemas.microsoft.com/office/drawing/2014/main" id="{32B7D7D6-DD7F-49E3-9EA5-16F44AF6601E}"/>
               </a:ext>
             </a:extLst>
           </p:cNvPr>
@@ -22019,16 +21431,9 @@
             <p:ph sz="half" idx="1"/>
           </p:nvPr>
         </p:nvSpPr>
-        <p:spPr>
-          <a:xfrm>
-            <a:off x="1251678" y="2286001"/>
-            <a:ext cx="4363595" cy="3593591"/>
-          </a:xfrm>
-        </p:spPr>
+        <p:spPr/>
         <p:txBody>
-          <a:bodyPr vert="horz" lIns="91440" tIns="45720" rIns="91440" bIns="45720" rtlCol="0">
-            <a:normAutofit/>
-          </a:bodyPr>
+          <a:bodyPr/>
           <a:lstStyle/>
           <a:p>
             <a:r>
@@ -22062,25 +21467,23 @@
             </a:r>
           </a:p>
           <a:p>
-            <a:endParaRPr lang="en-US" dirty="0"/>
+            <a:endParaRPr lang="cs-CZ" dirty="0"/>
           </a:p>
         </p:txBody>
       </p:sp>
       <p:pic>
         <p:nvPicPr>
-          <p:cNvPr id="5" name="Zástupný symbol pro obsah 4">
+          <p:cNvPr id="7" name="Zástupný symbol pro obsah 4">
             <a:extLst>
               <a:ext uri="{FF2B5EF4-FFF2-40B4-BE49-F238E27FC236}">
-                <a16:creationId xmlns:a16="http://schemas.microsoft.com/office/drawing/2014/main" id="{D10097BA-931A-44A7-8308-3A8F8D808061}"/>
+                <a16:creationId xmlns:a16="http://schemas.microsoft.com/office/drawing/2014/main" id="{661F3C7F-D219-4B53-8E7F-ECC08419963D}"/>
               </a:ext>
             </a:extLst>
           </p:cNvPr>
           <p:cNvPicPr>
-            <a:picLocks noGrp="1" noChangeAspect="1"/>
+            <a:picLocks noChangeAspect="1"/>
           </p:cNvPicPr>
-          <p:nvPr>
-            <p:ph sz="half" idx="2"/>
-          </p:nvPr>
+          <p:nvPr/>
         </p:nvPicPr>
         <p:blipFill>
           <a:blip r:embed="rId2"/>
@@ -22090,8 +21493,8 @@
         </p:blipFill>
         <p:spPr>
           <a:xfrm>
-            <a:off x="6098193" y="2135001"/>
-            <a:ext cx="5176744" cy="2614256"/>
+            <a:off x="5332995" y="1771055"/>
+            <a:ext cx="6566117" cy="3315889"/>
           </a:xfrm>
           <a:prstGeom prst="rect">
             <a:avLst/>
@@ -22101,7 +21504,7 @@
     </p:spTree>
     <p:extLst>
       <p:ext uri="{BB962C8B-B14F-4D97-AF65-F5344CB8AC3E}">
-        <p14:creationId xmlns:p14="http://schemas.microsoft.com/office/powerpoint/2010/main" val="1227696234"/>
+        <p14:creationId xmlns:p14="http://schemas.microsoft.com/office/powerpoint/2010/main" val="1822496708"/>
       </p:ext>
     </p:extLst>
   </p:cSld>
@@ -22194,6 +21597,12 @@
             </a:r>
           </a:p>
           <a:p>
+            <a:pPr marL="0" indent="0">
+              <a:buNone/>
+            </a:pPr>
+            <a:endParaRPr lang="cs-CZ" dirty="0"/>
+          </a:p>
+          <a:p>
             <a:r>
               <a:rPr lang="cs-CZ" dirty="0" err="1"/>
               <a:t>Timesheet</a:t>
@@ -22202,6 +21611,12 @@
               <a:rPr lang="cs-CZ" dirty="0"/>
               <a:t> nastavení začátku</a:t>
             </a:r>
+          </a:p>
+          <a:p>
+            <a:pPr marL="0" indent="0">
+              <a:buNone/>
+            </a:pPr>
+            <a:endParaRPr lang="cs-CZ" dirty="0"/>
           </a:p>
           <a:p>
             <a:r>
@@ -22243,7 +21658,7 @@
         </p:blipFill>
         <p:spPr>
           <a:xfrm>
-            <a:off x="6172202" y="1825625"/>
+            <a:off x="6705600" y="2171771"/>
             <a:ext cx="2066925" cy="693640"/>
           </a:xfrm>
           <a:prstGeom prst="rect">
@@ -22273,8 +21688,8 @@
         </p:blipFill>
         <p:spPr>
           <a:xfrm>
-            <a:off x="6172202" y="2519265"/>
-            <a:ext cx="4476750" cy="666750"/>
+            <a:off x="6696077" y="3095625"/>
+            <a:ext cx="4238623" cy="666750"/>
           </a:xfrm>
           <a:prstGeom prst="rect">
             <a:avLst/>
@@ -22303,7 +21718,7 @@
         </p:blipFill>
         <p:spPr>
           <a:xfrm>
-            <a:off x="6172202" y="3347842"/>
+            <a:off x="6705600" y="3992589"/>
             <a:ext cx="4229100" cy="2476500"/>
           </a:xfrm>
           <a:prstGeom prst="rect">
@@ -28998,8 +28413,8 @@
         </p:blipFill>
         <p:spPr>
           <a:xfrm>
-            <a:off x="7235014" y="2324894"/>
-            <a:ext cx="2981325" cy="1676400"/>
+            <a:off x="7696209" y="2286000"/>
+            <a:ext cx="3238491" cy="1821005"/>
           </a:xfrm>
           <a:prstGeom prst="rect">
             <a:avLst/>

--- a/docs/Apollo 13 - Logos Polytechnikos.pptx
+++ b/docs/Apollo 13 - Logos Polytechnikos.pptx
@@ -7015,56 +7015,41 @@
           </a:p>
         </p:txBody>
       </p:sp>
-      <p:sp>
-        <p:nvSpPr>
-          <p:cNvPr id="3" name="Zástupný symbol pro obsah 2">
+      <p:pic>
+        <p:nvPicPr>
+          <p:cNvPr id="10" name="Zástupný symbol pro obsah 9">
             <a:extLst>
               <a:ext uri="{FF2B5EF4-FFF2-40B4-BE49-F238E27FC236}">
-                <a16:creationId xmlns:a16="http://schemas.microsoft.com/office/drawing/2014/main" id="{A9B5E134-9281-446D-8897-6DE0A60FBC36}"/>
+                <a16:creationId xmlns:a16="http://schemas.microsoft.com/office/drawing/2014/main" id="{091C5C75-4BA1-4AC4-AE60-405DDEA00839}"/>
               </a:ext>
             </a:extLst>
           </p:cNvPr>
-          <p:cNvSpPr>
-            <a:spLocks noGrp="1"/>
-          </p:cNvSpPr>
+          <p:cNvPicPr>
+            <a:picLocks noGrp="1" noChangeAspect="1"/>
+          </p:cNvPicPr>
           <p:nvPr>
             <p:ph sz="half" idx="1"/>
           </p:nvPr>
-        </p:nvSpPr>
-        <p:spPr/>
-        <p:txBody>
-          <a:bodyPr/>
-          <a:lstStyle/>
-          <a:p>
-            <a:endParaRPr lang="cs-CZ"/>
-          </a:p>
-        </p:txBody>
-      </p:sp>
-      <p:sp>
-        <p:nvSpPr>
-          <p:cNvPr id="4" name="Zástupný symbol pro obsah 3">
+        </p:nvPicPr>
+        <p:blipFill>
+          <a:blip r:embed="rId2">
             <a:extLst>
-              <a:ext uri="{FF2B5EF4-FFF2-40B4-BE49-F238E27FC236}">
-                <a16:creationId xmlns:a16="http://schemas.microsoft.com/office/drawing/2014/main" id="{A4089757-F16F-4B74-830D-07475CD9C026}"/>
+              <a:ext uri="{28A0092B-C50C-407E-A947-70E740481C1C}">
+                <a14:useLocalDpi xmlns:a14="http://schemas.microsoft.com/office/drawing/2010/main" val="0"/>
               </a:ext>
             </a:extLst>
-          </p:cNvPr>
-          <p:cNvSpPr>
-            <a:spLocks noGrp="1"/>
-          </p:cNvSpPr>
-          <p:nvPr>
-            <p:ph sz="half" idx="2"/>
-          </p:nvPr>
-        </p:nvSpPr>
-        <p:spPr/>
-        <p:txBody>
-          <a:bodyPr/>
-          <a:lstStyle/>
-          <a:p>
-            <a:endParaRPr lang="cs-CZ"/>
-          </a:p>
-        </p:txBody>
-      </p:sp>
+          </a:blip>
+          <a:stretch>
+            <a:fillRect/>
+          </a:stretch>
+        </p:blipFill>
+        <p:spPr>
+          <a:xfrm>
+            <a:off x="1423474" y="1223763"/>
+            <a:ext cx="9345052" cy="5550820"/>
+          </a:xfrm>
+        </p:spPr>
+      </p:pic>
     </p:spTree>
     <p:extLst>
       <p:ext uri="{BB962C8B-B14F-4D97-AF65-F5344CB8AC3E}">

--- a/docs/Apollo 13 - Logos Polytechnikos.pptx
+++ b/docs/Apollo 13 - Logos Polytechnikos.pptx
@@ -18,13 +18,15 @@
     <p:sldId id="266" r:id="rId12"/>
     <p:sldId id="277" r:id="rId13"/>
     <p:sldId id="271" r:id="rId14"/>
-    <p:sldId id="273" r:id="rId15"/>
-    <p:sldId id="268" r:id="rId16"/>
-    <p:sldId id="270" r:id="rId17"/>
-    <p:sldId id="267" r:id="rId18"/>
-    <p:sldId id="274" r:id="rId19"/>
-    <p:sldId id="275" r:id="rId20"/>
-    <p:sldId id="269" r:id="rId21"/>
+    <p:sldId id="279" r:id="rId15"/>
+    <p:sldId id="280" r:id="rId16"/>
+    <p:sldId id="273" r:id="rId17"/>
+    <p:sldId id="268" r:id="rId18"/>
+    <p:sldId id="270" r:id="rId19"/>
+    <p:sldId id="267" r:id="rId20"/>
+    <p:sldId id="274" r:id="rId21"/>
+    <p:sldId id="275" r:id="rId22"/>
+    <p:sldId id="269" r:id="rId23"/>
   </p:sldIdLst>
   <p:sldSz cx="12192000" cy="6858000"/>
   <p:notesSz cx="6858000" cy="9144000"/>
@@ -153,6 +155,8 @@
             <p14:sldId id="266"/>
             <p14:sldId id="277"/>
             <p14:sldId id="271"/>
+            <p14:sldId id="279"/>
+            <p14:sldId id="280"/>
             <p14:sldId id="273"/>
           </p14:sldIdLst>
         </p14:section>
@@ -7045,8 +7049,8 @@
         </p:blipFill>
         <p:spPr>
           <a:xfrm>
-            <a:off x="1423474" y="1223763"/>
-            <a:ext cx="9345052" cy="5550820"/>
+            <a:off x="1513180" y="1223763"/>
+            <a:ext cx="9165639" cy="5550820"/>
           </a:xfrm>
         </p:spPr>
       </p:pic>
@@ -7462,6 +7466,348 @@
           <p:cNvPr id="2" name="Nadpis 1">
             <a:extLst>
               <a:ext uri="{FF2B5EF4-FFF2-40B4-BE49-F238E27FC236}">
+                <a16:creationId xmlns:a16="http://schemas.microsoft.com/office/drawing/2014/main" id="{51585C7B-5AF3-4731-BBA3-3D30E6500E40}"/>
+              </a:ext>
+            </a:extLst>
+          </p:cNvPr>
+          <p:cNvSpPr>
+            <a:spLocks noGrp="1"/>
+          </p:cNvSpPr>
+          <p:nvPr>
+            <p:ph type="title"/>
+          </p:nvPr>
+        </p:nvSpPr>
+        <p:spPr/>
+        <p:txBody>
+          <a:bodyPr/>
+          <a:lstStyle/>
+          <a:p>
+            <a:r>
+              <a:rPr lang="cs-CZ" dirty="0"/>
+              <a:t>Přihlášení</a:t>
+            </a:r>
+          </a:p>
+        </p:txBody>
+      </p:sp>
+      <p:sp>
+        <p:nvSpPr>
+          <p:cNvPr id="3" name="Zástupný symbol pro obsah 2">
+            <a:extLst>
+              <a:ext uri="{FF2B5EF4-FFF2-40B4-BE49-F238E27FC236}">
+                <a16:creationId xmlns:a16="http://schemas.microsoft.com/office/drawing/2014/main" id="{462BCD13-0D89-4822-9BEA-C0E9E5E7D008}"/>
+              </a:ext>
+            </a:extLst>
+          </p:cNvPr>
+          <p:cNvSpPr>
+            <a:spLocks noGrp="1"/>
+          </p:cNvSpPr>
+          <p:nvPr>
+            <p:ph idx="1"/>
+          </p:nvPr>
+        </p:nvSpPr>
+        <p:spPr/>
+        <p:txBody>
+          <a:bodyPr/>
+          <a:lstStyle/>
+          <a:p>
+            <a:r>
+              <a:rPr lang="cs-CZ" dirty="0"/>
+              <a:t>Přihlašovací formulář</a:t>
+            </a:r>
+          </a:p>
+          <a:p>
+            <a:pPr lvl="1"/>
+            <a:r>
+              <a:rPr lang="cs-CZ" dirty="0"/>
+              <a:t>Login</a:t>
+            </a:r>
+          </a:p>
+          <a:p>
+            <a:pPr lvl="1"/>
+            <a:r>
+              <a:rPr lang="cs-CZ" dirty="0"/>
+              <a:t>Heslo</a:t>
+            </a:r>
+          </a:p>
+          <a:p>
+            <a:endParaRPr lang="cs-CZ" dirty="0"/>
+          </a:p>
+          <a:p>
+            <a:r>
+              <a:rPr lang="cs-CZ" dirty="0"/>
+              <a:t>Verifikace údajů</a:t>
+            </a:r>
+          </a:p>
+        </p:txBody>
+      </p:sp>
+      <p:pic>
+        <p:nvPicPr>
+          <p:cNvPr id="4" name="Obrázek 3">
+            <a:extLst>
+              <a:ext uri="{FF2B5EF4-FFF2-40B4-BE49-F238E27FC236}">
+                <a16:creationId xmlns:a16="http://schemas.microsoft.com/office/drawing/2014/main" id="{360A9A99-0F6C-4638-8891-2281DA672606}"/>
+              </a:ext>
+            </a:extLst>
+          </p:cNvPr>
+          <p:cNvPicPr>
+            <a:picLocks noChangeAspect="1"/>
+          </p:cNvPicPr>
+          <p:nvPr/>
+        </p:nvPicPr>
+        <p:blipFill>
+          <a:blip r:embed="rId2"/>
+          <a:stretch>
+            <a:fillRect/>
+          </a:stretch>
+        </p:blipFill>
+        <p:spPr>
+          <a:xfrm>
+            <a:off x="7123835" y="1325875"/>
+            <a:ext cx="4401703" cy="2600321"/>
+          </a:xfrm>
+          <a:prstGeom prst="rect">
+            <a:avLst/>
+          </a:prstGeom>
+        </p:spPr>
+      </p:pic>
+      <p:pic>
+        <p:nvPicPr>
+          <p:cNvPr id="5" name="Obrázek 4">
+            <a:extLst>
+              <a:ext uri="{FF2B5EF4-FFF2-40B4-BE49-F238E27FC236}">
+                <a16:creationId xmlns:a16="http://schemas.microsoft.com/office/drawing/2014/main" id="{A1ED14D6-C771-4D1E-BAD5-4C1D55DD2735}"/>
+              </a:ext>
+            </a:extLst>
+          </p:cNvPr>
+          <p:cNvPicPr>
+            <a:picLocks noChangeAspect="1"/>
+          </p:cNvPicPr>
+          <p:nvPr/>
+        </p:nvPicPr>
+        <p:blipFill>
+          <a:blip r:embed="rId3"/>
+          <a:stretch>
+            <a:fillRect/>
+          </a:stretch>
+        </p:blipFill>
+        <p:spPr>
+          <a:xfrm>
+            <a:off x="4828191" y="4231964"/>
+            <a:ext cx="6697347" cy="1793932"/>
+          </a:xfrm>
+          <a:prstGeom prst="rect">
+            <a:avLst/>
+          </a:prstGeom>
+        </p:spPr>
+      </p:pic>
+    </p:spTree>
+    <p:extLst>
+      <p:ext uri="{BB962C8B-B14F-4D97-AF65-F5344CB8AC3E}">
+        <p14:creationId xmlns:p14="http://schemas.microsoft.com/office/powerpoint/2010/main" val="1726828736"/>
+      </p:ext>
+    </p:extLst>
+  </p:cSld>
+  <p:clrMapOvr>
+    <a:masterClrMapping/>
+  </p:clrMapOvr>
+</p:sld>
+</file>
+
+<file path=ppt/slides/slide15.xml><?xml version="1.0" encoding="utf-8"?>
+<p:sld xmlns:a="http://schemas.openxmlformats.org/drawingml/2006/main" xmlns:r="http://schemas.openxmlformats.org/officeDocument/2006/relationships" xmlns:p="http://schemas.openxmlformats.org/presentationml/2006/main">
+  <p:cSld>
+    <p:spTree>
+      <p:nvGrpSpPr>
+        <p:cNvPr id="1" name=""/>
+        <p:cNvGrpSpPr/>
+        <p:nvPr/>
+      </p:nvGrpSpPr>
+      <p:grpSpPr>
+        <a:xfrm>
+          <a:off x="0" y="0"/>
+          <a:ext cx="0" cy="0"/>
+          <a:chOff x="0" y="0"/>
+          <a:chExt cx="0" cy="0"/>
+        </a:xfrm>
+      </p:grpSpPr>
+      <p:sp>
+        <p:nvSpPr>
+          <p:cNvPr id="2" name="Nadpis 1">
+            <a:extLst>
+              <a:ext uri="{FF2B5EF4-FFF2-40B4-BE49-F238E27FC236}">
+                <a16:creationId xmlns:a16="http://schemas.microsoft.com/office/drawing/2014/main" id="{EFC2F836-5830-4DA3-BE1F-B2AF9840DE4C}"/>
+              </a:ext>
+            </a:extLst>
+          </p:cNvPr>
+          <p:cNvSpPr>
+            <a:spLocks noGrp="1"/>
+          </p:cNvSpPr>
+          <p:nvPr>
+            <p:ph type="title"/>
+          </p:nvPr>
+        </p:nvSpPr>
+        <p:spPr/>
+        <p:txBody>
+          <a:bodyPr/>
+          <a:lstStyle/>
+          <a:p>
+            <a:r>
+              <a:rPr lang="cs-CZ" dirty="0"/>
+              <a:t>Odeslání článku oponentovi</a:t>
+            </a:r>
+          </a:p>
+        </p:txBody>
+      </p:sp>
+      <p:sp>
+        <p:nvSpPr>
+          <p:cNvPr id="3" name="Zástupný symbol pro obsah 2">
+            <a:extLst>
+              <a:ext uri="{FF2B5EF4-FFF2-40B4-BE49-F238E27FC236}">
+                <a16:creationId xmlns:a16="http://schemas.microsoft.com/office/drawing/2014/main" id="{FE45934A-11ED-4A08-B01E-0AC13708EE39}"/>
+              </a:ext>
+            </a:extLst>
+          </p:cNvPr>
+          <p:cNvSpPr>
+            <a:spLocks noGrp="1"/>
+          </p:cNvSpPr>
+          <p:nvPr>
+            <p:ph idx="1"/>
+          </p:nvPr>
+        </p:nvSpPr>
+        <p:spPr/>
+        <p:txBody>
+          <a:bodyPr/>
+          <a:lstStyle/>
+          <a:p>
+            <a:pPr>
+              <a:lnSpc>
+                <a:spcPct val="250000"/>
+              </a:lnSpc>
+            </a:pPr>
+            <a:r>
+              <a:rPr lang="cs-CZ" dirty="0"/>
+              <a:t>Výběr článku</a:t>
+            </a:r>
+          </a:p>
+          <a:p>
+            <a:pPr>
+              <a:lnSpc>
+                <a:spcPct val="250000"/>
+              </a:lnSpc>
+            </a:pPr>
+            <a:r>
+              <a:rPr lang="cs-CZ" dirty="0"/>
+              <a:t>Nastavení oponenta</a:t>
+            </a:r>
+          </a:p>
+          <a:p>
+            <a:pPr>
+              <a:lnSpc>
+                <a:spcPct val="250000"/>
+              </a:lnSpc>
+            </a:pPr>
+            <a:r>
+              <a:rPr lang="cs-CZ" dirty="0"/>
+              <a:t>Nastavení časového okna</a:t>
+            </a:r>
+          </a:p>
+        </p:txBody>
+      </p:sp>
+      <p:pic>
+        <p:nvPicPr>
+          <p:cNvPr id="5" name="Obrázek 4">
+            <a:extLst>
+              <a:ext uri="{FF2B5EF4-FFF2-40B4-BE49-F238E27FC236}">
+                <a16:creationId xmlns:a16="http://schemas.microsoft.com/office/drawing/2014/main" id="{30115606-58B2-4ED3-9DE8-3AFC8C5C7695}"/>
+              </a:ext>
+            </a:extLst>
+          </p:cNvPr>
+          <p:cNvPicPr>
+            <a:picLocks noChangeAspect="1"/>
+          </p:cNvPicPr>
+          <p:nvPr/>
+        </p:nvPicPr>
+        <p:blipFill>
+          <a:blip r:embed="rId2"/>
+          <a:stretch>
+            <a:fillRect/>
+          </a:stretch>
+        </p:blipFill>
+        <p:spPr>
+          <a:xfrm>
+            <a:off x="6742152" y="1260155"/>
+            <a:ext cx="3608856" cy="2207133"/>
+          </a:xfrm>
+          <a:prstGeom prst="rect">
+            <a:avLst/>
+          </a:prstGeom>
+        </p:spPr>
+      </p:pic>
+      <p:pic>
+        <p:nvPicPr>
+          <p:cNvPr id="6" name="Obrázek 5">
+            <a:extLst>
+              <a:ext uri="{FF2B5EF4-FFF2-40B4-BE49-F238E27FC236}">
+                <a16:creationId xmlns:a16="http://schemas.microsoft.com/office/drawing/2014/main" id="{1429C508-683A-4398-A1B1-2712D227392F}"/>
+              </a:ext>
+            </a:extLst>
+          </p:cNvPr>
+          <p:cNvPicPr>
+            <a:picLocks noChangeAspect="1"/>
+          </p:cNvPicPr>
+          <p:nvPr/>
+        </p:nvPicPr>
+        <p:blipFill>
+          <a:blip r:embed="rId3"/>
+          <a:stretch>
+            <a:fillRect/>
+          </a:stretch>
+        </p:blipFill>
+        <p:spPr>
+          <a:xfrm>
+            <a:off x="6490513" y="3661398"/>
+            <a:ext cx="4112133" cy="3196602"/>
+          </a:xfrm>
+          <a:prstGeom prst="rect">
+            <a:avLst/>
+          </a:prstGeom>
+        </p:spPr>
+      </p:pic>
+    </p:spTree>
+    <p:extLst>
+      <p:ext uri="{BB962C8B-B14F-4D97-AF65-F5344CB8AC3E}">
+        <p14:creationId xmlns:p14="http://schemas.microsoft.com/office/powerpoint/2010/main" val="639889924"/>
+      </p:ext>
+    </p:extLst>
+  </p:cSld>
+  <p:clrMapOvr>
+    <a:masterClrMapping/>
+  </p:clrMapOvr>
+</p:sld>
+</file>
+
+<file path=ppt/slides/slide16.xml><?xml version="1.0" encoding="utf-8"?>
+<p:sld xmlns:a="http://schemas.openxmlformats.org/drawingml/2006/main" xmlns:r="http://schemas.openxmlformats.org/officeDocument/2006/relationships" xmlns:p="http://schemas.openxmlformats.org/presentationml/2006/main">
+  <p:cSld>
+    <p:spTree>
+      <p:nvGrpSpPr>
+        <p:cNvPr id="1" name=""/>
+        <p:cNvGrpSpPr/>
+        <p:nvPr/>
+      </p:nvGrpSpPr>
+      <p:grpSpPr>
+        <a:xfrm>
+          <a:off x="0" y="0"/>
+          <a:ext cx="0" cy="0"/>
+          <a:chOff x="0" y="0"/>
+          <a:chExt cx="0" cy="0"/>
+        </a:xfrm>
+      </p:grpSpPr>
+      <p:sp>
+        <p:nvSpPr>
+          <p:cNvPr id="2" name="Nadpis 1">
+            <a:extLst>
+              <a:ext uri="{FF2B5EF4-FFF2-40B4-BE49-F238E27FC236}">
                 <a16:creationId xmlns:a16="http://schemas.microsoft.com/office/drawing/2014/main" id="{7F39BEFF-3992-4EF3-AA1F-F04369C15E46}"/>
               </a:ext>
             </a:extLst>
@@ -7699,7 +8045,7 @@
 </p:sld>
 </file>
 
-<file path=ppt/slides/slide15.xml><?xml version="1.0" encoding="utf-8"?>
+<file path=ppt/slides/slide17.xml><?xml version="1.0" encoding="utf-8"?>
 <p:sld xmlns:a="http://schemas.openxmlformats.org/drawingml/2006/main" xmlns:r="http://schemas.openxmlformats.org/officeDocument/2006/relationships" xmlns:p="http://schemas.openxmlformats.org/presentationml/2006/main">
   <p:cSld>
     <p:spTree>
@@ -7739,7 +8085,7 @@
           <a:p>
             <a:r>
               <a:rPr lang="cs-CZ" dirty="0"/>
-              <a:t>DESING</a:t>
+              <a:t>DESIGN</a:t>
             </a:r>
           </a:p>
         </p:txBody>
@@ -7785,7 +8131,7 @@
 </p:sld>
 </file>
 
-<file path=ppt/slides/slide16.xml><?xml version="1.0" encoding="utf-8"?>
+<file path=ppt/slides/slide18.xml><?xml version="1.0" encoding="utf-8"?>
 <p:sld xmlns:a="http://schemas.openxmlformats.org/drawingml/2006/main" xmlns:r="http://schemas.openxmlformats.org/officeDocument/2006/relationships" xmlns:p="http://schemas.openxmlformats.org/presentationml/2006/main">
   <p:cSld>
     <p:spTree>
@@ -7898,7 +8244,7 @@
 </p:sld>
 </file>
 
-<file path=ppt/slides/slide17.xml><?xml version="1.0" encoding="utf-8"?>
+<file path=ppt/slides/slide19.xml><?xml version="1.0" encoding="utf-8"?>
 <p:sld xmlns:a="http://schemas.openxmlformats.org/drawingml/2006/main" xmlns:r="http://schemas.openxmlformats.org/officeDocument/2006/relationships" xmlns:p="http://schemas.openxmlformats.org/presentationml/2006/main">
   <p:cSld>
     <p:spTree>
@@ -7975,425 +8321,6 @@
     <p:extLst>
       <p:ext uri="{BB962C8B-B14F-4D97-AF65-F5344CB8AC3E}">
         <p14:creationId xmlns:p14="http://schemas.microsoft.com/office/powerpoint/2010/main" val="1836470017"/>
-      </p:ext>
-    </p:extLst>
-  </p:cSld>
-  <p:clrMapOvr>
-    <a:masterClrMapping/>
-  </p:clrMapOvr>
-  <p:transition spd="slow">
-    <p:push dir="u"/>
-  </p:transition>
-</p:sld>
-</file>
-
-<file path=ppt/slides/slide18.xml><?xml version="1.0" encoding="utf-8"?>
-<p:sld xmlns:a="http://schemas.openxmlformats.org/drawingml/2006/main" xmlns:r="http://schemas.openxmlformats.org/officeDocument/2006/relationships" xmlns:p="http://schemas.openxmlformats.org/presentationml/2006/main">
-  <p:cSld>
-    <p:spTree>
-      <p:nvGrpSpPr>
-        <p:cNvPr id="1" name=""/>
-        <p:cNvGrpSpPr/>
-        <p:nvPr/>
-      </p:nvGrpSpPr>
-      <p:grpSpPr>
-        <a:xfrm>
-          <a:off x="0" y="0"/>
-          <a:ext cx="0" cy="0"/>
-          <a:chOff x="0" y="0"/>
-          <a:chExt cx="0" cy="0"/>
-        </a:xfrm>
-      </p:grpSpPr>
-      <p:sp>
-        <p:nvSpPr>
-          <p:cNvPr id="2" name="Nadpis 1">
-            <a:extLst>
-              <a:ext uri="{FF2B5EF4-FFF2-40B4-BE49-F238E27FC236}">
-                <a16:creationId xmlns:a16="http://schemas.microsoft.com/office/drawing/2014/main" id="{8F63155E-FCD4-4250-BF5F-490A45229C45}"/>
-              </a:ext>
-            </a:extLst>
-          </p:cNvPr>
-          <p:cNvSpPr>
-            <a:spLocks noGrp="1"/>
-          </p:cNvSpPr>
-          <p:nvPr>
-            <p:ph type="title"/>
-          </p:nvPr>
-        </p:nvSpPr>
-        <p:spPr/>
-        <p:txBody>
-          <a:bodyPr/>
-          <a:lstStyle/>
-          <a:p>
-            <a:r>
-              <a:rPr lang="cs-CZ" dirty="0"/>
-              <a:t>Nasazení online (DEPLOY)</a:t>
-            </a:r>
-          </a:p>
-        </p:txBody>
-      </p:sp>
-      <p:sp>
-        <p:nvSpPr>
-          <p:cNvPr id="3" name="Zástupný symbol pro obsah 2">
-            <a:extLst>
-              <a:ext uri="{FF2B5EF4-FFF2-40B4-BE49-F238E27FC236}">
-                <a16:creationId xmlns:a16="http://schemas.microsoft.com/office/drawing/2014/main" id="{4ECF4641-EB59-4705-A83B-611E4E11A5BD}"/>
-              </a:ext>
-            </a:extLst>
-          </p:cNvPr>
-          <p:cNvSpPr>
-            <a:spLocks noGrp="1"/>
-          </p:cNvSpPr>
-          <p:nvPr>
-            <p:ph idx="1"/>
-          </p:nvPr>
-        </p:nvSpPr>
-        <p:spPr/>
-        <p:txBody>
-          <a:bodyPr>
-            <a:normAutofit lnSpcReduction="10000"/>
-          </a:bodyPr>
-          <a:lstStyle/>
-          <a:p>
-            <a:pPr marL="514350" indent="-514350">
-              <a:lnSpc>
-                <a:spcPct val="150000"/>
-              </a:lnSpc>
-              <a:buFont typeface="+mj-lt"/>
-              <a:buAutoNum type="arabicPeriod"/>
-            </a:pPr>
-            <a:r>
-              <a:rPr lang="cs-CZ" dirty="0"/>
-              <a:t>účet ve službě Azure</a:t>
-            </a:r>
-          </a:p>
-          <a:p>
-            <a:pPr marL="514350" indent="-514350">
-              <a:lnSpc>
-                <a:spcPct val="150000"/>
-              </a:lnSpc>
-              <a:buFont typeface="+mj-lt"/>
-              <a:buAutoNum type="arabicPeriod"/>
-            </a:pPr>
-            <a:endParaRPr lang="cs-CZ" dirty="0"/>
-          </a:p>
-          <a:p>
-            <a:pPr marL="514350" indent="-514350">
-              <a:lnSpc>
-                <a:spcPct val="100000"/>
-              </a:lnSpc>
-              <a:buFont typeface="+mj-lt"/>
-              <a:buAutoNum type="arabicPeriod"/>
-            </a:pPr>
-            <a:r>
-              <a:rPr lang="cs-CZ" dirty="0" err="1"/>
-              <a:t>Visual</a:t>
-            </a:r>
-            <a:r>
-              <a:rPr lang="cs-CZ" dirty="0"/>
-              <a:t> Studio - publikovat:</a:t>
-            </a:r>
-          </a:p>
-          <a:p>
-            <a:pPr lvl="1">
-              <a:lnSpc>
-                <a:spcPct val="100000"/>
-              </a:lnSpc>
-            </a:pPr>
-            <a:r>
-              <a:rPr lang="cs-CZ" dirty="0"/>
-              <a:t>projekt</a:t>
-            </a:r>
-          </a:p>
-          <a:p>
-            <a:pPr lvl="1">
-              <a:lnSpc>
-                <a:spcPct val="100000"/>
-              </a:lnSpc>
-            </a:pPr>
-            <a:r>
-              <a:rPr lang="cs-CZ" dirty="0"/>
-              <a:t>databázi</a:t>
-            </a:r>
-          </a:p>
-          <a:p>
-            <a:pPr lvl="1">
-              <a:lnSpc>
-                <a:spcPct val="100000"/>
-              </a:lnSpc>
-            </a:pPr>
-            <a:endParaRPr lang="cs-CZ" dirty="0"/>
-          </a:p>
-          <a:p>
-            <a:pPr marL="514350" indent="-514350">
-              <a:lnSpc>
-                <a:spcPct val="100000"/>
-              </a:lnSpc>
-              <a:buFont typeface="+mj-lt"/>
-              <a:buAutoNum type="arabicPeriod"/>
-            </a:pPr>
-            <a:r>
-              <a:rPr lang="cs-CZ" dirty="0"/>
-              <a:t>Překopírovat obsah DB</a:t>
-            </a:r>
-          </a:p>
-          <a:p>
-            <a:pPr lvl="1">
-              <a:lnSpc>
-                <a:spcPct val="100000"/>
-              </a:lnSpc>
-            </a:pPr>
-            <a:r>
-              <a:rPr lang="cs-CZ" dirty="0"/>
-              <a:t>struktura</a:t>
-            </a:r>
-          </a:p>
-          <a:p>
-            <a:pPr lvl="1">
-              <a:lnSpc>
-                <a:spcPct val="100000"/>
-              </a:lnSpc>
-            </a:pPr>
-            <a:r>
-              <a:rPr lang="cs-CZ" dirty="0"/>
-              <a:t>data</a:t>
-            </a:r>
-          </a:p>
-        </p:txBody>
-      </p:sp>
-      <p:pic>
-        <p:nvPicPr>
-          <p:cNvPr id="4" name="Obrázek 3">
-            <a:extLst>
-              <a:ext uri="{FF2B5EF4-FFF2-40B4-BE49-F238E27FC236}">
-                <a16:creationId xmlns:a16="http://schemas.microsoft.com/office/drawing/2014/main" id="{C092F47A-97FC-4C9E-BBA6-566EBDA7B5F3}"/>
-              </a:ext>
-            </a:extLst>
-          </p:cNvPr>
-          <p:cNvPicPr>
-            <a:picLocks noChangeAspect="1"/>
-          </p:cNvPicPr>
-          <p:nvPr/>
-        </p:nvPicPr>
-        <p:blipFill>
-          <a:blip r:embed="rId2"/>
-          <a:stretch>
-            <a:fillRect/>
-          </a:stretch>
-        </p:blipFill>
-        <p:spPr>
-          <a:xfrm>
-            <a:off x="5334256" y="1845593"/>
-            <a:ext cx="6565136" cy="4033999"/>
-          </a:xfrm>
-          <a:prstGeom prst="rect">
-            <a:avLst/>
-          </a:prstGeom>
-          <a:ln>
-            <a:solidFill>
-              <a:schemeClr val="tx1"/>
-            </a:solidFill>
-          </a:ln>
-        </p:spPr>
-      </p:pic>
-    </p:spTree>
-    <p:extLst>
-      <p:ext uri="{BB962C8B-B14F-4D97-AF65-F5344CB8AC3E}">
-        <p14:creationId xmlns:p14="http://schemas.microsoft.com/office/powerpoint/2010/main" val="3057881380"/>
-      </p:ext>
-    </p:extLst>
-  </p:cSld>
-  <p:clrMapOvr>
-    <a:masterClrMapping/>
-  </p:clrMapOvr>
-  <p:transition spd="slow">
-    <p:push dir="u"/>
-  </p:transition>
-</p:sld>
-</file>
-
-<file path=ppt/slides/slide19.xml><?xml version="1.0" encoding="utf-8"?>
-<p:sld xmlns:a="http://schemas.openxmlformats.org/drawingml/2006/main" xmlns:r="http://schemas.openxmlformats.org/officeDocument/2006/relationships" xmlns:p="http://schemas.openxmlformats.org/presentationml/2006/main">
-  <p:cSld>
-    <p:spTree>
-      <p:nvGrpSpPr>
-        <p:cNvPr id="1" name=""/>
-        <p:cNvGrpSpPr/>
-        <p:nvPr/>
-      </p:nvGrpSpPr>
-      <p:grpSpPr>
-        <a:xfrm>
-          <a:off x="0" y="0"/>
-          <a:ext cx="0" cy="0"/>
-          <a:chOff x="0" y="0"/>
-          <a:chExt cx="0" cy="0"/>
-        </a:xfrm>
-      </p:grpSpPr>
-      <p:sp>
-        <p:nvSpPr>
-          <p:cNvPr id="2" name="Nadpis 1">
-            <a:extLst>
-              <a:ext uri="{FF2B5EF4-FFF2-40B4-BE49-F238E27FC236}">
-                <a16:creationId xmlns:a16="http://schemas.microsoft.com/office/drawing/2014/main" id="{0BF199A5-8F9E-4476-BE31-12E1A53203E4}"/>
-              </a:ext>
-            </a:extLst>
-          </p:cNvPr>
-          <p:cNvSpPr>
-            <a:spLocks noGrp="1"/>
-          </p:cNvSpPr>
-          <p:nvPr>
-            <p:ph type="title"/>
-          </p:nvPr>
-        </p:nvSpPr>
-        <p:spPr/>
-        <p:txBody>
-          <a:bodyPr/>
-          <a:lstStyle/>
-          <a:p>
-            <a:r>
-              <a:rPr lang="cs-CZ" dirty="0"/>
-              <a:t>Změna kódu + opakované nasazení</a:t>
-            </a:r>
-          </a:p>
-        </p:txBody>
-      </p:sp>
-      <p:sp>
-        <p:nvSpPr>
-          <p:cNvPr id="3" name="Zástupný symbol pro obsah 2">
-            <a:extLst>
-              <a:ext uri="{FF2B5EF4-FFF2-40B4-BE49-F238E27FC236}">
-                <a16:creationId xmlns:a16="http://schemas.microsoft.com/office/drawing/2014/main" id="{BFED2CB1-2532-4F22-B996-C2A6308DD1D7}"/>
-              </a:ext>
-            </a:extLst>
-          </p:cNvPr>
-          <p:cNvSpPr>
-            <a:spLocks noGrp="1"/>
-          </p:cNvSpPr>
-          <p:nvPr>
-            <p:ph idx="1"/>
-          </p:nvPr>
-        </p:nvSpPr>
-        <p:spPr/>
-        <p:txBody>
-          <a:bodyPr/>
-          <a:lstStyle/>
-          <a:p>
-            <a:pPr>
-              <a:lnSpc>
-                <a:spcPct val="150000"/>
-              </a:lnSpc>
-            </a:pPr>
-            <a:r>
-              <a:rPr lang="cs-CZ" dirty="0"/>
-              <a:t>DB – </a:t>
-            </a:r>
-            <a:r>
-              <a:rPr lang="cs-CZ" dirty="0" err="1"/>
-              <a:t>Visual</a:t>
-            </a:r>
-            <a:r>
-              <a:rPr lang="cs-CZ" dirty="0"/>
-              <a:t> Studio – připojení na DB v Azure</a:t>
-            </a:r>
-          </a:p>
-          <a:p>
-            <a:pPr>
-              <a:lnSpc>
-                <a:spcPct val="150000"/>
-              </a:lnSpc>
-            </a:pPr>
-            <a:endParaRPr lang="cs-CZ" dirty="0"/>
-          </a:p>
-          <a:p>
-            <a:pPr>
-              <a:lnSpc>
-                <a:spcPct val="150000"/>
-              </a:lnSpc>
-            </a:pPr>
-            <a:r>
-              <a:rPr lang="cs-CZ" dirty="0"/>
-              <a:t>kód – </a:t>
-            </a:r>
-            <a:r>
-              <a:rPr lang="cs-CZ" dirty="0" err="1"/>
-              <a:t>Visual</a:t>
-            </a:r>
-            <a:r>
-              <a:rPr lang="cs-CZ" dirty="0"/>
-              <a:t> Studio – publikovat</a:t>
-            </a:r>
-          </a:p>
-          <a:p>
-            <a:pPr marL="265113" indent="0">
-              <a:lnSpc>
-                <a:spcPct val="150000"/>
-              </a:lnSpc>
-              <a:buNone/>
-            </a:pPr>
-            <a:r>
-              <a:rPr lang="cs-CZ" dirty="0"/>
-              <a:t>VS.</a:t>
-            </a:r>
-          </a:p>
-          <a:p>
-            <a:pPr>
-              <a:lnSpc>
-                <a:spcPct val="150000"/>
-              </a:lnSpc>
-            </a:pPr>
-            <a:r>
-              <a:rPr lang="cs-CZ" dirty="0" err="1"/>
-              <a:t>GitHub</a:t>
-            </a:r>
-            <a:r>
-              <a:rPr lang="cs-CZ" dirty="0"/>
-              <a:t> – zdroj kódu</a:t>
-            </a:r>
-          </a:p>
-          <a:p>
-            <a:endParaRPr lang="cs-CZ" dirty="0"/>
-          </a:p>
-        </p:txBody>
-      </p:sp>
-      <p:pic>
-        <p:nvPicPr>
-          <p:cNvPr id="4" name="Obrázek 3">
-            <a:extLst>
-              <a:ext uri="{FF2B5EF4-FFF2-40B4-BE49-F238E27FC236}">
-                <a16:creationId xmlns:a16="http://schemas.microsoft.com/office/drawing/2014/main" id="{3B9D16F2-3D3C-42CE-8EE4-05E7B5FA6246}"/>
-              </a:ext>
-            </a:extLst>
-          </p:cNvPr>
-          <p:cNvPicPr>
-            <a:picLocks noChangeAspect="1"/>
-          </p:cNvPicPr>
-          <p:nvPr/>
-        </p:nvPicPr>
-        <p:blipFill>
-          <a:blip r:embed="rId2"/>
-          <a:stretch>
-            <a:fillRect/>
-          </a:stretch>
-        </p:blipFill>
-        <p:spPr>
-          <a:xfrm>
-            <a:off x="8092440" y="1690688"/>
-            <a:ext cx="3331464" cy="4594538"/>
-          </a:xfrm>
-          <a:prstGeom prst="rect">
-            <a:avLst/>
-          </a:prstGeom>
-          <a:ln>
-            <a:solidFill>
-              <a:schemeClr val="tx1"/>
-            </a:solidFill>
-          </a:ln>
-        </p:spPr>
-      </p:pic>
-    </p:spTree>
-    <p:extLst>
-      <p:ext uri="{BB962C8B-B14F-4D97-AF65-F5344CB8AC3E}">
-        <p14:creationId xmlns:p14="http://schemas.microsoft.com/office/powerpoint/2010/main" val="408922911"/>
       </p:ext>
     </p:extLst>
   </p:cSld>
@@ -14891,6 +14818,425 @@
 <file path=ppt/slides/slide20.xml><?xml version="1.0" encoding="utf-8"?>
 <p:sld xmlns:a="http://schemas.openxmlformats.org/drawingml/2006/main" xmlns:r="http://schemas.openxmlformats.org/officeDocument/2006/relationships" xmlns:p="http://schemas.openxmlformats.org/presentationml/2006/main">
   <p:cSld>
+    <p:spTree>
+      <p:nvGrpSpPr>
+        <p:cNvPr id="1" name=""/>
+        <p:cNvGrpSpPr/>
+        <p:nvPr/>
+      </p:nvGrpSpPr>
+      <p:grpSpPr>
+        <a:xfrm>
+          <a:off x="0" y="0"/>
+          <a:ext cx="0" cy="0"/>
+          <a:chOff x="0" y="0"/>
+          <a:chExt cx="0" cy="0"/>
+        </a:xfrm>
+      </p:grpSpPr>
+      <p:sp>
+        <p:nvSpPr>
+          <p:cNvPr id="2" name="Nadpis 1">
+            <a:extLst>
+              <a:ext uri="{FF2B5EF4-FFF2-40B4-BE49-F238E27FC236}">
+                <a16:creationId xmlns:a16="http://schemas.microsoft.com/office/drawing/2014/main" id="{8F63155E-FCD4-4250-BF5F-490A45229C45}"/>
+              </a:ext>
+            </a:extLst>
+          </p:cNvPr>
+          <p:cNvSpPr>
+            <a:spLocks noGrp="1"/>
+          </p:cNvSpPr>
+          <p:nvPr>
+            <p:ph type="title"/>
+          </p:nvPr>
+        </p:nvSpPr>
+        <p:spPr/>
+        <p:txBody>
+          <a:bodyPr/>
+          <a:lstStyle/>
+          <a:p>
+            <a:r>
+              <a:rPr lang="cs-CZ" dirty="0"/>
+              <a:t>Nasazení online (DEPLOY)</a:t>
+            </a:r>
+          </a:p>
+        </p:txBody>
+      </p:sp>
+      <p:sp>
+        <p:nvSpPr>
+          <p:cNvPr id="3" name="Zástupný symbol pro obsah 2">
+            <a:extLst>
+              <a:ext uri="{FF2B5EF4-FFF2-40B4-BE49-F238E27FC236}">
+                <a16:creationId xmlns:a16="http://schemas.microsoft.com/office/drawing/2014/main" id="{4ECF4641-EB59-4705-A83B-611E4E11A5BD}"/>
+              </a:ext>
+            </a:extLst>
+          </p:cNvPr>
+          <p:cNvSpPr>
+            <a:spLocks noGrp="1"/>
+          </p:cNvSpPr>
+          <p:nvPr>
+            <p:ph idx="1"/>
+          </p:nvPr>
+        </p:nvSpPr>
+        <p:spPr/>
+        <p:txBody>
+          <a:bodyPr>
+            <a:normAutofit lnSpcReduction="10000"/>
+          </a:bodyPr>
+          <a:lstStyle/>
+          <a:p>
+            <a:pPr marL="514350" indent="-514350">
+              <a:lnSpc>
+                <a:spcPct val="150000"/>
+              </a:lnSpc>
+              <a:buFont typeface="+mj-lt"/>
+              <a:buAutoNum type="arabicPeriod"/>
+            </a:pPr>
+            <a:r>
+              <a:rPr lang="cs-CZ" dirty="0"/>
+              <a:t>Účet ve službě Azure</a:t>
+            </a:r>
+          </a:p>
+          <a:p>
+            <a:pPr marL="514350" indent="-514350">
+              <a:lnSpc>
+                <a:spcPct val="150000"/>
+              </a:lnSpc>
+              <a:buFont typeface="+mj-lt"/>
+              <a:buAutoNum type="arabicPeriod"/>
+            </a:pPr>
+            <a:endParaRPr lang="cs-CZ" dirty="0"/>
+          </a:p>
+          <a:p>
+            <a:pPr marL="514350" indent="-514350">
+              <a:lnSpc>
+                <a:spcPct val="100000"/>
+              </a:lnSpc>
+              <a:buFont typeface="+mj-lt"/>
+              <a:buAutoNum type="arabicPeriod"/>
+            </a:pPr>
+            <a:r>
+              <a:rPr lang="cs-CZ" dirty="0" err="1"/>
+              <a:t>Visual</a:t>
+            </a:r>
+            <a:r>
+              <a:rPr lang="cs-CZ" dirty="0"/>
+              <a:t> Studio - publikovat:</a:t>
+            </a:r>
+          </a:p>
+          <a:p>
+            <a:pPr lvl="1">
+              <a:lnSpc>
+                <a:spcPct val="100000"/>
+              </a:lnSpc>
+            </a:pPr>
+            <a:r>
+              <a:rPr lang="cs-CZ" dirty="0"/>
+              <a:t>Projekt</a:t>
+            </a:r>
+          </a:p>
+          <a:p>
+            <a:pPr lvl="1">
+              <a:lnSpc>
+                <a:spcPct val="100000"/>
+              </a:lnSpc>
+            </a:pPr>
+            <a:r>
+              <a:rPr lang="cs-CZ" dirty="0"/>
+              <a:t>Databázi</a:t>
+            </a:r>
+          </a:p>
+          <a:p>
+            <a:pPr lvl="1">
+              <a:lnSpc>
+                <a:spcPct val="100000"/>
+              </a:lnSpc>
+            </a:pPr>
+            <a:endParaRPr lang="cs-CZ" dirty="0"/>
+          </a:p>
+          <a:p>
+            <a:pPr marL="514350" indent="-514350">
+              <a:lnSpc>
+                <a:spcPct val="100000"/>
+              </a:lnSpc>
+              <a:buFont typeface="+mj-lt"/>
+              <a:buAutoNum type="arabicPeriod"/>
+            </a:pPr>
+            <a:r>
+              <a:rPr lang="cs-CZ" dirty="0"/>
+              <a:t>Překopírovat obsah DB</a:t>
+            </a:r>
+          </a:p>
+          <a:p>
+            <a:pPr lvl="1">
+              <a:lnSpc>
+                <a:spcPct val="100000"/>
+              </a:lnSpc>
+            </a:pPr>
+            <a:r>
+              <a:rPr lang="cs-CZ" dirty="0"/>
+              <a:t>Strukturu</a:t>
+            </a:r>
+          </a:p>
+          <a:p>
+            <a:pPr lvl="1">
+              <a:lnSpc>
+                <a:spcPct val="100000"/>
+              </a:lnSpc>
+            </a:pPr>
+            <a:r>
+              <a:rPr lang="cs-CZ" dirty="0"/>
+              <a:t>Data</a:t>
+            </a:r>
+          </a:p>
+        </p:txBody>
+      </p:sp>
+      <p:pic>
+        <p:nvPicPr>
+          <p:cNvPr id="4" name="Obrázek 3">
+            <a:extLst>
+              <a:ext uri="{FF2B5EF4-FFF2-40B4-BE49-F238E27FC236}">
+                <a16:creationId xmlns:a16="http://schemas.microsoft.com/office/drawing/2014/main" id="{C092F47A-97FC-4C9E-BBA6-566EBDA7B5F3}"/>
+              </a:ext>
+            </a:extLst>
+          </p:cNvPr>
+          <p:cNvPicPr>
+            <a:picLocks noChangeAspect="1"/>
+          </p:cNvPicPr>
+          <p:nvPr/>
+        </p:nvPicPr>
+        <p:blipFill>
+          <a:blip r:embed="rId2"/>
+          <a:stretch>
+            <a:fillRect/>
+          </a:stretch>
+        </p:blipFill>
+        <p:spPr>
+          <a:xfrm>
+            <a:off x="5334256" y="1845593"/>
+            <a:ext cx="6565136" cy="4033999"/>
+          </a:xfrm>
+          <a:prstGeom prst="rect">
+            <a:avLst/>
+          </a:prstGeom>
+          <a:ln>
+            <a:solidFill>
+              <a:schemeClr val="tx1"/>
+            </a:solidFill>
+          </a:ln>
+        </p:spPr>
+      </p:pic>
+    </p:spTree>
+    <p:extLst>
+      <p:ext uri="{BB962C8B-B14F-4D97-AF65-F5344CB8AC3E}">
+        <p14:creationId xmlns:p14="http://schemas.microsoft.com/office/powerpoint/2010/main" val="3057881380"/>
+      </p:ext>
+    </p:extLst>
+  </p:cSld>
+  <p:clrMapOvr>
+    <a:masterClrMapping/>
+  </p:clrMapOvr>
+  <p:transition spd="slow">
+    <p:push dir="u"/>
+  </p:transition>
+</p:sld>
+</file>
+
+<file path=ppt/slides/slide21.xml><?xml version="1.0" encoding="utf-8"?>
+<p:sld xmlns:a="http://schemas.openxmlformats.org/drawingml/2006/main" xmlns:r="http://schemas.openxmlformats.org/officeDocument/2006/relationships" xmlns:p="http://schemas.openxmlformats.org/presentationml/2006/main">
+  <p:cSld>
+    <p:spTree>
+      <p:nvGrpSpPr>
+        <p:cNvPr id="1" name=""/>
+        <p:cNvGrpSpPr/>
+        <p:nvPr/>
+      </p:nvGrpSpPr>
+      <p:grpSpPr>
+        <a:xfrm>
+          <a:off x="0" y="0"/>
+          <a:ext cx="0" cy="0"/>
+          <a:chOff x="0" y="0"/>
+          <a:chExt cx="0" cy="0"/>
+        </a:xfrm>
+      </p:grpSpPr>
+      <p:sp>
+        <p:nvSpPr>
+          <p:cNvPr id="2" name="Nadpis 1">
+            <a:extLst>
+              <a:ext uri="{FF2B5EF4-FFF2-40B4-BE49-F238E27FC236}">
+                <a16:creationId xmlns:a16="http://schemas.microsoft.com/office/drawing/2014/main" id="{0BF199A5-8F9E-4476-BE31-12E1A53203E4}"/>
+              </a:ext>
+            </a:extLst>
+          </p:cNvPr>
+          <p:cNvSpPr>
+            <a:spLocks noGrp="1"/>
+          </p:cNvSpPr>
+          <p:nvPr>
+            <p:ph type="title"/>
+          </p:nvPr>
+        </p:nvSpPr>
+        <p:spPr/>
+        <p:txBody>
+          <a:bodyPr/>
+          <a:lstStyle/>
+          <a:p>
+            <a:r>
+              <a:rPr lang="cs-CZ" dirty="0"/>
+              <a:t>Změna kódu + opakované nasazení</a:t>
+            </a:r>
+          </a:p>
+        </p:txBody>
+      </p:sp>
+      <p:sp>
+        <p:nvSpPr>
+          <p:cNvPr id="3" name="Zástupný symbol pro obsah 2">
+            <a:extLst>
+              <a:ext uri="{FF2B5EF4-FFF2-40B4-BE49-F238E27FC236}">
+                <a16:creationId xmlns:a16="http://schemas.microsoft.com/office/drawing/2014/main" id="{BFED2CB1-2532-4F22-B996-C2A6308DD1D7}"/>
+              </a:ext>
+            </a:extLst>
+          </p:cNvPr>
+          <p:cNvSpPr>
+            <a:spLocks noGrp="1"/>
+          </p:cNvSpPr>
+          <p:nvPr>
+            <p:ph idx="1"/>
+          </p:nvPr>
+        </p:nvSpPr>
+        <p:spPr/>
+        <p:txBody>
+          <a:bodyPr/>
+          <a:lstStyle/>
+          <a:p>
+            <a:pPr>
+              <a:lnSpc>
+                <a:spcPct val="150000"/>
+              </a:lnSpc>
+            </a:pPr>
+            <a:r>
+              <a:rPr lang="cs-CZ" dirty="0"/>
+              <a:t>DB – </a:t>
+            </a:r>
+            <a:r>
+              <a:rPr lang="cs-CZ" dirty="0" err="1"/>
+              <a:t>Visual</a:t>
+            </a:r>
+            <a:r>
+              <a:rPr lang="cs-CZ" dirty="0"/>
+              <a:t> Studio – připojení na DB v Azure</a:t>
+            </a:r>
+          </a:p>
+          <a:p>
+            <a:pPr>
+              <a:lnSpc>
+                <a:spcPct val="150000"/>
+              </a:lnSpc>
+            </a:pPr>
+            <a:endParaRPr lang="cs-CZ" dirty="0"/>
+          </a:p>
+          <a:p>
+            <a:pPr>
+              <a:lnSpc>
+                <a:spcPct val="150000"/>
+              </a:lnSpc>
+            </a:pPr>
+            <a:r>
+              <a:rPr lang="cs-CZ" dirty="0"/>
+              <a:t>Kód – </a:t>
+            </a:r>
+            <a:r>
+              <a:rPr lang="cs-CZ" dirty="0" err="1"/>
+              <a:t>Visual</a:t>
+            </a:r>
+            <a:r>
+              <a:rPr lang="cs-CZ" dirty="0"/>
+              <a:t> Studio – publikovat</a:t>
+            </a:r>
+          </a:p>
+          <a:p>
+            <a:pPr marL="265113" indent="0">
+              <a:lnSpc>
+                <a:spcPct val="150000"/>
+              </a:lnSpc>
+              <a:buNone/>
+            </a:pPr>
+            <a:r>
+              <a:rPr lang="cs-CZ" dirty="0"/>
+              <a:t>VS</a:t>
+            </a:r>
+          </a:p>
+          <a:p>
+            <a:pPr>
+              <a:lnSpc>
+                <a:spcPct val="150000"/>
+              </a:lnSpc>
+            </a:pPr>
+            <a:r>
+              <a:rPr lang="cs-CZ" dirty="0" err="1"/>
+              <a:t>GitHub</a:t>
+            </a:r>
+            <a:r>
+              <a:rPr lang="cs-CZ" dirty="0"/>
+              <a:t> – zdroj kódu</a:t>
+            </a:r>
+          </a:p>
+          <a:p>
+            <a:endParaRPr lang="cs-CZ" dirty="0"/>
+          </a:p>
+        </p:txBody>
+      </p:sp>
+      <p:pic>
+        <p:nvPicPr>
+          <p:cNvPr id="4" name="Obrázek 3">
+            <a:extLst>
+              <a:ext uri="{FF2B5EF4-FFF2-40B4-BE49-F238E27FC236}">
+                <a16:creationId xmlns:a16="http://schemas.microsoft.com/office/drawing/2014/main" id="{3B9D16F2-3D3C-42CE-8EE4-05E7B5FA6246}"/>
+              </a:ext>
+            </a:extLst>
+          </p:cNvPr>
+          <p:cNvPicPr>
+            <a:picLocks noChangeAspect="1"/>
+          </p:cNvPicPr>
+          <p:nvPr/>
+        </p:nvPicPr>
+        <p:blipFill>
+          <a:blip r:embed="rId2"/>
+          <a:stretch>
+            <a:fillRect/>
+          </a:stretch>
+        </p:blipFill>
+        <p:spPr>
+          <a:xfrm>
+            <a:off x="8092440" y="1690688"/>
+            <a:ext cx="3331464" cy="4594538"/>
+          </a:xfrm>
+          <a:prstGeom prst="rect">
+            <a:avLst/>
+          </a:prstGeom>
+          <a:ln>
+            <a:solidFill>
+              <a:schemeClr val="tx1"/>
+            </a:solidFill>
+          </a:ln>
+        </p:spPr>
+      </p:pic>
+    </p:spTree>
+    <p:extLst>
+      <p:ext uri="{BB962C8B-B14F-4D97-AF65-F5344CB8AC3E}">
+        <p14:creationId xmlns:p14="http://schemas.microsoft.com/office/powerpoint/2010/main" val="408922911"/>
+      </p:ext>
+    </p:extLst>
+  </p:cSld>
+  <p:clrMapOvr>
+    <a:masterClrMapping/>
+  </p:clrMapOvr>
+  <p:transition spd="slow">
+    <p:push dir="u"/>
+  </p:transition>
+</p:sld>
+</file>
+
+<file path=ppt/slides/slide22.xml><?xml version="1.0" encoding="utf-8"?>
+<p:sld xmlns:a="http://schemas.openxmlformats.org/drawingml/2006/main" xmlns:r="http://schemas.openxmlformats.org/officeDocument/2006/relationships" xmlns:p="http://schemas.openxmlformats.org/presentationml/2006/main">
+  <p:cSld>
     <p:bg>
       <p:bgPr>
         <a:solidFill>
@@ -24344,12 +24690,28 @@
           <a:p>
             <a:pPr algn="r"/>
             <a:r>
-              <a:rPr lang="en-US">
+              <a:rPr lang="en-US" dirty="0">
                 <a:solidFill>
                   <a:schemeClr val="tx2"/>
                 </a:solidFill>
               </a:rPr>
-              <a:t>KÓDOVÁNÍ A IMPLEMENTACE NA WEB</a:t>
+              <a:t>KÓDOVÁNÍ A</a:t>
+            </a:r>
+            <a:r>
+              <a:rPr lang="cs-CZ" dirty="0">
+                <a:solidFill>
+                  <a:schemeClr val="tx2"/>
+                </a:solidFill>
+              </a:rPr>
+              <a:t> </a:t>
+            </a:r>
+            <a:r>
+              <a:rPr lang="en-US" dirty="0">
+                <a:solidFill>
+                  <a:schemeClr val="tx2"/>
+                </a:solidFill>
+              </a:rPr>
+              <a:t>IMPLEMENTACE NA WEB</a:t>
             </a:r>
           </a:p>
         </p:txBody>
@@ -28651,19 +29013,25 @@
           <a:bodyPr/>
           <a:lstStyle/>
           <a:p>
+            <a:pPr>
+              <a:lnSpc>
+                <a:spcPct val="250000"/>
+              </a:lnSpc>
+            </a:pPr>
             <a:r>
               <a:rPr lang="cs-CZ" dirty="0"/>
               <a:t>Vytvoření akceptačních kritérií</a:t>
             </a:r>
           </a:p>
           <a:p>
-            <a:r>
-              <a:rPr lang="cs-CZ"/>
-              <a:t>Upravení úkol</a:t>
-            </a:r>
+            <a:pPr>
+              <a:lnSpc>
+                <a:spcPct val="250000"/>
+              </a:lnSpc>
+            </a:pPr>
             <a:r>
               <a:rPr lang="cs-CZ" dirty="0"/>
-              <a:t>ů</a:t>
+              <a:t>Upravení úkolů</a:t>
             </a:r>
           </a:p>
         </p:txBody>

--- a/docs/Apollo 13 - Logos Polytechnikos.pptx
+++ b/docs/Apollo 13 - Logos Polytechnikos.pptx
@@ -19,14 +19,15 @@
     <p:sldId id="277" r:id="rId13"/>
     <p:sldId id="271" r:id="rId14"/>
     <p:sldId id="279" r:id="rId15"/>
-    <p:sldId id="280" r:id="rId16"/>
-    <p:sldId id="273" r:id="rId17"/>
-    <p:sldId id="268" r:id="rId18"/>
-    <p:sldId id="270" r:id="rId19"/>
-    <p:sldId id="267" r:id="rId20"/>
-    <p:sldId id="274" r:id="rId21"/>
-    <p:sldId id="275" r:id="rId22"/>
-    <p:sldId id="269" r:id="rId23"/>
+    <p:sldId id="281" r:id="rId16"/>
+    <p:sldId id="280" r:id="rId17"/>
+    <p:sldId id="273" r:id="rId18"/>
+    <p:sldId id="268" r:id="rId19"/>
+    <p:sldId id="270" r:id="rId20"/>
+    <p:sldId id="267" r:id="rId21"/>
+    <p:sldId id="274" r:id="rId22"/>
+    <p:sldId id="275" r:id="rId23"/>
+    <p:sldId id="269" r:id="rId24"/>
   </p:sldIdLst>
   <p:sldSz cx="12192000" cy="6858000"/>
   <p:notesSz cx="6858000" cy="9144000"/>
@@ -156,6 +157,7 @@
             <p14:sldId id="277"/>
             <p14:sldId id="271"/>
             <p14:sldId id="279"/>
+            <p14:sldId id="281"/>
             <p14:sldId id="280"/>
             <p14:sldId id="273"/>
           </p14:sldIdLst>
@@ -7233,12 +7235,6 @@
           <a:p>
             <a:r>
               <a:rPr lang="cs-CZ" dirty="0"/>
-              <a:t>Role</a:t>
-            </a:r>
-          </a:p>
-          <a:p>
-            <a:r>
-              <a:rPr lang="cs-CZ" dirty="0"/>
               <a:t>Přidávání článku</a:t>
             </a:r>
           </a:p>
@@ -7635,6 +7631,113 @@
           <p:cNvPr id="2" name="Nadpis 1">
             <a:extLst>
               <a:ext uri="{FF2B5EF4-FFF2-40B4-BE49-F238E27FC236}">
+                <a16:creationId xmlns:a16="http://schemas.microsoft.com/office/drawing/2014/main" id="{23107295-4962-46E9-AB9B-9C84AADE8AAF}"/>
+              </a:ext>
+            </a:extLst>
+          </p:cNvPr>
+          <p:cNvSpPr>
+            <a:spLocks noGrp="1"/>
+          </p:cNvSpPr>
+          <p:nvPr>
+            <p:ph type="title"/>
+          </p:nvPr>
+        </p:nvSpPr>
+        <p:spPr/>
+        <p:txBody>
+          <a:bodyPr/>
+          <a:lstStyle/>
+          <a:p>
+            <a:r>
+              <a:rPr lang="cs-CZ" dirty="0"/>
+              <a:t>Přidávání článku</a:t>
+            </a:r>
+          </a:p>
+        </p:txBody>
+      </p:sp>
+      <p:sp>
+        <p:nvSpPr>
+          <p:cNvPr id="3" name="Zástupný symbol pro obsah 2">
+            <a:extLst>
+              <a:ext uri="{FF2B5EF4-FFF2-40B4-BE49-F238E27FC236}">
+                <a16:creationId xmlns:a16="http://schemas.microsoft.com/office/drawing/2014/main" id="{6FACC5F5-87BD-4B13-B4EC-454CE6943274}"/>
+              </a:ext>
+            </a:extLst>
+          </p:cNvPr>
+          <p:cNvSpPr>
+            <a:spLocks noGrp="1"/>
+          </p:cNvSpPr>
+          <p:nvPr>
+            <p:ph idx="1"/>
+          </p:nvPr>
+        </p:nvSpPr>
+        <p:spPr/>
+        <p:txBody>
+          <a:bodyPr/>
+          <a:lstStyle/>
+          <a:p>
+            <a:r>
+              <a:rPr lang="cs-CZ" dirty="0"/>
+              <a:t>Zadání názvu</a:t>
+            </a:r>
+          </a:p>
+          <a:p>
+            <a:r>
+              <a:rPr lang="cs-CZ" dirty="0"/>
+              <a:t>Zadání anotace článku</a:t>
+            </a:r>
+          </a:p>
+          <a:p>
+            <a:r>
+              <a:rPr lang="cs-CZ" dirty="0"/>
+              <a:t>Zadání autorů</a:t>
+            </a:r>
+          </a:p>
+          <a:p>
+            <a:r>
+              <a:rPr lang="cs-CZ" dirty="0"/>
+              <a:t>Přiložení článku v souboru dané šablony</a:t>
+            </a:r>
+          </a:p>
+          <a:p>
+            <a:endParaRPr lang="cs-CZ" dirty="0"/>
+          </a:p>
+        </p:txBody>
+      </p:sp>
+    </p:spTree>
+    <p:extLst>
+      <p:ext uri="{BB962C8B-B14F-4D97-AF65-F5344CB8AC3E}">
+        <p14:creationId xmlns:p14="http://schemas.microsoft.com/office/powerpoint/2010/main" val="2615098494"/>
+      </p:ext>
+    </p:extLst>
+  </p:cSld>
+  <p:clrMapOvr>
+    <a:masterClrMapping/>
+  </p:clrMapOvr>
+</p:sld>
+</file>
+
+<file path=ppt/slides/slide16.xml><?xml version="1.0" encoding="utf-8"?>
+<p:sld xmlns:a="http://schemas.openxmlformats.org/drawingml/2006/main" xmlns:r="http://schemas.openxmlformats.org/officeDocument/2006/relationships" xmlns:p="http://schemas.openxmlformats.org/presentationml/2006/main">
+  <p:cSld>
+    <p:spTree>
+      <p:nvGrpSpPr>
+        <p:cNvPr id="1" name=""/>
+        <p:cNvGrpSpPr/>
+        <p:nvPr/>
+      </p:nvGrpSpPr>
+      <p:grpSpPr>
+        <a:xfrm>
+          <a:off x="0" y="0"/>
+          <a:ext cx="0" cy="0"/>
+          <a:chOff x="0" y="0"/>
+          <a:chExt cx="0" cy="0"/>
+        </a:xfrm>
+      </p:grpSpPr>
+      <p:sp>
+        <p:nvSpPr>
+          <p:cNvPr id="2" name="Nadpis 1">
+            <a:extLst>
+              <a:ext uri="{FF2B5EF4-FFF2-40B4-BE49-F238E27FC236}">
                 <a16:creationId xmlns:a16="http://schemas.microsoft.com/office/drawing/2014/main" id="{EFC2F836-5830-4DA3-BE1F-B2AF9840DE4C}"/>
               </a:ext>
             </a:extLst>
@@ -7786,7 +7889,7 @@
 </p:sld>
 </file>
 
-<file path=ppt/slides/slide16.xml><?xml version="1.0" encoding="utf-8"?>
+<file path=ppt/slides/slide17.xml><?xml version="1.0" encoding="utf-8"?>
 <p:sld xmlns:a="http://schemas.openxmlformats.org/drawingml/2006/main" xmlns:r="http://schemas.openxmlformats.org/officeDocument/2006/relationships" xmlns:p="http://schemas.openxmlformats.org/presentationml/2006/main">
   <p:cSld>
     <p:spTree>
@@ -8045,7 +8148,7 @@
 </p:sld>
 </file>
 
-<file path=ppt/slides/slide17.xml><?xml version="1.0" encoding="utf-8"?>
+<file path=ppt/slides/slide18.xml><?xml version="1.0" encoding="utf-8"?>
 <p:sld xmlns:a="http://schemas.openxmlformats.org/drawingml/2006/main" xmlns:r="http://schemas.openxmlformats.org/officeDocument/2006/relationships" xmlns:p="http://schemas.openxmlformats.org/presentationml/2006/main">
   <p:cSld>
     <p:spTree>
@@ -8131,7 +8234,7 @@
 </p:sld>
 </file>
 
-<file path=ppt/slides/slide18.xml><?xml version="1.0" encoding="utf-8"?>
+<file path=ppt/slides/slide19.xml><?xml version="1.0" encoding="utf-8"?>
 <p:sld xmlns:a="http://schemas.openxmlformats.org/drawingml/2006/main" xmlns:r="http://schemas.openxmlformats.org/officeDocument/2006/relationships" xmlns:p="http://schemas.openxmlformats.org/presentationml/2006/main">
   <p:cSld>
     <p:spTree>
@@ -8232,95 +8335,6 @@
     <p:extLst>
       <p:ext uri="{BB962C8B-B14F-4D97-AF65-F5344CB8AC3E}">
         <p14:creationId xmlns:p14="http://schemas.microsoft.com/office/powerpoint/2010/main" val="1174386991"/>
-      </p:ext>
-    </p:extLst>
-  </p:cSld>
-  <p:clrMapOvr>
-    <a:masterClrMapping/>
-  </p:clrMapOvr>
-  <p:transition spd="slow">
-    <p:push dir="u"/>
-  </p:transition>
-</p:sld>
-</file>
-
-<file path=ppt/slides/slide19.xml><?xml version="1.0" encoding="utf-8"?>
-<p:sld xmlns:a="http://schemas.openxmlformats.org/drawingml/2006/main" xmlns:r="http://schemas.openxmlformats.org/officeDocument/2006/relationships" xmlns:p="http://schemas.openxmlformats.org/presentationml/2006/main">
-  <p:cSld>
-    <p:spTree>
-      <p:nvGrpSpPr>
-        <p:cNvPr id="1" name=""/>
-        <p:cNvGrpSpPr/>
-        <p:nvPr/>
-      </p:nvGrpSpPr>
-      <p:grpSpPr>
-        <a:xfrm>
-          <a:off x="0" y="0"/>
-          <a:ext cx="0" cy="0"/>
-          <a:chOff x="0" y="0"/>
-          <a:chExt cx="0" cy="0"/>
-        </a:xfrm>
-      </p:grpSpPr>
-      <p:sp>
-        <p:nvSpPr>
-          <p:cNvPr id="2" name="Nadpis 1">
-            <a:extLst>
-              <a:ext uri="{FF2B5EF4-FFF2-40B4-BE49-F238E27FC236}">
-                <a16:creationId xmlns:a16="http://schemas.microsoft.com/office/drawing/2014/main" id="{F9D43237-D492-4879-88A9-D9EFEC68C673}"/>
-              </a:ext>
-            </a:extLst>
-          </p:cNvPr>
-          <p:cNvSpPr>
-            <a:spLocks noGrp="1"/>
-          </p:cNvSpPr>
-          <p:nvPr>
-            <p:ph type="title"/>
-          </p:nvPr>
-        </p:nvSpPr>
-        <p:spPr/>
-        <p:txBody>
-          <a:bodyPr/>
-          <a:lstStyle/>
-          <a:p>
-            <a:r>
-              <a:rPr lang="cs-CZ" dirty="0"/>
-              <a:t>IMPLEMENTACE</a:t>
-            </a:r>
-          </a:p>
-        </p:txBody>
-      </p:sp>
-      <p:sp>
-        <p:nvSpPr>
-          <p:cNvPr id="3" name="Zástupný symbol pro text 2">
-            <a:extLst>
-              <a:ext uri="{FF2B5EF4-FFF2-40B4-BE49-F238E27FC236}">
-                <a16:creationId xmlns:a16="http://schemas.microsoft.com/office/drawing/2014/main" id="{6B0DA85A-FC23-4CC2-9411-FC8BF798956E}"/>
-              </a:ext>
-            </a:extLst>
-          </p:cNvPr>
-          <p:cNvSpPr>
-            <a:spLocks noGrp="1"/>
-          </p:cNvSpPr>
-          <p:nvPr>
-            <p:ph type="body" idx="1"/>
-          </p:nvPr>
-        </p:nvSpPr>
-        <p:spPr/>
-        <p:txBody>
-          <a:bodyPr/>
-          <a:lstStyle/>
-          <a:p>
-            <a:r>
-              <a:rPr lang="cs-CZ" dirty="0"/>
-              <a:t>azure</a:t>
-            </a:r>
-          </a:p>
-        </p:txBody>
-      </p:sp>
-    </p:spTree>
-    <p:extLst>
-      <p:ext uri="{BB962C8B-B14F-4D97-AF65-F5344CB8AC3E}">
-        <p14:creationId xmlns:p14="http://schemas.microsoft.com/office/powerpoint/2010/main" val="1836470017"/>
       </p:ext>
     </p:extLst>
   </p:cSld>
@@ -14837,6 +14851,95 @@
           <p:cNvPr id="2" name="Nadpis 1">
             <a:extLst>
               <a:ext uri="{FF2B5EF4-FFF2-40B4-BE49-F238E27FC236}">
+                <a16:creationId xmlns:a16="http://schemas.microsoft.com/office/drawing/2014/main" id="{F9D43237-D492-4879-88A9-D9EFEC68C673}"/>
+              </a:ext>
+            </a:extLst>
+          </p:cNvPr>
+          <p:cNvSpPr>
+            <a:spLocks noGrp="1"/>
+          </p:cNvSpPr>
+          <p:nvPr>
+            <p:ph type="title"/>
+          </p:nvPr>
+        </p:nvSpPr>
+        <p:spPr/>
+        <p:txBody>
+          <a:bodyPr/>
+          <a:lstStyle/>
+          <a:p>
+            <a:r>
+              <a:rPr lang="cs-CZ" dirty="0"/>
+              <a:t>IMPLEMENTACE</a:t>
+            </a:r>
+          </a:p>
+        </p:txBody>
+      </p:sp>
+      <p:sp>
+        <p:nvSpPr>
+          <p:cNvPr id="3" name="Zástupný symbol pro text 2">
+            <a:extLst>
+              <a:ext uri="{FF2B5EF4-FFF2-40B4-BE49-F238E27FC236}">
+                <a16:creationId xmlns:a16="http://schemas.microsoft.com/office/drawing/2014/main" id="{6B0DA85A-FC23-4CC2-9411-FC8BF798956E}"/>
+              </a:ext>
+            </a:extLst>
+          </p:cNvPr>
+          <p:cNvSpPr>
+            <a:spLocks noGrp="1"/>
+          </p:cNvSpPr>
+          <p:nvPr>
+            <p:ph type="body" idx="1"/>
+          </p:nvPr>
+        </p:nvSpPr>
+        <p:spPr/>
+        <p:txBody>
+          <a:bodyPr/>
+          <a:lstStyle/>
+          <a:p>
+            <a:r>
+              <a:rPr lang="cs-CZ" dirty="0"/>
+              <a:t>azure</a:t>
+            </a:r>
+          </a:p>
+        </p:txBody>
+      </p:sp>
+    </p:spTree>
+    <p:extLst>
+      <p:ext uri="{BB962C8B-B14F-4D97-AF65-F5344CB8AC3E}">
+        <p14:creationId xmlns:p14="http://schemas.microsoft.com/office/powerpoint/2010/main" val="1836470017"/>
+      </p:ext>
+    </p:extLst>
+  </p:cSld>
+  <p:clrMapOvr>
+    <a:masterClrMapping/>
+  </p:clrMapOvr>
+  <p:transition spd="slow">
+    <p:push dir="u"/>
+  </p:transition>
+</p:sld>
+</file>
+
+<file path=ppt/slides/slide21.xml><?xml version="1.0" encoding="utf-8"?>
+<p:sld xmlns:a="http://schemas.openxmlformats.org/drawingml/2006/main" xmlns:r="http://schemas.openxmlformats.org/officeDocument/2006/relationships" xmlns:p="http://schemas.openxmlformats.org/presentationml/2006/main">
+  <p:cSld>
+    <p:spTree>
+      <p:nvGrpSpPr>
+        <p:cNvPr id="1" name=""/>
+        <p:cNvGrpSpPr/>
+        <p:nvPr/>
+      </p:nvGrpSpPr>
+      <p:grpSpPr>
+        <a:xfrm>
+          <a:off x="0" y="0"/>
+          <a:ext cx="0" cy="0"/>
+          <a:chOff x="0" y="0"/>
+          <a:chExt cx="0" cy="0"/>
+        </a:xfrm>
+      </p:grpSpPr>
+      <p:sp>
+        <p:nvSpPr>
+          <p:cNvPr id="2" name="Nadpis 1">
+            <a:extLst>
+              <a:ext uri="{FF2B5EF4-FFF2-40B4-BE49-F238E27FC236}">
                 <a16:creationId xmlns:a16="http://schemas.microsoft.com/office/drawing/2014/main" id="{8F63155E-FCD4-4250-BF5F-490A45229C45}"/>
               </a:ext>
             </a:extLst>
@@ -15040,7 +15143,7 @@
 </p:sld>
 </file>
 
-<file path=ppt/slides/slide21.xml><?xml version="1.0" encoding="utf-8"?>
+<file path=ppt/slides/slide22.xml><?xml version="1.0" encoding="utf-8"?>
 <p:sld xmlns:a="http://schemas.openxmlformats.org/drawingml/2006/main" xmlns:r="http://schemas.openxmlformats.org/officeDocument/2006/relationships" xmlns:p="http://schemas.openxmlformats.org/presentationml/2006/main">
   <p:cSld>
     <p:spTree>
@@ -15234,7 +15337,7 @@
 </p:sld>
 </file>
 
-<file path=ppt/slides/slide22.xml><?xml version="1.0" encoding="utf-8"?>
+<file path=ppt/slides/slide23.xml><?xml version="1.0" encoding="utf-8"?>
 <p:sld xmlns:a="http://schemas.openxmlformats.org/drawingml/2006/main" xmlns:r="http://schemas.openxmlformats.org/officeDocument/2006/relationships" xmlns:p="http://schemas.openxmlformats.org/presentationml/2006/main">
   <p:cSld>
     <p:bg>

--- a/docs/Apollo 13 - Logos Polytechnikos.pptx
+++ b/docs/Apollo 13 - Logos Polytechnikos.pptx
@@ -21,13 +21,16 @@
     <p:sldId id="279" r:id="rId15"/>
     <p:sldId id="281" r:id="rId16"/>
     <p:sldId id="280" r:id="rId17"/>
-    <p:sldId id="273" r:id="rId18"/>
-    <p:sldId id="268" r:id="rId19"/>
-    <p:sldId id="270" r:id="rId20"/>
-    <p:sldId id="267" r:id="rId21"/>
-    <p:sldId id="274" r:id="rId22"/>
-    <p:sldId id="275" r:id="rId23"/>
-    <p:sldId id="269" r:id="rId24"/>
+    <p:sldId id="283" r:id="rId18"/>
+    <p:sldId id="284" r:id="rId19"/>
+    <p:sldId id="282" r:id="rId20"/>
+    <p:sldId id="273" r:id="rId21"/>
+    <p:sldId id="268" r:id="rId22"/>
+    <p:sldId id="270" r:id="rId23"/>
+    <p:sldId id="267" r:id="rId24"/>
+    <p:sldId id="274" r:id="rId25"/>
+    <p:sldId id="275" r:id="rId26"/>
+    <p:sldId id="269" r:id="rId27"/>
   </p:sldIdLst>
   <p:sldSz cx="12192000" cy="6858000"/>
   <p:notesSz cx="6858000" cy="9144000"/>
@@ -159,6 +162,9 @@
             <p14:sldId id="279"/>
             <p14:sldId id="281"/>
             <p14:sldId id="280"/>
+            <p14:sldId id="283"/>
+            <p14:sldId id="284"/>
+            <p14:sldId id="282"/>
             <p14:sldId id="273"/>
           </p14:sldIdLst>
         </p14:section>
@@ -7911,7 +7917,7 @@
           <p:cNvPr id="2" name="Nadpis 1">
             <a:extLst>
               <a:ext uri="{FF2B5EF4-FFF2-40B4-BE49-F238E27FC236}">
-                <a16:creationId xmlns:a16="http://schemas.microsoft.com/office/drawing/2014/main" id="{7F39BEFF-3992-4EF3-AA1F-F04369C15E46}"/>
+                <a16:creationId xmlns:a16="http://schemas.microsoft.com/office/drawing/2014/main" id="{B6DD9CBA-D4E6-45D2-920A-82D4CD3F1636}"/>
               </a:ext>
             </a:extLst>
           </p:cNvPr>
@@ -7928,223 +7934,99 @@
           <a:lstStyle/>
           <a:p>
             <a:r>
-              <a:rPr lang="cs-CZ" dirty="0"/>
-              <a:t>Agenda redaktora</a:t>
-            </a:r>
-          </a:p>
-        </p:txBody>
-      </p:sp>
-      <p:sp>
-        <p:nvSpPr>
-          <p:cNvPr id="3" name="Zástupný symbol pro obsah 2">
-            <a:extLst>
-              <a:ext uri="{FF2B5EF4-FFF2-40B4-BE49-F238E27FC236}">
-                <a16:creationId xmlns:a16="http://schemas.microsoft.com/office/drawing/2014/main" id="{7D071722-F357-4052-A976-A6C3A1B6937A}"/>
-              </a:ext>
-            </a:extLst>
-          </p:cNvPr>
-          <p:cNvSpPr>
-            <a:spLocks noGrp="1"/>
-          </p:cNvSpPr>
-          <p:nvPr>
-            <p:ph idx="1"/>
-          </p:nvPr>
-        </p:nvSpPr>
-        <p:spPr/>
-        <p:txBody>
-          <a:bodyPr/>
-          <a:lstStyle/>
-          <a:p>
-            <a:r>
-              <a:rPr lang="cs-CZ" dirty="0"/>
-              <a:t>Přehled pro šéfredaktora</a:t>
-            </a:r>
-          </a:p>
-          <a:p>
-            <a:r>
-              <a:rPr lang="cs-CZ" dirty="0"/>
-              <a:t>Zobrazení redaktorů</a:t>
-            </a:r>
-          </a:p>
-          <a:p>
-            <a:r>
-              <a:rPr lang="cs-CZ" dirty="0"/>
-              <a:t>Zobrazení práce</a:t>
-            </a:r>
-            <a:endParaRPr lang="en-US" dirty="0"/>
-          </a:p>
-          <a:p>
-            <a:pPr marL="457200" lvl="1" indent="0">
-              <a:buNone/>
-            </a:pPr>
-            <a:r>
-              <a:rPr lang="cs-CZ" dirty="0"/>
-              <a:t>SELECT [User].</a:t>
+              <a:rPr lang="en-GB" dirty="0" err="1"/>
+              <a:t>Nastavení</a:t>
             </a:r>
             <a:r>
-              <a:rPr lang="cs-CZ" dirty="0" err="1"/>
-              <a:t>jmeno</a:t>
+              <a:rPr lang="en-GB" dirty="0"/>
+              <a:t> </a:t>
             </a:r>
             <a:r>
-              <a:rPr lang="cs-CZ" dirty="0"/>
-              <a:t>,[User].</a:t>
+              <a:rPr lang="en-GB" dirty="0" err="1"/>
+              <a:t>stavu</a:t>
             </a:r>
             <a:r>
-              <a:rPr lang="cs-CZ" dirty="0" err="1"/>
-              <a:t>prijmeni</a:t>
+              <a:rPr lang="en-GB" dirty="0"/>
+              <a:t> </a:t>
             </a:r>
             <a:r>
-              <a:rPr lang="cs-CZ" dirty="0"/>
-              <a:t>,[</a:t>
-            </a:r>
-            <a:r>
-              <a:rPr lang="cs-CZ" dirty="0" err="1"/>
-              <a:t>Clanek</a:t>
-            </a:r>
-            <a:r>
-              <a:rPr lang="cs-CZ" dirty="0"/>
-              <a:t>].</a:t>
-            </a:r>
-            <a:r>
-              <a:rPr lang="cs-CZ" dirty="0" err="1"/>
-              <a:t>nadpis_clanku</a:t>
-            </a:r>
-            <a:r>
-              <a:rPr lang="cs-CZ" dirty="0"/>
-              <a:t>,[Stav].</a:t>
-            </a:r>
-            <a:r>
-              <a:rPr lang="cs-CZ" dirty="0" err="1"/>
-              <a:t>nazev_stav_cit</a:t>
-            </a:r>
-            <a:endParaRPr lang="cs-CZ" dirty="0"/>
-          </a:p>
-          <a:p>
-            <a:pPr marL="457200" lvl="1" indent="0">
-              <a:buNone/>
-            </a:pPr>
-            <a:r>
-              <a:rPr lang="cs-CZ" dirty="0"/>
-              <a:t>FROM [User] JOIN [</a:t>
-            </a:r>
-            <a:r>
-              <a:rPr lang="cs-CZ" dirty="0" err="1"/>
-              <a:t>Propoj_clanek_oponent</a:t>
-            </a:r>
-            <a:r>
-              <a:rPr lang="cs-CZ" dirty="0"/>
-              <a:t>] ON ([User].</a:t>
-            </a:r>
-            <a:r>
-              <a:rPr lang="cs-CZ" dirty="0" err="1"/>
-              <a:t>id_user</a:t>
-            </a:r>
-            <a:r>
-              <a:rPr lang="cs-CZ" dirty="0"/>
-              <a:t> = [</a:t>
-            </a:r>
-            <a:r>
-              <a:rPr lang="cs-CZ" dirty="0" err="1"/>
-              <a:t>Propoj_clanek_oponent</a:t>
-            </a:r>
-            <a:r>
-              <a:rPr lang="cs-CZ" dirty="0"/>
-              <a:t>].oponent) JOIN [</a:t>
-            </a:r>
-            <a:r>
-              <a:rPr lang="cs-CZ" dirty="0" err="1"/>
-              <a:t>Clanek</a:t>
-            </a:r>
-            <a:r>
-              <a:rPr lang="cs-CZ" dirty="0"/>
-              <a:t>] ON ([</a:t>
-            </a:r>
-            <a:r>
-              <a:rPr lang="cs-CZ" dirty="0" err="1"/>
-              <a:t>Clanek</a:t>
-            </a:r>
-            <a:r>
-              <a:rPr lang="cs-CZ" dirty="0"/>
-              <a:t>].</a:t>
-            </a:r>
-            <a:r>
-              <a:rPr lang="cs-CZ" dirty="0" err="1"/>
-              <a:t>id_clanek</a:t>
-            </a:r>
-            <a:r>
-              <a:rPr lang="cs-CZ" dirty="0"/>
-              <a:t>=[</a:t>
-            </a:r>
-            <a:r>
-              <a:rPr lang="cs-CZ" dirty="0" err="1"/>
-              <a:t>Propoj_clanek_oponent</a:t>
-            </a:r>
-            <a:r>
-              <a:rPr lang="cs-CZ" dirty="0"/>
-              <a:t>].</a:t>
-            </a:r>
-            <a:r>
-              <a:rPr lang="cs-CZ" dirty="0" err="1"/>
-              <a:t>clanek</a:t>
-            </a:r>
-            <a:r>
-              <a:rPr lang="cs-CZ" dirty="0"/>
-              <a:t>) JOIN Stav ON ([</a:t>
-            </a:r>
-            <a:r>
-              <a:rPr lang="cs-CZ" dirty="0" err="1"/>
-              <a:t>Clanek</a:t>
-            </a:r>
-            <a:r>
-              <a:rPr lang="cs-CZ" dirty="0"/>
-              <a:t>].stav=[Stav].</a:t>
-            </a:r>
-            <a:r>
-              <a:rPr lang="cs-CZ" dirty="0" err="1"/>
-              <a:t>id_stav</a:t>
-            </a:r>
-            <a:r>
-              <a:rPr lang="cs-CZ" dirty="0"/>
-              <a:t>)</a:t>
-            </a:r>
-          </a:p>
-          <a:p>
-            <a:pPr marL="457200" lvl="1" indent="0">
-              <a:buNone/>
-            </a:pPr>
-            <a:r>
-              <a:rPr lang="cs-CZ" dirty="0"/>
-              <a:t>WHERE </a:t>
-            </a:r>
-            <a:r>
-              <a:rPr lang="cs-CZ" dirty="0" err="1"/>
-              <a:t>prideleno</a:t>
-            </a:r>
-            <a:r>
-              <a:rPr lang="cs-CZ" dirty="0"/>
-              <a:t>=@</a:t>
-            </a:r>
-            <a:r>
-              <a:rPr lang="cs-CZ" dirty="0" err="1"/>
-              <a:t>prideleno</a:t>
+              <a:rPr lang="en-GB" dirty="0" err="1"/>
+              <a:t>článku</a:t>
             </a:r>
             <a:endParaRPr lang="cs-CZ" dirty="0"/>
           </a:p>
         </p:txBody>
       </p:sp>
+      <p:pic>
+        <p:nvPicPr>
+          <p:cNvPr id="4" name="Obrázek 3">
+            <a:extLst>
+              <a:ext uri="{FF2B5EF4-FFF2-40B4-BE49-F238E27FC236}">
+                <a16:creationId xmlns:a16="http://schemas.microsoft.com/office/drawing/2014/main" id="{F73ACBF3-519F-426B-AC38-DAFA0AE1C3B5}"/>
+              </a:ext>
+            </a:extLst>
+          </p:cNvPr>
+          <p:cNvPicPr>
+            <a:picLocks noChangeAspect="1"/>
+          </p:cNvPicPr>
+          <p:nvPr/>
+        </p:nvPicPr>
+        <p:blipFill>
+          <a:blip r:embed="rId2"/>
+          <a:stretch>
+            <a:fillRect/>
+          </a:stretch>
+        </p:blipFill>
+        <p:spPr>
+          <a:xfrm>
+            <a:off x="3881126" y="1159403"/>
+            <a:ext cx="4429743" cy="2972215"/>
+          </a:xfrm>
+          <a:prstGeom prst="rect">
+            <a:avLst/>
+          </a:prstGeom>
+        </p:spPr>
+      </p:pic>
+      <p:pic>
+        <p:nvPicPr>
+          <p:cNvPr id="5" name="Obrázek 4">
+            <a:extLst>
+              <a:ext uri="{FF2B5EF4-FFF2-40B4-BE49-F238E27FC236}">
+                <a16:creationId xmlns:a16="http://schemas.microsoft.com/office/drawing/2014/main" id="{51E34E1E-B11A-4F3A-B47E-EF204E49A13C}"/>
+              </a:ext>
+            </a:extLst>
+          </p:cNvPr>
+          <p:cNvPicPr>
+            <a:picLocks noChangeAspect="1"/>
+          </p:cNvPicPr>
+          <p:nvPr/>
+        </p:nvPicPr>
+        <p:blipFill>
+          <a:blip r:embed="rId3"/>
+          <a:stretch>
+            <a:fillRect/>
+          </a:stretch>
+        </p:blipFill>
+        <p:spPr>
+          <a:xfrm>
+            <a:off x="1056568" y="4289883"/>
+            <a:ext cx="10078857" cy="2314898"/>
+          </a:xfrm>
+          <a:prstGeom prst="rect">
+            <a:avLst/>
+          </a:prstGeom>
+        </p:spPr>
+      </p:pic>
     </p:spTree>
     <p:extLst>
       <p:ext uri="{BB962C8B-B14F-4D97-AF65-F5344CB8AC3E}">
-        <p14:creationId xmlns:p14="http://schemas.microsoft.com/office/powerpoint/2010/main" val="661096405"/>
+        <p14:creationId xmlns:p14="http://schemas.microsoft.com/office/powerpoint/2010/main" val="2115630873"/>
       </p:ext>
     </p:extLst>
   </p:cSld>
   <p:clrMapOvr>
     <a:masterClrMapping/>
   </p:clrMapOvr>
-  <p:transition spd="slow">
-    <p:push dir="u"/>
-  </p:transition>
 </p:sld>
 </file>
 
@@ -8170,7 +8052,7 @@
           <p:cNvPr id="2" name="Nadpis 1">
             <a:extLst>
               <a:ext uri="{FF2B5EF4-FFF2-40B4-BE49-F238E27FC236}">
-                <a16:creationId xmlns:a16="http://schemas.microsoft.com/office/drawing/2014/main" id="{390E2A4C-3D74-46D4-9F5C-60875A676FBE}"/>
+                <a16:creationId xmlns:a16="http://schemas.microsoft.com/office/drawing/2014/main" id="{8CCF0469-B719-473E-B414-9F0BBBA1C88C}"/>
               </a:ext>
             </a:extLst>
           </p:cNvPr>
@@ -8187,18 +8069,35 @@
           <a:lstStyle/>
           <a:p>
             <a:r>
-              <a:rPr lang="cs-CZ" dirty="0"/>
-              <a:t>DESIGN</a:t>
+              <a:rPr lang="en-GB" dirty="0" err="1"/>
+              <a:t>Nastavení</a:t>
             </a:r>
+            <a:r>
+              <a:rPr lang="en-GB" dirty="0"/>
+              <a:t> </a:t>
+            </a:r>
+            <a:r>
+              <a:rPr lang="en-GB" dirty="0" err="1"/>
+              <a:t>stavu</a:t>
+            </a:r>
+            <a:r>
+              <a:rPr lang="en-GB" dirty="0"/>
+              <a:t> </a:t>
+            </a:r>
+            <a:r>
+              <a:rPr lang="en-GB" dirty="0" err="1"/>
+              <a:t>článku</a:t>
+            </a:r>
+            <a:endParaRPr lang="cs-CZ" dirty="0"/>
           </a:p>
         </p:txBody>
       </p:sp>
       <p:sp>
         <p:nvSpPr>
-          <p:cNvPr id="3" name="Zástupný symbol pro text 2">
+          <p:cNvPr id="3" name="Zástupný symbol pro obsah 2">
             <a:extLst>
               <a:ext uri="{FF2B5EF4-FFF2-40B4-BE49-F238E27FC236}">
-                <a16:creationId xmlns:a16="http://schemas.microsoft.com/office/drawing/2014/main" id="{405D8302-1AA3-4F38-8EAE-56C12DE13A9A}"/>
+                <a16:creationId xmlns:a16="http://schemas.microsoft.com/office/drawing/2014/main" id="{2CF9E9D2-06F5-4A63-931F-5228D8E1E237}"/>
               </a:ext>
             </a:extLst>
           </p:cNvPr>
@@ -8206,7 +8105,7 @@
             <a:spLocks noGrp="1"/>
           </p:cNvSpPr>
           <p:nvPr>
-            <p:ph type="body" idx="1"/>
+            <p:ph idx="1"/>
           </p:nvPr>
         </p:nvSpPr>
         <p:spPr/>
@@ -8214,23 +8113,138 @@
           <a:bodyPr/>
           <a:lstStyle/>
           <a:p>
-            <a:endParaRPr lang="cs-CZ"/>
+            <a:r>
+              <a:rPr lang="en-GB" dirty="0" err="1"/>
+              <a:t>Zvolení</a:t>
+            </a:r>
+            <a:r>
+              <a:rPr lang="en-GB" dirty="0"/>
+              <a:t> </a:t>
+            </a:r>
+            <a:r>
+              <a:rPr lang="en-GB" dirty="0" err="1"/>
+              <a:t>autora</a:t>
+            </a:r>
+            <a:endParaRPr lang="en-GB" dirty="0"/>
+          </a:p>
+          <a:p>
+            <a:r>
+              <a:rPr lang="en-GB" dirty="0" err="1"/>
+              <a:t>Vybrání</a:t>
+            </a:r>
+            <a:r>
+              <a:rPr lang="en-GB" dirty="0"/>
+              <a:t> </a:t>
+            </a:r>
+            <a:r>
+              <a:rPr lang="en-GB" dirty="0" err="1"/>
+              <a:t>článku</a:t>
+            </a:r>
+            <a:endParaRPr lang="en-GB" dirty="0"/>
+          </a:p>
+          <a:p>
+            <a:r>
+              <a:rPr lang="en-GB" dirty="0" err="1"/>
+              <a:t>Změna</a:t>
+            </a:r>
+            <a:r>
+              <a:rPr lang="en-GB" dirty="0"/>
+              <a:t> </a:t>
+            </a:r>
+            <a:r>
+              <a:rPr lang="en-GB" dirty="0" err="1"/>
+              <a:t>stavu</a:t>
+            </a:r>
+            <a:r>
+              <a:rPr lang="en-GB" dirty="0"/>
+              <a:t> </a:t>
+            </a:r>
+            <a:r>
+              <a:rPr lang="en-GB" dirty="0" err="1"/>
+              <a:t>dle</a:t>
+            </a:r>
+            <a:r>
+              <a:rPr lang="en-GB" dirty="0"/>
+              <a:t> </a:t>
+            </a:r>
+            <a:r>
+              <a:rPr lang="en-GB" dirty="0" err="1"/>
+              <a:t>číselníku</a:t>
+            </a:r>
+            <a:endParaRPr lang="cs-CZ" dirty="0"/>
           </a:p>
         </p:txBody>
       </p:sp>
+      <p:pic>
+        <p:nvPicPr>
+          <p:cNvPr id="4" name="Obrázek 3">
+            <a:extLst>
+              <a:ext uri="{FF2B5EF4-FFF2-40B4-BE49-F238E27FC236}">
+                <a16:creationId xmlns:a16="http://schemas.microsoft.com/office/drawing/2014/main" id="{56C1D587-19B0-4BBD-AB97-EC54A6857735}"/>
+              </a:ext>
+            </a:extLst>
+          </p:cNvPr>
+          <p:cNvPicPr>
+            <a:picLocks noChangeAspect="1"/>
+          </p:cNvPicPr>
+          <p:nvPr/>
+        </p:nvPicPr>
+        <p:blipFill>
+          <a:blip r:embed="rId2"/>
+          <a:stretch>
+            <a:fillRect/>
+          </a:stretch>
+        </p:blipFill>
+        <p:spPr>
+          <a:xfrm>
+            <a:off x="7686214" y="4017960"/>
+            <a:ext cx="2238375" cy="742950"/>
+          </a:xfrm>
+          <a:prstGeom prst="rect">
+            <a:avLst/>
+          </a:prstGeom>
+        </p:spPr>
+      </p:pic>
+      <p:pic>
+        <p:nvPicPr>
+          <p:cNvPr id="5" name="Obrázek 4">
+            <a:extLst>
+              <a:ext uri="{FF2B5EF4-FFF2-40B4-BE49-F238E27FC236}">
+                <a16:creationId xmlns:a16="http://schemas.microsoft.com/office/drawing/2014/main" id="{38FE2629-8F18-43B4-AA4D-241D4A9533A1}"/>
+              </a:ext>
+            </a:extLst>
+          </p:cNvPr>
+          <p:cNvPicPr>
+            <a:picLocks noChangeAspect="1"/>
+          </p:cNvPicPr>
+          <p:nvPr/>
+        </p:nvPicPr>
+        <p:blipFill>
+          <a:blip r:embed="rId3"/>
+          <a:stretch>
+            <a:fillRect/>
+          </a:stretch>
+        </p:blipFill>
+        <p:spPr>
+          <a:xfrm>
+            <a:off x="7500477" y="1733550"/>
+            <a:ext cx="2609850" cy="1695450"/>
+          </a:xfrm>
+          <a:prstGeom prst="rect">
+            <a:avLst/>
+          </a:prstGeom>
+        </p:spPr>
+      </p:pic>
     </p:spTree>
     <p:extLst>
       <p:ext uri="{BB962C8B-B14F-4D97-AF65-F5344CB8AC3E}">
-        <p14:creationId xmlns:p14="http://schemas.microsoft.com/office/powerpoint/2010/main" val="1241703324"/>
+        <p14:creationId xmlns:p14="http://schemas.microsoft.com/office/powerpoint/2010/main" val="969282975"/>
       </p:ext>
     </p:extLst>
   </p:cSld>
   <p:clrMapOvr>
     <a:masterClrMapping/>
   </p:clrMapOvr>
-  <p:transition spd="slow">
-    <p:push dir="u"/>
-  </p:transition>
 </p:sld>
 </file>
 
@@ -8253,10 +8267,10 @@
       </p:grpSpPr>
       <p:sp>
         <p:nvSpPr>
-          <p:cNvPr id="4" name="Nadpis 3">
+          <p:cNvPr id="2" name="Nadpis 1">
             <a:extLst>
               <a:ext uri="{FF2B5EF4-FFF2-40B4-BE49-F238E27FC236}">
-                <a16:creationId xmlns:a16="http://schemas.microsoft.com/office/drawing/2014/main" id="{B246B355-181F-4794-BD8B-BBA3234F744D}"/>
+                <a16:creationId xmlns:a16="http://schemas.microsoft.com/office/drawing/2014/main" id="{533F49C7-B624-4E6D-A929-AFA72E3AADF9}"/>
               </a:ext>
             </a:extLst>
           </p:cNvPr>
@@ -8272,16 +8286,133 @@
           <a:bodyPr/>
           <a:lstStyle/>
           <a:p>
-            <a:endParaRPr lang="cs-CZ"/>
+            <a:r>
+              <a:rPr lang="en-GB" dirty="0" err="1"/>
+              <a:t>Přehled</a:t>
+            </a:r>
+            <a:r>
+              <a:rPr lang="en-GB" dirty="0"/>
+              <a:t> </a:t>
+            </a:r>
+            <a:r>
+              <a:rPr lang="en-GB" dirty="0" err="1"/>
+              <a:t>článků</a:t>
+            </a:r>
+            <a:r>
+              <a:rPr lang="en-GB" dirty="0"/>
+              <a:t> pro </a:t>
+            </a:r>
+            <a:r>
+              <a:rPr lang="en-GB" dirty="0" err="1"/>
+              <a:t>autora</a:t>
+            </a:r>
+            <a:endParaRPr lang="cs-CZ" dirty="0"/>
+          </a:p>
+        </p:txBody>
+      </p:sp>
+      <p:sp>
+        <p:nvSpPr>
+          <p:cNvPr id="12" name="Zástupný symbol pro obsah 2">
+            <a:extLst>
+              <a:ext uri="{FF2B5EF4-FFF2-40B4-BE49-F238E27FC236}">
+                <a16:creationId xmlns:a16="http://schemas.microsoft.com/office/drawing/2014/main" id="{DAF09EFF-DEB0-4C83-8885-C18DF63899A2}"/>
+              </a:ext>
+            </a:extLst>
+          </p:cNvPr>
+          <p:cNvSpPr>
+            <a:spLocks noGrp="1"/>
+          </p:cNvSpPr>
+          <p:nvPr>
+            <p:ph idx="1"/>
+          </p:nvPr>
+        </p:nvSpPr>
+        <p:spPr>
+          <a:xfrm>
+            <a:off x="4685953" y="4160520"/>
+            <a:ext cx="3309772" cy="3046615"/>
+          </a:xfrm>
+        </p:spPr>
+        <p:txBody>
+          <a:bodyPr>
+            <a:normAutofit fontScale="92500"/>
+          </a:bodyPr>
+          <a:lstStyle/>
+          <a:p>
+            <a:pPr algn="ctr">
+              <a:lnSpc>
+                <a:spcPct val="250000"/>
+              </a:lnSpc>
+            </a:pPr>
+            <a:r>
+              <a:rPr lang="en-GB" dirty="0" err="1"/>
+              <a:t>Informace</a:t>
+            </a:r>
+            <a:r>
+              <a:rPr lang="en-GB" dirty="0"/>
+              <a:t> o </a:t>
+            </a:r>
+            <a:r>
+              <a:rPr lang="en-GB" dirty="0" err="1"/>
+              <a:t>článcích</a:t>
+            </a:r>
+            <a:endParaRPr lang="cs-CZ" dirty="0"/>
+          </a:p>
+          <a:p>
+            <a:pPr algn="ctr">
+              <a:lnSpc>
+                <a:spcPct val="250000"/>
+              </a:lnSpc>
+            </a:pPr>
+            <a:r>
+              <a:rPr lang="en-GB" dirty="0" err="1"/>
+              <a:t>Zvolení</a:t>
+            </a:r>
+            <a:r>
+              <a:rPr lang="en-GB" dirty="0"/>
+              <a:t> </a:t>
+            </a:r>
+            <a:r>
+              <a:rPr lang="en-GB" dirty="0" err="1"/>
+              <a:t>článku</a:t>
+            </a:r>
+            <a:endParaRPr lang="cs-CZ" dirty="0"/>
+          </a:p>
+          <a:p>
+            <a:pPr algn="ctr">
+              <a:lnSpc>
+                <a:spcPct val="250000"/>
+              </a:lnSpc>
+            </a:pPr>
+            <a:r>
+              <a:rPr lang="en-GB" dirty="0" err="1"/>
+              <a:t>Posudek</a:t>
+            </a:r>
+            <a:r>
+              <a:rPr lang="en-GB" dirty="0"/>
+              <a:t> k </a:t>
+            </a:r>
+            <a:r>
+              <a:rPr lang="en-GB" dirty="0" err="1"/>
+              <a:t>vybranému</a:t>
+            </a:r>
+            <a:r>
+              <a:rPr lang="en-GB" dirty="0"/>
+              <a:t> </a:t>
+            </a:r>
+            <a:r>
+              <a:rPr lang="en-GB" dirty="0" err="1"/>
+              <a:t>článku</a:t>
+            </a:r>
+            <a:endParaRPr lang="cs-CZ" dirty="0"/>
           </a:p>
         </p:txBody>
       </p:sp>
       <p:pic>
         <p:nvPicPr>
-          <p:cNvPr id="7" name="Obrázek 6">
+          <p:cNvPr id="14" name="Obrázek 13">
             <a:extLst>
               <a:ext uri="{FF2B5EF4-FFF2-40B4-BE49-F238E27FC236}">
-                <a16:creationId xmlns:a16="http://schemas.microsoft.com/office/drawing/2014/main" id="{45F2AACA-70A2-4D44-AA09-794ED7687C37}"/>
+                <a16:creationId xmlns:a16="http://schemas.microsoft.com/office/drawing/2014/main" id="{A38605AC-B860-4EFB-B262-5A9D6F5E913D}"/>
               </a:ext>
             </a:extLst>
           </p:cNvPr>
@@ -8298,52 +8429,54 @@
         </p:blipFill>
         <p:spPr>
           <a:xfrm>
-            <a:off x="534955" y="455606"/>
-            <a:ext cx="11122090" cy="5946788"/>
+            <a:off x="1367697" y="1370794"/>
+            <a:ext cx="9572625" cy="1781175"/>
           </a:xfrm>
           <a:prstGeom prst="rect">
             <a:avLst/>
           </a:prstGeom>
         </p:spPr>
       </p:pic>
-      <p:sp>
-        <p:nvSpPr>
-          <p:cNvPr id="9" name="Zástupný symbol pro obsah 8">
+      <p:pic>
+        <p:nvPicPr>
+          <p:cNvPr id="15" name="Obrázek 14">
             <a:extLst>
               <a:ext uri="{FF2B5EF4-FFF2-40B4-BE49-F238E27FC236}">
-                <a16:creationId xmlns:a16="http://schemas.microsoft.com/office/drawing/2014/main" id="{EC09A69E-27E3-43F1-A045-839710E05678}"/>
+                <a16:creationId xmlns:a16="http://schemas.microsoft.com/office/drawing/2014/main" id="{C202A807-F8E1-401F-A9DF-07BF5E2B96C9}"/>
               </a:ext>
             </a:extLst>
           </p:cNvPr>
-          <p:cNvSpPr>
-            <a:spLocks noGrp="1"/>
-          </p:cNvSpPr>
-          <p:nvPr>
-            <p:ph idx="1"/>
-          </p:nvPr>
-        </p:nvSpPr>
-        <p:spPr/>
-        <p:txBody>
-          <a:bodyPr/>
-          <a:lstStyle/>
-          <a:p>
-            <a:endParaRPr lang="cs-CZ" dirty="0"/>
-          </a:p>
-        </p:txBody>
-      </p:sp>
+          <p:cNvPicPr>
+            <a:picLocks noChangeAspect="1"/>
+          </p:cNvPicPr>
+          <p:nvPr/>
+        </p:nvPicPr>
+        <p:blipFill>
+          <a:blip r:embed="rId3"/>
+          <a:stretch>
+            <a:fillRect/>
+          </a:stretch>
+        </p:blipFill>
+        <p:spPr>
+          <a:xfrm>
+            <a:off x="1252537" y="3435528"/>
+            <a:ext cx="9686925" cy="704850"/>
+          </a:xfrm>
+          <a:prstGeom prst="rect">
+            <a:avLst/>
+          </a:prstGeom>
+        </p:spPr>
+      </p:pic>
     </p:spTree>
     <p:extLst>
       <p:ext uri="{BB962C8B-B14F-4D97-AF65-F5344CB8AC3E}">
-        <p14:creationId xmlns:p14="http://schemas.microsoft.com/office/powerpoint/2010/main" val="1174386991"/>
+        <p14:creationId xmlns:p14="http://schemas.microsoft.com/office/powerpoint/2010/main" val="2258441917"/>
       </p:ext>
     </p:extLst>
   </p:cSld>
   <p:clrMapOvr>
     <a:masterClrMapping/>
   </p:clrMapOvr>
-  <p:transition spd="slow">
-    <p:push dir="u"/>
-  </p:transition>
 </p:sld>
 </file>
 
@@ -14851,6 +14984,464 @@
           <p:cNvPr id="2" name="Nadpis 1">
             <a:extLst>
               <a:ext uri="{FF2B5EF4-FFF2-40B4-BE49-F238E27FC236}">
+                <a16:creationId xmlns:a16="http://schemas.microsoft.com/office/drawing/2014/main" id="{7F39BEFF-3992-4EF3-AA1F-F04369C15E46}"/>
+              </a:ext>
+            </a:extLst>
+          </p:cNvPr>
+          <p:cNvSpPr>
+            <a:spLocks noGrp="1"/>
+          </p:cNvSpPr>
+          <p:nvPr>
+            <p:ph type="title"/>
+          </p:nvPr>
+        </p:nvSpPr>
+        <p:spPr/>
+        <p:txBody>
+          <a:bodyPr/>
+          <a:lstStyle/>
+          <a:p>
+            <a:r>
+              <a:rPr lang="cs-CZ" dirty="0"/>
+              <a:t>Agenda redaktora</a:t>
+            </a:r>
+          </a:p>
+        </p:txBody>
+      </p:sp>
+      <p:sp>
+        <p:nvSpPr>
+          <p:cNvPr id="3" name="Zástupný symbol pro obsah 2">
+            <a:extLst>
+              <a:ext uri="{FF2B5EF4-FFF2-40B4-BE49-F238E27FC236}">
+                <a16:creationId xmlns:a16="http://schemas.microsoft.com/office/drawing/2014/main" id="{7D071722-F357-4052-A976-A6C3A1B6937A}"/>
+              </a:ext>
+            </a:extLst>
+          </p:cNvPr>
+          <p:cNvSpPr>
+            <a:spLocks noGrp="1"/>
+          </p:cNvSpPr>
+          <p:nvPr>
+            <p:ph idx="1"/>
+          </p:nvPr>
+        </p:nvSpPr>
+        <p:spPr/>
+        <p:txBody>
+          <a:bodyPr/>
+          <a:lstStyle/>
+          <a:p>
+            <a:r>
+              <a:rPr lang="cs-CZ" dirty="0"/>
+              <a:t>Přehled pro šéfredaktora</a:t>
+            </a:r>
+          </a:p>
+          <a:p>
+            <a:r>
+              <a:rPr lang="cs-CZ" dirty="0"/>
+              <a:t>Zobrazení redaktorů</a:t>
+            </a:r>
+          </a:p>
+          <a:p>
+            <a:r>
+              <a:rPr lang="cs-CZ" dirty="0"/>
+              <a:t>Zobrazení práce</a:t>
+            </a:r>
+            <a:endParaRPr lang="en-US" dirty="0"/>
+          </a:p>
+          <a:p>
+            <a:pPr marL="457200" lvl="1" indent="0">
+              <a:buNone/>
+            </a:pPr>
+            <a:r>
+              <a:rPr lang="cs-CZ" dirty="0"/>
+              <a:t>SELECT [User].</a:t>
+            </a:r>
+            <a:r>
+              <a:rPr lang="cs-CZ" dirty="0" err="1"/>
+              <a:t>jmeno</a:t>
+            </a:r>
+            <a:r>
+              <a:rPr lang="cs-CZ" dirty="0"/>
+              <a:t>,[User].</a:t>
+            </a:r>
+            <a:r>
+              <a:rPr lang="cs-CZ" dirty="0" err="1"/>
+              <a:t>prijmeni</a:t>
+            </a:r>
+            <a:r>
+              <a:rPr lang="cs-CZ" dirty="0"/>
+              <a:t>,[</a:t>
+            </a:r>
+            <a:r>
+              <a:rPr lang="cs-CZ" dirty="0" err="1"/>
+              <a:t>Clanek</a:t>
+            </a:r>
+            <a:r>
+              <a:rPr lang="cs-CZ" dirty="0"/>
+              <a:t>].</a:t>
+            </a:r>
+            <a:r>
+              <a:rPr lang="cs-CZ" dirty="0" err="1"/>
+              <a:t>nadpis_clanku</a:t>
+            </a:r>
+            <a:r>
+              <a:rPr lang="cs-CZ" dirty="0"/>
+              <a:t>,[Stav].</a:t>
+            </a:r>
+            <a:r>
+              <a:rPr lang="cs-CZ" dirty="0" err="1"/>
+              <a:t>nazev_stav_cit</a:t>
+            </a:r>
+            <a:endParaRPr lang="cs-CZ" dirty="0"/>
+          </a:p>
+          <a:p>
+            <a:pPr marL="457200" lvl="1" indent="0">
+              <a:buNone/>
+            </a:pPr>
+            <a:r>
+              <a:rPr lang="cs-CZ" dirty="0"/>
+              <a:t>FROM [User] JOIN [</a:t>
+            </a:r>
+            <a:r>
+              <a:rPr lang="cs-CZ" dirty="0" err="1"/>
+              <a:t>Propoj_clanek_oponent</a:t>
+            </a:r>
+            <a:r>
+              <a:rPr lang="cs-CZ" dirty="0"/>
+              <a:t>] ON ([User].</a:t>
+            </a:r>
+            <a:r>
+              <a:rPr lang="cs-CZ" dirty="0" err="1"/>
+              <a:t>id_user</a:t>
+            </a:r>
+            <a:r>
+              <a:rPr lang="cs-CZ" dirty="0"/>
+              <a:t> = [</a:t>
+            </a:r>
+            <a:r>
+              <a:rPr lang="cs-CZ" dirty="0" err="1"/>
+              <a:t>Propoj_clanek_oponent</a:t>
+            </a:r>
+            <a:r>
+              <a:rPr lang="cs-CZ" dirty="0"/>
+              <a:t>].oponent) JOIN [</a:t>
+            </a:r>
+            <a:r>
+              <a:rPr lang="cs-CZ" dirty="0" err="1"/>
+              <a:t>Clanek</a:t>
+            </a:r>
+            <a:r>
+              <a:rPr lang="cs-CZ" dirty="0"/>
+              <a:t>] ON ([</a:t>
+            </a:r>
+            <a:r>
+              <a:rPr lang="cs-CZ" dirty="0" err="1"/>
+              <a:t>Clanek</a:t>
+            </a:r>
+            <a:r>
+              <a:rPr lang="cs-CZ" dirty="0"/>
+              <a:t>].</a:t>
+            </a:r>
+            <a:r>
+              <a:rPr lang="cs-CZ" dirty="0" err="1"/>
+              <a:t>id_clanek</a:t>
+            </a:r>
+            <a:r>
+              <a:rPr lang="cs-CZ" dirty="0"/>
+              <a:t>=[</a:t>
+            </a:r>
+            <a:r>
+              <a:rPr lang="cs-CZ" dirty="0" err="1"/>
+              <a:t>Propoj_clanek_oponent</a:t>
+            </a:r>
+            <a:r>
+              <a:rPr lang="cs-CZ" dirty="0"/>
+              <a:t>].</a:t>
+            </a:r>
+            <a:r>
+              <a:rPr lang="cs-CZ" dirty="0" err="1"/>
+              <a:t>clanek</a:t>
+            </a:r>
+            <a:r>
+              <a:rPr lang="cs-CZ" dirty="0"/>
+              <a:t>) JOIN Stav ON ([</a:t>
+            </a:r>
+            <a:r>
+              <a:rPr lang="cs-CZ" dirty="0" err="1"/>
+              <a:t>Clanek</a:t>
+            </a:r>
+            <a:r>
+              <a:rPr lang="cs-CZ" dirty="0"/>
+              <a:t>].stav=[Stav].</a:t>
+            </a:r>
+            <a:r>
+              <a:rPr lang="cs-CZ" dirty="0" err="1"/>
+              <a:t>id_stav</a:t>
+            </a:r>
+            <a:r>
+              <a:rPr lang="cs-CZ" dirty="0"/>
+              <a:t>)</a:t>
+            </a:r>
+          </a:p>
+          <a:p>
+            <a:pPr marL="457200" lvl="1" indent="0">
+              <a:buNone/>
+            </a:pPr>
+            <a:r>
+              <a:rPr lang="cs-CZ" dirty="0"/>
+              <a:t>WHERE </a:t>
+            </a:r>
+            <a:r>
+              <a:rPr lang="cs-CZ" dirty="0" err="1"/>
+              <a:t>prideleno</a:t>
+            </a:r>
+            <a:r>
+              <a:rPr lang="cs-CZ" dirty="0"/>
+              <a:t>=@</a:t>
+            </a:r>
+            <a:r>
+              <a:rPr lang="cs-CZ" dirty="0" err="1"/>
+              <a:t>prideleno</a:t>
+            </a:r>
+            <a:endParaRPr lang="cs-CZ" dirty="0"/>
+          </a:p>
+        </p:txBody>
+      </p:sp>
+    </p:spTree>
+    <p:extLst>
+      <p:ext uri="{BB962C8B-B14F-4D97-AF65-F5344CB8AC3E}">
+        <p14:creationId xmlns:p14="http://schemas.microsoft.com/office/powerpoint/2010/main" val="661096405"/>
+      </p:ext>
+    </p:extLst>
+  </p:cSld>
+  <p:clrMapOvr>
+    <a:masterClrMapping/>
+  </p:clrMapOvr>
+  <p:transition spd="slow">
+    <p:push dir="u"/>
+  </p:transition>
+</p:sld>
+</file>
+
+<file path=ppt/slides/slide21.xml><?xml version="1.0" encoding="utf-8"?>
+<p:sld xmlns:a="http://schemas.openxmlformats.org/drawingml/2006/main" xmlns:r="http://schemas.openxmlformats.org/officeDocument/2006/relationships" xmlns:p="http://schemas.openxmlformats.org/presentationml/2006/main">
+  <p:cSld>
+    <p:spTree>
+      <p:nvGrpSpPr>
+        <p:cNvPr id="1" name=""/>
+        <p:cNvGrpSpPr/>
+        <p:nvPr/>
+      </p:nvGrpSpPr>
+      <p:grpSpPr>
+        <a:xfrm>
+          <a:off x="0" y="0"/>
+          <a:ext cx="0" cy="0"/>
+          <a:chOff x="0" y="0"/>
+          <a:chExt cx="0" cy="0"/>
+        </a:xfrm>
+      </p:grpSpPr>
+      <p:sp>
+        <p:nvSpPr>
+          <p:cNvPr id="2" name="Nadpis 1">
+            <a:extLst>
+              <a:ext uri="{FF2B5EF4-FFF2-40B4-BE49-F238E27FC236}">
+                <a16:creationId xmlns:a16="http://schemas.microsoft.com/office/drawing/2014/main" id="{390E2A4C-3D74-46D4-9F5C-60875A676FBE}"/>
+              </a:ext>
+            </a:extLst>
+          </p:cNvPr>
+          <p:cNvSpPr>
+            <a:spLocks noGrp="1"/>
+          </p:cNvSpPr>
+          <p:nvPr>
+            <p:ph type="title"/>
+          </p:nvPr>
+        </p:nvSpPr>
+        <p:spPr/>
+        <p:txBody>
+          <a:bodyPr/>
+          <a:lstStyle/>
+          <a:p>
+            <a:r>
+              <a:rPr lang="cs-CZ" dirty="0"/>
+              <a:t>DESIGN</a:t>
+            </a:r>
+          </a:p>
+        </p:txBody>
+      </p:sp>
+      <p:sp>
+        <p:nvSpPr>
+          <p:cNvPr id="3" name="Zástupný symbol pro text 2">
+            <a:extLst>
+              <a:ext uri="{FF2B5EF4-FFF2-40B4-BE49-F238E27FC236}">
+                <a16:creationId xmlns:a16="http://schemas.microsoft.com/office/drawing/2014/main" id="{405D8302-1AA3-4F38-8EAE-56C12DE13A9A}"/>
+              </a:ext>
+            </a:extLst>
+          </p:cNvPr>
+          <p:cNvSpPr>
+            <a:spLocks noGrp="1"/>
+          </p:cNvSpPr>
+          <p:nvPr>
+            <p:ph type="body" idx="1"/>
+          </p:nvPr>
+        </p:nvSpPr>
+        <p:spPr/>
+        <p:txBody>
+          <a:bodyPr/>
+          <a:lstStyle/>
+          <a:p>
+            <a:endParaRPr lang="cs-CZ"/>
+          </a:p>
+        </p:txBody>
+      </p:sp>
+    </p:spTree>
+    <p:extLst>
+      <p:ext uri="{BB962C8B-B14F-4D97-AF65-F5344CB8AC3E}">
+        <p14:creationId xmlns:p14="http://schemas.microsoft.com/office/powerpoint/2010/main" val="1241703324"/>
+      </p:ext>
+    </p:extLst>
+  </p:cSld>
+  <p:clrMapOvr>
+    <a:masterClrMapping/>
+  </p:clrMapOvr>
+  <p:transition spd="slow">
+    <p:push dir="u"/>
+  </p:transition>
+</p:sld>
+</file>
+
+<file path=ppt/slides/slide22.xml><?xml version="1.0" encoding="utf-8"?>
+<p:sld xmlns:a="http://schemas.openxmlformats.org/drawingml/2006/main" xmlns:r="http://schemas.openxmlformats.org/officeDocument/2006/relationships" xmlns:p="http://schemas.openxmlformats.org/presentationml/2006/main">
+  <p:cSld>
+    <p:spTree>
+      <p:nvGrpSpPr>
+        <p:cNvPr id="1" name=""/>
+        <p:cNvGrpSpPr/>
+        <p:nvPr/>
+      </p:nvGrpSpPr>
+      <p:grpSpPr>
+        <a:xfrm>
+          <a:off x="0" y="0"/>
+          <a:ext cx="0" cy="0"/>
+          <a:chOff x="0" y="0"/>
+          <a:chExt cx="0" cy="0"/>
+        </a:xfrm>
+      </p:grpSpPr>
+      <p:sp>
+        <p:nvSpPr>
+          <p:cNvPr id="4" name="Nadpis 3">
+            <a:extLst>
+              <a:ext uri="{FF2B5EF4-FFF2-40B4-BE49-F238E27FC236}">
+                <a16:creationId xmlns:a16="http://schemas.microsoft.com/office/drawing/2014/main" id="{B246B355-181F-4794-BD8B-BBA3234F744D}"/>
+              </a:ext>
+            </a:extLst>
+          </p:cNvPr>
+          <p:cNvSpPr>
+            <a:spLocks noGrp="1"/>
+          </p:cNvSpPr>
+          <p:nvPr>
+            <p:ph type="title"/>
+          </p:nvPr>
+        </p:nvSpPr>
+        <p:spPr/>
+        <p:txBody>
+          <a:bodyPr/>
+          <a:lstStyle/>
+          <a:p>
+            <a:endParaRPr lang="cs-CZ"/>
+          </a:p>
+        </p:txBody>
+      </p:sp>
+      <p:pic>
+        <p:nvPicPr>
+          <p:cNvPr id="7" name="Obrázek 6">
+            <a:extLst>
+              <a:ext uri="{FF2B5EF4-FFF2-40B4-BE49-F238E27FC236}">
+                <a16:creationId xmlns:a16="http://schemas.microsoft.com/office/drawing/2014/main" id="{45F2AACA-70A2-4D44-AA09-794ED7687C37}"/>
+              </a:ext>
+            </a:extLst>
+          </p:cNvPr>
+          <p:cNvPicPr>
+            <a:picLocks noChangeAspect="1"/>
+          </p:cNvPicPr>
+          <p:nvPr/>
+        </p:nvPicPr>
+        <p:blipFill>
+          <a:blip r:embed="rId2"/>
+          <a:stretch>
+            <a:fillRect/>
+          </a:stretch>
+        </p:blipFill>
+        <p:spPr>
+          <a:xfrm>
+            <a:off x="534955" y="455606"/>
+            <a:ext cx="11122090" cy="5946788"/>
+          </a:xfrm>
+          <a:prstGeom prst="rect">
+            <a:avLst/>
+          </a:prstGeom>
+        </p:spPr>
+      </p:pic>
+      <p:sp>
+        <p:nvSpPr>
+          <p:cNvPr id="9" name="Zástupný symbol pro obsah 8">
+            <a:extLst>
+              <a:ext uri="{FF2B5EF4-FFF2-40B4-BE49-F238E27FC236}">
+                <a16:creationId xmlns:a16="http://schemas.microsoft.com/office/drawing/2014/main" id="{EC09A69E-27E3-43F1-A045-839710E05678}"/>
+              </a:ext>
+            </a:extLst>
+          </p:cNvPr>
+          <p:cNvSpPr>
+            <a:spLocks noGrp="1"/>
+          </p:cNvSpPr>
+          <p:nvPr>
+            <p:ph idx="1"/>
+          </p:nvPr>
+        </p:nvSpPr>
+        <p:spPr/>
+        <p:txBody>
+          <a:bodyPr/>
+          <a:lstStyle/>
+          <a:p>
+            <a:endParaRPr lang="cs-CZ" dirty="0"/>
+          </a:p>
+        </p:txBody>
+      </p:sp>
+    </p:spTree>
+    <p:extLst>
+      <p:ext uri="{BB962C8B-B14F-4D97-AF65-F5344CB8AC3E}">
+        <p14:creationId xmlns:p14="http://schemas.microsoft.com/office/powerpoint/2010/main" val="1174386991"/>
+      </p:ext>
+    </p:extLst>
+  </p:cSld>
+  <p:clrMapOvr>
+    <a:masterClrMapping/>
+  </p:clrMapOvr>
+  <p:transition spd="slow">
+    <p:push dir="u"/>
+  </p:transition>
+</p:sld>
+</file>
+
+<file path=ppt/slides/slide23.xml><?xml version="1.0" encoding="utf-8"?>
+<p:sld xmlns:a="http://schemas.openxmlformats.org/drawingml/2006/main" xmlns:r="http://schemas.openxmlformats.org/officeDocument/2006/relationships" xmlns:p="http://schemas.openxmlformats.org/presentationml/2006/main">
+  <p:cSld>
+    <p:spTree>
+      <p:nvGrpSpPr>
+        <p:cNvPr id="1" name=""/>
+        <p:cNvGrpSpPr/>
+        <p:nvPr/>
+      </p:nvGrpSpPr>
+      <p:grpSpPr>
+        <a:xfrm>
+          <a:off x="0" y="0"/>
+          <a:ext cx="0" cy="0"/>
+          <a:chOff x="0" y="0"/>
+          <a:chExt cx="0" cy="0"/>
+        </a:xfrm>
+      </p:grpSpPr>
+      <p:sp>
+        <p:nvSpPr>
+          <p:cNvPr id="2" name="Nadpis 1">
+            <a:extLst>
+              <a:ext uri="{FF2B5EF4-FFF2-40B4-BE49-F238E27FC236}">
                 <a16:creationId xmlns:a16="http://schemas.microsoft.com/office/drawing/2014/main" id="{F9D43237-D492-4879-88A9-D9EFEC68C673}"/>
               </a:ext>
             </a:extLst>
@@ -14918,7 +15509,7 @@
 </p:sld>
 </file>
 
-<file path=ppt/slides/slide21.xml><?xml version="1.0" encoding="utf-8"?>
+<file path=ppt/slides/slide24.xml><?xml version="1.0" encoding="utf-8"?>
 <p:sld xmlns:a="http://schemas.openxmlformats.org/drawingml/2006/main" xmlns:r="http://schemas.openxmlformats.org/officeDocument/2006/relationships" xmlns:p="http://schemas.openxmlformats.org/presentationml/2006/main">
   <p:cSld>
     <p:spTree>
@@ -15143,7 +15734,7 @@
 </p:sld>
 </file>
 
-<file path=ppt/slides/slide22.xml><?xml version="1.0" encoding="utf-8"?>
+<file path=ppt/slides/slide25.xml><?xml version="1.0" encoding="utf-8"?>
 <p:sld xmlns:a="http://schemas.openxmlformats.org/drawingml/2006/main" xmlns:r="http://schemas.openxmlformats.org/officeDocument/2006/relationships" xmlns:p="http://schemas.openxmlformats.org/presentationml/2006/main">
   <p:cSld>
     <p:spTree>
@@ -15337,7 +15928,7 @@
 </p:sld>
 </file>
 
-<file path=ppt/slides/slide23.xml><?xml version="1.0" encoding="utf-8"?>
+<file path=ppt/slides/slide26.xml><?xml version="1.0" encoding="utf-8"?>
 <p:sld xmlns:a="http://schemas.openxmlformats.org/drawingml/2006/main" xmlns:r="http://schemas.openxmlformats.org/officeDocument/2006/relationships" xmlns:p="http://schemas.openxmlformats.org/presentationml/2006/main">
   <p:cSld>
     <p:bg>
